--- a/FigureModifier.pptx
+++ b/FigureModifier.pptx
@@ -2,21 +2,22 @@
 <file path=ppt/presentation.xml><?xml version="1.0" encoding="utf-8"?>
 <p:presentation xmlns:a="http://schemas.openxmlformats.org/drawingml/2006/main" xmlns:r="http://schemas.openxmlformats.org/officeDocument/2006/relationships" xmlns:p="http://schemas.openxmlformats.org/presentationml/2006/main" saveSubsetFonts="1" autoCompressPictures="0">
   <p:sldMasterIdLst>
-    <p:sldMasterId id="2147483672" r:id="rId1"/>
+    <p:sldMasterId id="2147483684" r:id="rId1"/>
   </p:sldMasterIdLst>
   <p:notesMasterIdLst>
-    <p:notesMasterId r:id="rId9"/>
+    <p:notesMasterId r:id="rId10"/>
   </p:notesMasterIdLst>
   <p:sldIdLst>
     <p:sldId id="256" r:id="rId2"/>
     <p:sldId id="352" r:id="rId3"/>
     <p:sldId id="349" r:id="rId4"/>
-    <p:sldId id="350" r:id="rId5"/>
-    <p:sldId id="318" r:id="rId6"/>
-    <p:sldId id="331" r:id="rId7"/>
-    <p:sldId id="276" r:id="rId8"/>
+    <p:sldId id="276" r:id="rId5"/>
+    <p:sldId id="354" r:id="rId6"/>
+    <p:sldId id="350" r:id="rId7"/>
+    <p:sldId id="318" r:id="rId8"/>
+    <p:sldId id="331" r:id="rId9"/>
   </p:sldIdLst>
-  <p:sldSz cx="16200438" cy="12960350"/>
+  <p:sldSz cx="20159663" cy="12960350"/>
   <p:notesSz cx="6858000" cy="9144000"/>
   <p:defaultTextStyle>
     <a:defPPr>
@@ -203,7 +204,7 @@
           <a:p>
             <a:fld id="{7BBB8240-48E0-5948-BA17-F40C0ACAA939}" type="datetimeFigureOut">
               <a:rPr lang="en-CN" smtClean="0"/>
-              <a:t>2025/9/8</a:t>
+              <a:t>2025/9/11</a:t>
             </a:fld>
             <a:endParaRPr lang="en-CN"/>
           </a:p>
@@ -221,8 +222,8 @@
         </p:nvSpPr>
         <p:spPr>
           <a:xfrm>
-            <a:off x="1500188" y="1143000"/>
-            <a:ext cx="3857625" cy="3086100"/>
+            <a:off x="1030288" y="1143000"/>
+            <a:ext cx="4797425" cy="3086100"/>
           </a:xfrm>
           <a:prstGeom prst="rect">
             <a:avLst/>
@@ -512,10 +513,17 @@
         </p:nvSpPr>
         <p:spPr>
           <a:xfrm>
-            <a:off x="1500188" y="1143000"/>
-            <a:ext cx="3857625" cy="3086100"/>
-          </a:xfrm>
-        </p:spPr>
+            <a:off x="1030288" y="1143000"/>
+            <a:ext cx="4797425" cy="3086100"/>
+          </a:xfrm>
+        </p:spPr>
+        <p:txBody>
+          <a:bodyPr/>
+          <a:lstStyle/>
+          <a:p>
+            <a:endParaRPr lang="en-CN"/>
+          </a:p>
+        </p:txBody>
       </p:sp>
       <p:sp>
         <p:nvSpPr>
@@ -538,7 +546,7 @@
           <a:bodyPr/>
           <a:lstStyle/>
           <a:p>
-            <a:endParaRPr lang="en-CN" dirty="0"/>
+            <a:endParaRPr lang="en-CN"/>
           </a:p>
         </p:txBody>
       </p:sp>
@@ -625,10 +633,17 @@
         </p:nvSpPr>
         <p:spPr>
           <a:xfrm>
-            <a:off x="1500188" y="1143000"/>
-            <a:ext cx="3857625" cy="3086100"/>
-          </a:xfrm>
-        </p:spPr>
+            <a:off x="1030288" y="1143000"/>
+            <a:ext cx="4797425" cy="3086100"/>
+          </a:xfrm>
+        </p:spPr>
+        <p:txBody>
+          <a:bodyPr/>
+          <a:lstStyle/>
+          <a:p>
+            <a:endParaRPr lang="en-CN"/>
+          </a:p>
+        </p:txBody>
       </p:sp>
       <p:sp>
         <p:nvSpPr>
@@ -651,7 +666,7 @@
           <a:bodyPr/>
           <a:lstStyle/>
           <a:p>
-            <a:endParaRPr lang="en-CN" dirty="0"/>
+            <a:endParaRPr lang="en-CN"/>
           </a:p>
         </p:txBody>
       </p:sp>
@@ -738,10 +753,17 @@
         </p:nvSpPr>
         <p:spPr>
           <a:xfrm>
-            <a:off x="1500188" y="1143000"/>
-            <a:ext cx="3857625" cy="3086100"/>
-          </a:xfrm>
-        </p:spPr>
+            <a:off x="1030288" y="1143000"/>
+            <a:ext cx="4797425" cy="3086100"/>
+          </a:xfrm>
+        </p:spPr>
+        <p:txBody>
+          <a:bodyPr/>
+          <a:lstStyle/>
+          <a:p>
+            <a:endParaRPr lang="en-CN"/>
+          </a:p>
+        </p:txBody>
       </p:sp>
       <p:sp>
         <p:nvSpPr>
@@ -764,7 +786,7 @@
           <a:bodyPr/>
           <a:lstStyle/>
           <a:p>
-            <a:endParaRPr lang="en-CN" dirty="0"/>
+            <a:endParaRPr lang="en-CN"/>
           </a:p>
         </p:txBody>
       </p:sp>
@@ -791,7 +813,7 @@
           <a:p>
             <a:fld id="{7126C75A-AF12-EE40-85C6-D58670A4DB51}" type="slidenum">
               <a:rPr lang="en-CN" smtClean="0"/>
-              <a:t>4</a:t>
+              <a:t>6</a:t>
             </a:fld>
             <a:endParaRPr lang="en-CN"/>
           </a:p>
@@ -839,15 +861,15 @@
         </p:nvSpPr>
         <p:spPr>
           <a:xfrm>
-            <a:off x="1215033" y="2121058"/>
-            <a:ext cx="13770372" cy="4512122"/>
+            <a:off x="1511975" y="2121058"/>
+            <a:ext cx="17135714" cy="4512122"/>
           </a:xfrm>
         </p:spPr>
         <p:txBody>
           <a:bodyPr anchor="b"/>
           <a:lstStyle>
             <a:lvl1pPr algn="ctr">
-              <a:defRPr sz="10630"/>
+              <a:defRPr sz="11339"/>
             </a:lvl1pPr>
           </a:lstStyle>
           <a:p>
@@ -871,8 +893,8 @@
         </p:nvSpPr>
         <p:spPr>
           <a:xfrm>
-            <a:off x="2025055" y="6807185"/>
-            <a:ext cx="12150329" cy="3129084"/>
+            <a:off x="2519958" y="6807185"/>
+            <a:ext cx="15119747" cy="3129084"/>
           </a:xfrm>
         </p:spPr>
         <p:txBody>
@@ -880,39 +902,39 @@
           <a:lstStyle>
             <a:lvl1pPr marL="0" indent="0" algn="ctr">
               <a:buNone/>
-              <a:defRPr sz="4252"/>
+              <a:defRPr sz="4536"/>
             </a:lvl1pPr>
-            <a:lvl2pPr marL="810021" indent="0" algn="ctr">
+            <a:lvl2pPr marL="864017" indent="0" algn="ctr">
               <a:buNone/>
-              <a:defRPr sz="3543"/>
+              <a:defRPr sz="3780"/>
             </a:lvl2pPr>
-            <a:lvl3pPr marL="1620042" indent="0" algn="ctr">
+            <a:lvl3pPr marL="1728033" indent="0" algn="ctr">
               <a:buNone/>
-              <a:defRPr sz="3189"/>
+              <a:defRPr sz="3402"/>
             </a:lvl3pPr>
-            <a:lvl4pPr marL="2430064" indent="0" algn="ctr">
+            <a:lvl4pPr marL="2592050" indent="0" algn="ctr">
               <a:buNone/>
-              <a:defRPr sz="2835"/>
+              <a:defRPr sz="3024"/>
             </a:lvl4pPr>
-            <a:lvl5pPr marL="3240085" indent="0" algn="ctr">
+            <a:lvl5pPr marL="3456066" indent="0" algn="ctr">
               <a:buNone/>
-              <a:defRPr sz="2835"/>
+              <a:defRPr sz="3024"/>
             </a:lvl5pPr>
-            <a:lvl6pPr marL="4050106" indent="0" algn="ctr">
+            <a:lvl6pPr marL="4320083" indent="0" algn="ctr">
               <a:buNone/>
-              <a:defRPr sz="2835"/>
+              <a:defRPr sz="3024"/>
             </a:lvl6pPr>
-            <a:lvl7pPr marL="4860127" indent="0" algn="ctr">
+            <a:lvl7pPr marL="5184099" indent="0" algn="ctr">
               <a:buNone/>
-              <a:defRPr sz="2835"/>
+              <a:defRPr sz="3024"/>
             </a:lvl7pPr>
-            <a:lvl8pPr marL="5670149" indent="0" algn="ctr">
+            <a:lvl8pPr marL="6048116" indent="0" algn="ctr">
               <a:buNone/>
-              <a:defRPr sz="2835"/>
+              <a:defRPr sz="3024"/>
             </a:lvl8pPr>
-            <a:lvl9pPr marL="6480170" indent="0" algn="ctr">
+            <a:lvl9pPr marL="6912132" indent="0" algn="ctr">
               <a:buNone/>
-              <a:defRPr sz="2835"/>
+              <a:defRPr sz="3024"/>
             </a:lvl9pPr>
           </a:lstStyle>
           <a:p>
@@ -941,7 +963,7 @@
           <a:p>
             <a:fld id="{39FA8BDE-1FB5-C241-8497-4DDCBF21EECB}" type="datetimeFigureOut">
               <a:rPr lang="en-CN" smtClean="0"/>
-              <a:t>2025/9/8</a:t>
+              <a:t>2025/9/11</a:t>
             </a:fld>
             <a:endParaRPr lang="en-CN"/>
           </a:p>
@@ -992,7 +1014,7 @@
     </p:spTree>
     <p:extLst>
       <p:ext uri="{BB962C8B-B14F-4D97-AF65-F5344CB8AC3E}">
-        <p14:creationId xmlns:p14="http://schemas.microsoft.com/office/powerpoint/2010/main" val="584853556"/>
+        <p14:creationId xmlns:p14="http://schemas.microsoft.com/office/powerpoint/2010/main" val="3889050071"/>
       </p:ext>
     </p:extLst>
   </p:cSld>
@@ -1111,7 +1133,7 @@
           <a:p>
             <a:fld id="{39FA8BDE-1FB5-C241-8497-4DDCBF21EECB}" type="datetimeFigureOut">
               <a:rPr lang="en-CN" smtClean="0"/>
-              <a:t>2025/9/8</a:t>
+              <a:t>2025/9/11</a:t>
             </a:fld>
             <a:endParaRPr lang="en-CN"/>
           </a:p>
@@ -1162,7 +1184,7 @@
     </p:spTree>
     <p:extLst>
       <p:ext uri="{BB962C8B-B14F-4D97-AF65-F5344CB8AC3E}">
-        <p14:creationId xmlns:p14="http://schemas.microsoft.com/office/powerpoint/2010/main" val="2813644256"/>
+        <p14:creationId xmlns:p14="http://schemas.microsoft.com/office/powerpoint/2010/main" val="3538835184"/>
       </p:ext>
     </p:extLst>
   </p:cSld>
@@ -1201,8 +1223,8 @@
         </p:nvSpPr>
         <p:spPr>
           <a:xfrm>
-            <a:off x="11593440" y="690018"/>
-            <a:ext cx="3493219" cy="10983298"/>
+            <a:off x="14426760" y="690018"/>
+            <a:ext cx="4346927" cy="10983298"/>
           </a:xfrm>
         </p:spPr>
         <p:txBody>
@@ -1229,8 +1251,8 @@
         </p:nvSpPr>
         <p:spPr>
           <a:xfrm>
-            <a:off x="1113781" y="690018"/>
-            <a:ext cx="10277153" cy="10983298"/>
+            <a:off x="1385978" y="690018"/>
+            <a:ext cx="12788786" cy="10983298"/>
           </a:xfrm>
         </p:spPr>
         <p:txBody>
@@ -1291,7 +1313,7 @@
           <a:p>
             <a:fld id="{39FA8BDE-1FB5-C241-8497-4DDCBF21EECB}" type="datetimeFigureOut">
               <a:rPr lang="en-CN" smtClean="0"/>
-              <a:t>2025/9/8</a:t>
+              <a:t>2025/9/11</a:t>
             </a:fld>
             <a:endParaRPr lang="en-CN"/>
           </a:p>
@@ -1342,7 +1364,7 @@
     </p:spTree>
     <p:extLst>
       <p:ext uri="{BB962C8B-B14F-4D97-AF65-F5344CB8AC3E}">
-        <p14:creationId xmlns:p14="http://schemas.microsoft.com/office/powerpoint/2010/main" val="2040199606"/>
+        <p14:creationId xmlns:p14="http://schemas.microsoft.com/office/powerpoint/2010/main" val="4093908302"/>
       </p:ext>
     </p:extLst>
   </p:cSld>
@@ -1461,7 +1483,7 @@
           <a:p>
             <a:fld id="{39FA8BDE-1FB5-C241-8497-4DDCBF21EECB}" type="datetimeFigureOut">
               <a:rPr lang="en-CN" smtClean="0"/>
-              <a:t>2025/9/8</a:t>
+              <a:t>2025/9/11</a:t>
             </a:fld>
             <a:endParaRPr lang="en-CN"/>
           </a:p>
@@ -1512,7 +1534,7 @@
     </p:spTree>
     <p:extLst>
       <p:ext uri="{BB962C8B-B14F-4D97-AF65-F5344CB8AC3E}">
-        <p14:creationId xmlns:p14="http://schemas.microsoft.com/office/powerpoint/2010/main" val="4240686442"/>
+        <p14:creationId xmlns:p14="http://schemas.microsoft.com/office/powerpoint/2010/main" val="3947171041"/>
       </p:ext>
     </p:extLst>
   </p:cSld>
@@ -1551,15 +1573,15 @@
         </p:nvSpPr>
         <p:spPr>
           <a:xfrm>
-            <a:off x="1105343" y="3231091"/>
-            <a:ext cx="13972878" cy="5391145"/>
+            <a:off x="1375478" y="3231091"/>
+            <a:ext cx="17387709" cy="5391145"/>
           </a:xfrm>
         </p:spPr>
         <p:txBody>
           <a:bodyPr anchor="b"/>
           <a:lstStyle>
             <a:lvl1pPr>
-              <a:defRPr sz="10630"/>
+              <a:defRPr sz="11339"/>
             </a:lvl1pPr>
           </a:lstStyle>
           <a:p>
@@ -1583,8 +1605,8 @@
         </p:nvSpPr>
         <p:spPr>
           <a:xfrm>
-            <a:off x="1105343" y="8673238"/>
-            <a:ext cx="13972878" cy="2835076"/>
+            <a:off x="1375478" y="8673238"/>
+            <a:ext cx="17387709" cy="2835076"/>
           </a:xfrm>
         </p:spPr>
         <p:txBody>
@@ -1592,7 +1614,7 @@
           <a:lstStyle>
             <a:lvl1pPr marL="0" indent="0">
               <a:buNone/>
-              <a:defRPr sz="4252">
+              <a:defRPr sz="4536">
                 <a:solidFill>
                   <a:schemeClr val="tx1">
                     <a:tint val="82000"/>
@@ -1600,9 +1622,9 @@
                 </a:solidFill>
               </a:defRPr>
             </a:lvl1pPr>
-            <a:lvl2pPr marL="810021" indent="0">
+            <a:lvl2pPr marL="864017" indent="0">
               <a:buNone/>
-              <a:defRPr sz="3543">
+              <a:defRPr sz="3780">
                 <a:solidFill>
                   <a:schemeClr val="tx1">
                     <a:tint val="82000"/>
@@ -1610,9 +1632,9 @@
                 </a:solidFill>
               </a:defRPr>
             </a:lvl2pPr>
-            <a:lvl3pPr marL="1620042" indent="0">
+            <a:lvl3pPr marL="1728033" indent="0">
               <a:buNone/>
-              <a:defRPr sz="3189">
+              <a:defRPr sz="3402">
                 <a:solidFill>
                   <a:schemeClr val="tx1">
                     <a:tint val="82000"/>
@@ -1620,9 +1642,9 @@
                 </a:solidFill>
               </a:defRPr>
             </a:lvl3pPr>
-            <a:lvl4pPr marL="2430064" indent="0">
+            <a:lvl4pPr marL="2592050" indent="0">
               <a:buNone/>
-              <a:defRPr sz="2835">
+              <a:defRPr sz="3024">
                 <a:solidFill>
                   <a:schemeClr val="tx1">
                     <a:tint val="82000"/>
@@ -1630,9 +1652,9 @@
                 </a:solidFill>
               </a:defRPr>
             </a:lvl4pPr>
-            <a:lvl5pPr marL="3240085" indent="0">
+            <a:lvl5pPr marL="3456066" indent="0">
               <a:buNone/>
-              <a:defRPr sz="2835">
+              <a:defRPr sz="3024">
                 <a:solidFill>
                   <a:schemeClr val="tx1">
                     <a:tint val="82000"/>
@@ -1640,9 +1662,9 @@
                 </a:solidFill>
               </a:defRPr>
             </a:lvl5pPr>
-            <a:lvl6pPr marL="4050106" indent="0">
+            <a:lvl6pPr marL="4320083" indent="0">
               <a:buNone/>
-              <a:defRPr sz="2835">
+              <a:defRPr sz="3024">
                 <a:solidFill>
                   <a:schemeClr val="tx1">
                     <a:tint val="82000"/>
@@ -1650,9 +1672,9 @@
                 </a:solidFill>
               </a:defRPr>
             </a:lvl6pPr>
-            <a:lvl7pPr marL="4860127" indent="0">
+            <a:lvl7pPr marL="5184099" indent="0">
               <a:buNone/>
-              <a:defRPr sz="2835">
+              <a:defRPr sz="3024">
                 <a:solidFill>
                   <a:schemeClr val="tx1">
                     <a:tint val="82000"/>
@@ -1660,9 +1682,9 @@
                 </a:solidFill>
               </a:defRPr>
             </a:lvl7pPr>
-            <a:lvl8pPr marL="5670149" indent="0">
+            <a:lvl8pPr marL="6048116" indent="0">
               <a:buNone/>
-              <a:defRPr sz="2835">
+              <a:defRPr sz="3024">
                 <a:solidFill>
                   <a:schemeClr val="tx1">
                     <a:tint val="82000"/>
@@ -1670,9 +1692,9 @@
                 </a:solidFill>
               </a:defRPr>
             </a:lvl8pPr>
-            <a:lvl9pPr marL="6480170" indent="0">
+            <a:lvl9pPr marL="6912132" indent="0">
               <a:buNone/>
-              <a:defRPr sz="2835">
+              <a:defRPr sz="3024">
                 <a:solidFill>
                   <a:schemeClr val="tx1">
                     <a:tint val="82000"/>
@@ -1707,7 +1729,7 @@
           <a:p>
             <a:fld id="{39FA8BDE-1FB5-C241-8497-4DDCBF21EECB}" type="datetimeFigureOut">
               <a:rPr lang="en-CN" smtClean="0"/>
-              <a:t>2025/9/8</a:t>
+              <a:t>2025/9/11</a:t>
             </a:fld>
             <a:endParaRPr lang="en-CN"/>
           </a:p>
@@ -1758,7 +1780,7 @@
     </p:spTree>
     <p:extLst>
       <p:ext uri="{BB962C8B-B14F-4D97-AF65-F5344CB8AC3E}">
-        <p14:creationId xmlns:p14="http://schemas.microsoft.com/office/powerpoint/2010/main" val="1476334458"/>
+        <p14:creationId xmlns:p14="http://schemas.microsoft.com/office/powerpoint/2010/main" val="2225905043"/>
       </p:ext>
     </p:extLst>
   </p:cSld>
@@ -1820,8 +1842,8 @@
         </p:nvSpPr>
         <p:spPr>
           <a:xfrm>
-            <a:off x="1113780" y="3450093"/>
-            <a:ext cx="6885186" cy="8223223"/>
+            <a:off x="1385977" y="3450093"/>
+            <a:ext cx="8567857" cy="8223223"/>
           </a:xfrm>
         </p:spPr>
         <p:txBody>
@@ -1877,8 +1899,8 @@
         </p:nvSpPr>
         <p:spPr>
           <a:xfrm>
-            <a:off x="8201472" y="3450093"/>
-            <a:ext cx="6885186" cy="8223223"/>
+            <a:off x="10205829" y="3450093"/>
+            <a:ext cx="8567857" cy="8223223"/>
           </a:xfrm>
         </p:spPr>
         <p:txBody>
@@ -1939,7 +1961,7 @@
           <a:p>
             <a:fld id="{39FA8BDE-1FB5-C241-8497-4DDCBF21EECB}" type="datetimeFigureOut">
               <a:rPr lang="en-CN" smtClean="0"/>
-              <a:t>2025/9/8</a:t>
+              <a:t>2025/9/11</a:t>
             </a:fld>
             <a:endParaRPr lang="en-CN"/>
           </a:p>
@@ -1990,7 +2012,7 @@
     </p:spTree>
     <p:extLst>
       <p:ext uri="{BB962C8B-B14F-4D97-AF65-F5344CB8AC3E}">
-        <p14:creationId xmlns:p14="http://schemas.microsoft.com/office/powerpoint/2010/main" val="2002493894"/>
+        <p14:creationId xmlns:p14="http://schemas.microsoft.com/office/powerpoint/2010/main" val="1283924203"/>
       </p:ext>
     </p:extLst>
   </p:cSld>
@@ -2029,8 +2051,8 @@
         </p:nvSpPr>
         <p:spPr>
           <a:xfrm>
-            <a:off x="1115890" y="690021"/>
-            <a:ext cx="13972878" cy="2505069"/>
+            <a:off x="1388603" y="690021"/>
+            <a:ext cx="17387709" cy="2505069"/>
           </a:xfrm>
         </p:spPr>
         <p:txBody>
@@ -2057,8 +2079,8 @@
         </p:nvSpPr>
         <p:spPr>
           <a:xfrm>
-            <a:off x="1115892" y="3177087"/>
-            <a:ext cx="6853544" cy="1557041"/>
+            <a:off x="1388605" y="3177087"/>
+            <a:ext cx="8528481" cy="1557041"/>
           </a:xfrm>
         </p:spPr>
         <p:txBody>
@@ -2066,39 +2088,39 @@
           <a:lstStyle>
             <a:lvl1pPr marL="0" indent="0">
               <a:buNone/>
-              <a:defRPr sz="4252" b="1"/>
+              <a:defRPr sz="4536" b="1"/>
             </a:lvl1pPr>
-            <a:lvl2pPr marL="810021" indent="0">
+            <a:lvl2pPr marL="864017" indent="0">
               <a:buNone/>
-              <a:defRPr sz="3543" b="1"/>
+              <a:defRPr sz="3780" b="1"/>
             </a:lvl2pPr>
-            <a:lvl3pPr marL="1620042" indent="0">
+            <a:lvl3pPr marL="1728033" indent="0">
               <a:buNone/>
-              <a:defRPr sz="3189" b="1"/>
+              <a:defRPr sz="3402" b="1"/>
             </a:lvl3pPr>
-            <a:lvl4pPr marL="2430064" indent="0">
+            <a:lvl4pPr marL="2592050" indent="0">
               <a:buNone/>
-              <a:defRPr sz="2835" b="1"/>
+              <a:defRPr sz="3024" b="1"/>
             </a:lvl4pPr>
-            <a:lvl5pPr marL="3240085" indent="0">
+            <a:lvl5pPr marL="3456066" indent="0">
               <a:buNone/>
-              <a:defRPr sz="2835" b="1"/>
+              <a:defRPr sz="3024" b="1"/>
             </a:lvl5pPr>
-            <a:lvl6pPr marL="4050106" indent="0">
+            <a:lvl6pPr marL="4320083" indent="0">
               <a:buNone/>
-              <a:defRPr sz="2835" b="1"/>
+              <a:defRPr sz="3024" b="1"/>
             </a:lvl6pPr>
-            <a:lvl7pPr marL="4860127" indent="0">
+            <a:lvl7pPr marL="5184099" indent="0">
               <a:buNone/>
-              <a:defRPr sz="2835" b="1"/>
+              <a:defRPr sz="3024" b="1"/>
             </a:lvl7pPr>
-            <a:lvl8pPr marL="5670149" indent="0">
+            <a:lvl8pPr marL="6048116" indent="0">
               <a:buNone/>
-              <a:defRPr sz="2835" b="1"/>
+              <a:defRPr sz="3024" b="1"/>
             </a:lvl8pPr>
-            <a:lvl9pPr marL="6480170" indent="0">
+            <a:lvl9pPr marL="6912132" indent="0">
               <a:buNone/>
-              <a:defRPr sz="2835" b="1"/>
+              <a:defRPr sz="3024" b="1"/>
             </a:lvl9pPr>
           </a:lstStyle>
           <a:p>
@@ -2122,8 +2144,8 @@
         </p:nvSpPr>
         <p:spPr>
           <a:xfrm>
-            <a:off x="1115892" y="4734128"/>
-            <a:ext cx="6853544" cy="6963189"/>
+            <a:off x="1388605" y="4734128"/>
+            <a:ext cx="8528481" cy="6963189"/>
           </a:xfrm>
         </p:spPr>
         <p:txBody>
@@ -2179,8 +2201,8 @@
         </p:nvSpPr>
         <p:spPr>
           <a:xfrm>
-            <a:off x="8201473" y="3177087"/>
-            <a:ext cx="6887296" cy="1557041"/>
+            <a:off x="10205830" y="3177087"/>
+            <a:ext cx="8570483" cy="1557041"/>
           </a:xfrm>
         </p:spPr>
         <p:txBody>
@@ -2188,39 +2210,39 @@
           <a:lstStyle>
             <a:lvl1pPr marL="0" indent="0">
               <a:buNone/>
-              <a:defRPr sz="4252" b="1"/>
+              <a:defRPr sz="4536" b="1"/>
             </a:lvl1pPr>
-            <a:lvl2pPr marL="810021" indent="0">
+            <a:lvl2pPr marL="864017" indent="0">
               <a:buNone/>
-              <a:defRPr sz="3543" b="1"/>
+              <a:defRPr sz="3780" b="1"/>
             </a:lvl2pPr>
-            <a:lvl3pPr marL="1620042" indent="0">
+            <a:lvl3pPr marL="1728033" indent="0">
               <a:buNone/>
-              <a:defRPr sz="3189" b="1"/>
+              <a:defRPr sz="3402" b="1"/>
             </a:lvl3pPr>
-            <a:lvl4pPr marL="2430064" indent="0">
+            <a:lvl4pPr marL="2592050" indent="0">
               <a:buNone/>
-              <a:defRPr sz="2835" b="1"/>
+              <a:defRPr sz="3024" b="1"/>
             </a:lvl4pPr>
-            <a:lvl5pPr marL="3240085" indent="0">
+            <a:lvl5pPr marL="3456066" indent="0">
               <a:buNone/>
-              <a:defRPr sz="2835" b="1"/>
+              <a:defRPr sz="3024" b="1"/>
             </a:lvl5pPr>
-            <a:lvl6pPr marL="4050106" indent="0">
+            <a:lvl6pPr marL="4320083" indent="0">
               <a:buNone/>
-              <a:defRPr sz="2835" b="1"/>
+              <a:defRPr sz="3024" b="1"/>
             </a:lvl6pPr>
-            <a:lvl7pPr marL="4860127" indent="0">
+            <a:lvl7pPr marL="5184099" indent="0">
               <a:buNone/>
-              <a:defRPr sz="2835" b="1"/>
+              <a:defRPr sz="3024" b="1"/>
             </a:lvl7pPr>
-            <a:lvl8pPr marL="5670149" indent="0">
+            <a:lvl8pPr marL="6048116" indent="0">
               <a:buNone/>
-              <a:defRPr sz="2835" b="1"/>
+              <a:defRPr sz="3024" b="1"/>
             </a:lvl8pPr>
-            <a:lvl9pPr marL="6480170" indent="0">
+            <a:lvl9pPr marL="6912132" indent="0">
               <a:buNone/>
-              <a:defRPr sz="2835" b="1"/>
+              <a:defRPr sz="3024" b="1"/>
             </a:lvl9pPr>
           </a:lstStyle>
           <a:p>
@@ -2244,8 +2266,8 @@
         </p:nvSpPr>
         <p:spPr>
           <a:xfrm>
-            <a:off x="8201473" y="4734128"/>
-            <a:ext cx="6887296" cy="6963189"/>
+            <a:off x="10205830" y="4734128"/>
+            <a:ext cx="8570483" cy="6963189"/>
           </a:xfrm>
         </p:spPr>
         <p:txBody>
@@ -2306,7 +2328,7 @@
           <a:p>
             <a:fld id="{39FA8BDE-1FB5-C241-8497-4DDCBF21EECB}" type="datetimeFigureOut">
               <a:rPr lang="en-CN" smtClean="0"/>
-              <a:t>2025/9/8</a:t>
+              <a:t>2025/9/11</a:t>
             </a:fld>
             <a:endParaRPr lang="en-CN"/>
           </a:p>
@@ -2357,7 +2379,7 @@
     </p:spTree>
     <p:extLst>
       <p:ext uri="{BB962C8B-B14F-4D97-AF65-F5344CB8AC3E}">
-        <p14:creationId xmlns:p14="http://schemas.microsoft.com/office/powerpoint/2010/main" val="3739389807"/>
+        <p14:creationId xmlns:p14="http://schemas.microsoft.com/office/powerpoint/2010/main" val="2936668886"/>
       </p:ext>
     </p:extLst>
   </p:cSld>
@@ -2424,7 +2446,7 @@
           <a:p>
             <a:fld id="{39FA8BDE-1FB5-C241-8497-4DDCBF21EECB}" type="datetimeFigureOut">
               <a:rPr lang="en-CN" smtClean="0"/>
-              <a:t>2025/9/8</a:t>
+              <a:t>2025/9/11</a:t>
             </a:fld>
             <a:endParaRPr lang="en-CN"/>
           </a:p>
@@ -2475,7 +2497,7 @@
     </p:spTree>
     <p:extLst>
       <p:ext uri="{BB962C8B-B14F-4D97-AF65-F5344CB8AC3E}">
-        <p14:creationId xmlns:p14="http://schemas.microsoft.com/office/powerpoint/2010/main" val="405732753"/>
+        <p14:creationId xmlns:p14="http://schemas.microsoft.com/office/powerpoint/2010/main" val="1092405397"/>
       </p:ext>
     </p:extLst>
   </p:cSld>
@@ -2519,7 +2541,7 @@
           <a:p>
             <a:fld id="{39FA8BDE-1FB5-C241-8497-4DDCBF21EECB}" type="datetimeFigureOut">
               <a:rPr lang="en-CN" smtClean="0"/>
-              <a:t>2025/9/8</a:t>
+              <a:t>2025/9/11</a:t>
             </a:fld>
             <a:endParaRPr lang="en-CN"/>
           </a:p>
@@ -2570,7 +2592,7 @@
     </p:spTree>
     <p:extLst>
       <p:ext uri="{BB962C8B-B14F-4D97-AF65-F5344CB8AC3E}">
-        <p14:creationId xmlns:p14="http://schemas.microsoft.com/office/powerpoint/2010/main" val="3338777526"/>
+        <p14:creationId xmlns:p14="http://schemas.microsoft.com/office/powerpoint/2010/main" val="4235732218"/>
       </p:ext>
     </p:extLst>
   </p:cSld>
@@ -2609,15 +2631,15 @@
         </p:nvSpPr>
         <p:spPr>
           <a:xfrm>
-            <a:off x="1115890" y="864023"/>
-            <a:ext cx="5225063" cy="3024082"/>
+            <a:off x="1388603" y="864023"/>
+            <a:ext cx="6502016" cy="3024082"/>
           </a:xfrm>
         </p:spPr>
         <p:txBody>
           <a:bodyPr anchor="b"/>
           <a:lstStyle>
             <a:lvl1pPr>
-              <a:defRPr sz="5669"/>
+              <a:defRPr sz="6047"/>
             </a:lvl1pPr>
           </a:lstStyle>
           <a:p>
@@ -2641,39 +2663,39 @@
         </p:nvSpPr>
         <p:spPr>
           <a:xfrm>
-            <a:off x="6887296" y="1866053"/>
-            <a:ext cx="8201472" cy="9210249"/>
+            <a:off x="8570483" y="1866053"/>
+            <a:ext cx="10205829" cy="9210249"/>
           </a:xfrm>
         </p:spPr>
         <p:txBody>
           <a:bodyPr/>
           <a:lstStyle>
             <a:lvl1pPr>
-              <a:defRPr sz="5669"/>
+              <a:defRPr sz="6047"/>
             </a:lvl1pPr>
             <a:lvl2pPr>
-              <a:defRPr sz="4961"/>
+              <a:defRPr sz="5291"/>
             </a:lvl2pPr>
             <a:lvl3pPr>
-              <a:defRPr sz="4252"/>
+              <a:defRPr sz="4536"/>
             </a:lvl3pPr>
             <a:lvl4pPr>
-              <a:defRPr sz="3543"/>
+              <a:defRPr sz="3780"/>
             </a:lvl4pPr>
             <a:lvl5pPr>
-              <a:defRPr sz="3543"/>
+              <a:defRPr sz="3780"/>
             </a:lvl5pPr>
             <a:lvl6pPr>
-              <a:defRPr sz="3543"/>
+              <a:defRPr sz="3780"/>
             </a:lvl6pPr>
             <a:lvl7pPr>
-              <a:defRPr sz="3543"/>
+              <a:defRPr sz="3780"/>
             </a:lvl7pPr>
             <a:lvl8pPr>
-              <a:defRPr sz="3543"/>
+              <a:defRPr sz="3780"/>
             </a:lvl8pPr>
             <a:lvl9pPr>
-              <a:defRPr sz="3543"/>
+              <a:defRPr sz="3780"/>
             </a:lvl9pPr>
           </a:lstStyle>
           <a:p>
@@ -2726,8 +2748,8 @@
         </p:nvSpPr>
         <p:spPr>
           <a:xfrm>
-            <a:off x="1115890" y="3888105"/>
-            <a:ext cx="5225063" cy="7203195"/>
+            <a:off x="1388603" y="3888105"/>
+            <a:ext cx="6502016" cy="7203195"/>
           </a:xfrm>
         </p:spPr>
         <p:txBody>
@@ -2735,39 +2757,39 @@
           <a:lstStyle>
             <a:lvl1pPr marL="0" indent="0">
               <a:buNone/>
-              <a:defRPr sz="2835"/>
+              <a:defRPr sz="3024"/>
             </a:lvl1pPr>
-            <a:lvl2pPr marL="810021" indent="0">
+            <a:lvl2pPr marL="864017" indent="0">
               <a:buNone/>
-              <a:defRPr sz="2480"/>
+              <a:defRPr sz="2646"/>
             </a:lvl2pPr>
-            <a:lvl3pPr marL="1620042" indent="0">
+            <a:lvl3pPr marL="1728033" indent="0">
               <a:buNone/>
-              <a:defRPr sz="2126"/>
+              <a:defRPr sz="2268"/>
             </a:lvl3pPr>
-            <a:lvl4pPr marL="2430064" indent="0">
+            <a:lvl4pPr marL="2592050" indent="0">
               <a:buNone/>
-              <a:defRPr sz="1772"/>
+              <a:defRPr sz="1890"/>
             </a:lvl4pPr>
-            <a:lvl5pPr marL="3240085" indent="0">
+            <a:lvl5pPr marL="3456066" indent="0">
               <a:buNone/>
-              <a:defRPr sz="1772"/>
+              <a:defRPr sz="1890"/>
             </a:lvl5pPr>
-            <a:lvl6pPr marL="4050106" indent="0">
+            <a:lvl6pPr marL="4320083" indent="0">
               <a:buNone/>
-              <a:defRPr sz="1772"/>
+              <a:defRPr sz="1890"/>
             </a:lvl6pPr>
-            <a:lvl7pPr marL="4860127" indent="0">
+            <a:lvl7pPr marL="5184099" indent="0">
               <a:buNone/>
-              <a:defRPr sz="1772"/>
+              <a:defRPr sz="1890"/>
             </a:lvl7pPr>
-            <a:lvl8pPr marL="5670149" indent="0">
+            <a:lvl8pPr marL="6048116" indent="0">
               <a:buNone/>
-              <a:defRPr sz="1772"/>
+              <a:defRPr sz="1890"/>
             </a:lvl8pPr>
-            <a:lvl9pPr marL="6480170" indent="0">
+            <a:lvl9pPr marL="6912132" indent="0">
               <a:buNone/>
-              <a:defRPr sz="1772"/>
+              <a:defRPr sz="1890"/>
             </a:lvl9pPr>
           </a:lstStyle>
           <a:p>
@@ -2796,7 +2818,7 @@
           <a:p>
             <a:fld id="{39FA8BDE-1FB5-C241-8497-4DDCBF21EECB}" type="datetimeFigureOut">
               <a:rPr lang="en-CN" smtClean="0"/>
-              <a:t>2025/9/8</a:t>
+              <a:t>2025/9/11</a:t>
             </a:fld>
             <a:endParaRPr lang="en-CN"/>
           </a:p>
@@ -2847,7 +2869,7 @@
     </p:spTree>
     <p:extLst>
       <p:ext uri="{BB962C8B-B14F-4D97-AF65-F5344CB8AC3E}">
-        <p14:creationId xmlns:p14="http://schemas.microsoft.com/office/powerpoint/2010/main" val="2674626745"/>
+        <p14:creationId xmlns:p14="http://schemas.microsoft.com/office/powerpoint/2010/main" val="569911817"/>
       </p:ext>
     </p:extLst>
   </p:cSld>
@@ -2886,15 +2908,15 @@
         </p:nvSpPr>
         <p:spPr>
           <a:xfrm>
-            <a:off x="1115890" y="864023"/>
-            <a:ext cx="5225063" cy="3024082"/>
+            <a:off x="1388603" y="864023"/>
+            <a:ext cx="6502016" cy="3024082"/>
           </a:xfrm>
         </p:spPr>
         <p:txBody>
           <a:bodyPr anchor="b"/>
           <a:lstStyle>
             <a:lvl1pPr>
-              <a:defRPr sz="5669"/>
+              <a:defRPr sz="6047"/>
             </a:lvl1pPr>
           </a:lstStyle>
           <a:p>
@@ -2918,8 +2940,8 @@
         </p:nvSpPr>
         <p:spPr>
           <a:xfrm>
-            <a:off x="6887296" y="1866053"/>
-            <a:ext cx="8201472" cy="9210249"/>
+            <a:off x="8570483" y="1866053"/>
+            <a:ext cx="10205829" cy="9210249"/>
           </a:xfrm>
         </p:spPr>
         <p:txBody>
@@ -2927,39 +2949,39 @@
           <a:lstStyle>
             <a:lvl1pPr marL="0" indent="0">
               <a:buNone/>
-              <a:defRPr sz="5669"/>
+              <a:defRPr sz="6047"/>
             </a:lvl1pPr>
-            <a:lvl2pPr marL="810021" indent="0">
+            <a:lvl2pPr marL="864017" indent="0">
               <a:buNone/>
-              <a:defRPr sz="4961"/>
+              <a:defRPr sz="5291"/>
             </a:lvl2pPr>
-            <a:lvl3pPr marL="1620042" indent="0">
+            <a:lvl3pPr marL="1728033" indent="0">
               <a:buNone/>
-              <a:defRPr sz="4252"/>
+              <a:defRPr sz="4536"/>
             </a:lvl3pPr>
-            <a:lvl4pPr marL="2430064" indent="0">
+            <a:lvl4pPr marL="2592050" indent="0">
               <a:buNone/>
-              <a:defRPr sz="3543"/>
+              <a:defRPr sz="3780"/>
             </a:lvl4pPr>
-            <a:lvl5pPr marL="3240085" indent="0">
+            <a:lvl5pPr marL="3456066" indent="0">
               <a:buNone/>
-              <a:defRPr sz="3543"/>
+              <a:defRPr sz="3780"/>
             </a:lvl5pPr>
-            <a:lvl6pPr marL="4050106" indent="0">
+            <a:lvl6pPr marL="4320083" indent="0">
               <a:buNone/>
-              <a:defRPr sz="3543"/>
+              <a:defRPr sz="3780"/>
             </a:lvl6pPr>
-            <a:lvl7pPr marL="4860127" indent="0">
+            <a:lvl7pPr marL="5184099" indent="0">
               <a:buNone/>
-              <a:defRPr sz="3543"/>
+              <a:defRPr sz="3780"/>
             </a:lvl7pPr>
-            <a:lvl8pPr marL="5670149" indent="0">
+            <a:lvl8pPr marL="6048116" indent="0">
               <a:buNone/>
-              <a:defRPr sz="3543"/>
+              <a:defRPr sz="3780"/>
             </a:lvl8pPr>
-            <a:lvl9pPr marL="6480170" indent="0">
+            <a:lvl9pPr marL="6912132" indent="0">
               <a:buNone/>
-              <a:defRPr sz="3543"/>
+              <a:defRPr sz="3780"/>
             </a:lvl9pPr>
           </a:lstStyle>
           <a:p>
@@ -2983,8 +3005,8 @@
         </p:nvSpPr>
         <p:spPr>
           <a:xfrm>
-            <a:off x="1115890" y="3888105"/>
-            <a:ext cx="5225063" cy="7203195"/>
+            <a:off x="1388603" y="3888105"/>
+            <a:ext cx="6502016" cy="7203195"/>
           </a:xfrm>
         </p:spPr>
         <p:txBody>
@@ -2992,39 +3014,39 @@
           <a:lstStyle>
             <a:lvl1pPr marL="0" indent="0">
               <a:buNone/>
-              <a:defRPr sz="2835"/>
+              <a:defRPr sz="3024"/>
             </a:lvl1pPr>
-            <a:lvl2pPr marL="810021" indent="0">
+            <a:lvl2pPr marL="864017" indent="0">
               <a:buNone/>
-              <a:defRPr sz="2480"/>
+              <a:defRPr sz="2646"/>
             </a:lvl2pPr>
-            <a:lvl3pPr marL="1620042" indent="0">
+            <a:lvl3pPr marL="1728033" indent="0">
               <a:buNone/>
-              <a:defRPr sz="2126"/>
+              <a:defRPr sz="2268"/>
             </a:lvl3pPr>
-            <a:lvl4pPr marL="2430064" indent="0">
+            <a:lvl4pPr marL="2592050" indent="0">
               <a:buNone/>
-              <a:defRPr sz="1772"/>
+              <a:defRPr sz="1890"/>
             </a:lvl4pPr>
-            <a:lvl5pPr marL="3240085" indent="0">
+            <a:lvl5pPr marL="3456066" indent="0">
               <a:buNone/>
-              <a:defRPr sz="1772"/>
+              <a:defRPr sz="1890"/>
             </a:lvl5pPr>
-            <a:lvl6pPr marL="4050106" indent="0">
+            <a:lvl6pPr marL="4320083" indent="0">
               <a:buNone/>
-              <a:defRPr sz="1772"/>
+              <a:defRPr sz="1890"/>
             </a:lvl6pPr>
-            <a:lvl7pPr marL="4860127" indent="0">
+            <a:lvl7pPr marL="5184099" indent="0">
               <a:buNone/>
-              <a:defRPr sz="1772"/>
+              <a:defRPr sz="1890"/>
             </a:lvl7pPr>
-            <a:lvl8pPr marL="5670149" indent="0">
+            <a:lvl8pPr marL="6048116" indent="0">
               <a:buNone/>
-              <a:defRPr sz="1772"/>
+              <a:defRPr sz="1890"/>
             </a:lvl8pPr>
-            <a:lvl9pPr marL="6480170" indent="0">
+            <a:lvl9pPr marL="6912132" indent="0">
               <a:buNone/>
-              <a:defRPr sz="1772"/>
+              <a:defRPr sz="1890"/>
             </a:lvl9pPr>
           </a:lstStyle>
           <a:p>
@@ -3053,7 +3075,7 @@
           <a:p>
             <a:fld id="{39FA8BDE-1FB5-C241-8497-4DDCBF21EECB}" type="datetimeFigureOut">
               <a:rPr lang="en-CN" smtClean="0"/>
-              <a:t>2025/9/8</a:t>
+              <a:t>2025/9/11</a:t>
             </a:fld>
             <a:endParaRPr lang="en-CN"/>
           </a:p>
@@ -3104,7 +3126,7 @@
     </p:spTree>
     <p:extLst>
       <p:ext uri="{BB962C8B-B14F-4D97-AF65-F5344CB8AC3E}">
-        <p14:creationId xmlns:p14="http://schemas.microsoft.com/office/powerpoint/2010/main" val="3023795295"/>
+        <p14:creationId xmlns:p14="http://schemas.microsoft.com/office/powerpoint/2010/main" val="2433871211"/>
       </p:ext>
     </p:extLst>
   </p:cSld>
@@ -3148,8 +3170,8 @@
         </p:nvSpPr>
         <p:spPr>
           <a:xfrm>
-            <a:off x="1113780" y="690021"/>
-            <a:ext cx="13972878" cy="2505069"/>
+            <a:off x="1385977" y="690021"/>
+            <a:ext cx="17387709" cy="2505069"/>
           </a:xfrm>
           <a:prstGeom prst="rect">
             <a:avLst/>
@@ -3181,8 +3203,8 @@
         </p:nvSpPr>
         <p:spPr>
           <a:xfrm>
-            <a:off x="1113780" y="3450093"/>
-            <a:ext cx="13972878" cy="8223223"/>
+            <a:off x="1385977" y="3450093"/>
+            <a:ext cx="17387709" cy="8223223"/>
           </a:xfrm>
           <a:prstGeom prst="rect">
             <a:avLst/>
@@ -3243,8 +3265,8 @@
         </p:nvSpPr>
         <p:spPr>
           <a:xfrm>
-            <a:off x="1113780" y="12012327"/>
-            <a:ext cx="3645099" cy="690019"/>
+            <a:off x="1385977" y="12012327"/>
+            <a:ext cx="4535924" cy="690019"/>
           </a:xfrm>
           <a:prstGeom prst="rect">
             <a:avLst/>
@@ -3254,7 +3276,7 @@
           <a:bodyPr vert="horz" lIns="91440" tIns="45720" rIns="91440" bIns="45720" rtlCol="0" anchor="ctr"/>
           <a:lstStyle>
             <a:lvl1pPr algn="l">
-              <a:defRPr sz="2126">
+              <a:defRPr sz="2268">
                 <a:solidFill>
                   <a:schemeClr val="tx1">
                     <a:tint val="82000"/>
@@ -3266,7 +3288,7 @@
           <a:p>
             <a:fld id="{39FA8BDE-1FB5-C241-8497-4DDCBF21EECB}" type="datetimeFigureOut">
               <a:rPr lang="en-CN" smtClean="0"/>
-              <a:t>2025/9/8</a:t>
+              <a:t>2025/9/11</a:t>
             </a:fld>
             <a:endParaRPr lang="en-CN"/>
           </a:p>
@@ -3284,8 +3306,8 @@
         </p:nvSpPr>
         <p:spPr>
           <a:xfrm>
-            <a:off x="5366395" y="12012327"/>
-            <a:ext cx="5467648" cy="690019"/>
+            <a:off x="6677889" y="12012327"/>
+            <a:ext cx="6803886" cy="690019"/>
           </a:xfrm>
           <a:prstGeom prst="rect">
             <a:avLst/>
@@ -3295,7 +3317,7 @@
           <a:bodyPr vert="horz" lIns="91440" tIns="45720" rIns="91440" bIns="45720" rtlCol="0" anchor="ctr"/>
           <a:lstStyle>
             <a:lvl1pPr algn="ctr">
-              <a:defRPr sz="2126">
+              <a:defRPr sz="2268">
                 <a:solidFill>
                   <a:schemeClr val="tx1">
                     <a:tint val="82000"/>
@@ -3321,8 +3343,8 @@
         </p:nvSpPr>
         <p:spPr>
           <a:xfrm>
-            <a:off x="11441559" y="12012327"/>
-            <a:ext cx="3645099" cy="690019"/>
+            <a:off x="14237762" y="12012327"/>
+            <a:ext cx="4535924" cy="690019"/>
           </a:xfrm>
           <a:prstGeom prst="rect">
             <a:avLst/>
@@ -3332,7 +3354,7 @@
           <a:bodyPr vert="horz" lIns="91440" tIns="45720" rIns="91440" bIns="45720" rtlCol="0" anchor="ctr"/>
           <a:lstStyle>
             <a:lvl1pPr algn="r">
-              <a:defRPr sz="2126">
+              <a:defRPr sz="2268">
                 <a:solidFill>
                   <a:schemeClr val="tx1">
                     <a:tint val="82000"/>
@@ -3353,27 +3375,27 @@
     </p:spTree>
     <p:extLst>
       <p:ext uri="{BB962C8B-B14F-4D97-AF65-F5344CB8AC3E}">
-        <p14:creationId xmlns:p14="http://schemas.microsoft.com/office/powerpoint/2010/main" val="2397222622"/>
+        <p14:creationId xmlns:p14="http://schemas.microsoft.com/office/powerpoint/2010/main" val="3619569133"/>
       </p:ext>
     </p:extLst>
   </p:cSld>
   <p:clrMap bg1="lt1" tx1="dk1" bg2="lt2" tx2="dk2" accent1="accent1" accent2="accent2" accent3="accent3" accent4="accent4" accent5="accent5" accent6="accent6" hlink="hlink" folHlink="folHlink"/>
   <p:sldLayoutIdLst>
-    <p:sldLayoutId id="2147483673" r:id="rId1"/>
-    <p:sldLayoutId id="2147483674" r:id="rId2"/>
-    <p:sldLayoutId id="2147483675" r:id="rId3"/>
-    <p:sldLayoutId id="2147483676" r:id="rId4"/>
-    <p:sldLayoutId id="2147483677" r:id="rId5"/>
-    <p:sldLayoutId id="2147483678" r:id="rId6"/>
-    <p:sldLayoutId id="2147483679" r:id="rId7"/>
-    <p:sldLayoutId id="2147483680" r:id="rId8"/>
-    <p:sldLayoutId id="2147483681" r:id="rId9"/>
-    <p:sldLayoutId id="2147483682" r:id="rId10"/>
-    <p:sldLayoutId id="2147483683" r:id="rId11"/>
+    <p:sldLayoutId id="2147483685" r:id="rId1"/>
+    <p:sldLayoutId id="2147483686" r:id="rId2"/>
+    <p:sldLayoutId id="2147483687" r:id="rId3"/>
+    <p:sldLayoutId id="2147483688" r:id="rId4"/>
+    <p:sldLayoutId id="2147483689" r:id="rId5"/>
+    <p:sldLayoutId id="2147483690" r:id="rId6"/>
+    <p:sldLayoutId id="2147483691" r:id="rId7"/>
+    <p:sldLayoutId id="2147483692" r:id="rId8"/>
+    <p:sldLayoutId id="2147483693" r:id="rId9"/>
+    <p:sldLayoutId id="2147483694" r:id="rId10"/>
+    <p:sldLayoutId id="2147483695" r:id="rId11"/>
   </p:sldLayoutIdLst>
   <p:txStyles>
     <p:titleStyle>
-      <a:lvl1pPr algn="l" defTabSz="1620042" rtl="0" eaLnBrk="1" latinLnBrk="0" hangingPunct="1">
+      <a:lvl1pPr algn="l" defTabSz="1728033" rtl="0" eaLnBrk="1" latinLnBrk="0" hangingPunct="1">
         <a:lnSpc>
           <a:spcPct val="90000"/>
         </a:lnSpc>
@@ -3381,7 +3403,7 @@
           <a:spcPct val="0"/>
         </a:spcBef>
         <a:buNone/>
-        <a:defRPr sz="7795" kern="1200">
+        <a:defRPr sz="8315" kern="1200">
           <a:solidFill>
             <a:schemeClr val="tx1"/>
           </a:solidFill>
@@ -3392,16 +3414,16 @@
       </a:lvl1pPr>
     </p:titleStyle>
     <p:bodyStyle>
-      <a:lvl1pPr marL="405011" indent="-405011" algn="l" defTabSz="1620042" rtl="0" eaLnBrk="1" latinLnBrk="0" hangingPunct="1">
+      <a:lvl1pPr marL="432008" indent="-432008" algn="l" defTabSz="1728033" rtl="0" eaLnBrk="1" latinLnBrk="0" hangingPunct="1">
         <a:lnSpc>
           <a:spcPct val="90000"/>
         </a:lnSpc>
         <a:spcBef>
-          <a:spcPts val="1772"/>
+          <a:spcPts val="1890"/>
         </a:spcBef>
         <a:buFont typeface="Arial" panose="020B0604020202020204" pitchFamily="34" charset="0"/>
         <a:buChar char="•"/>
-        <a:defRPr sz="4961" kern="1200">
+        <a:defRPr sz="5291" kern="1200">
           <a:solidFill>
             <a:schemeClr val="tx1"/>
           </a:solidFill>
@@ -3410,16 +3432,16 @@
           <a:cs typeface="+mn-cs"/>
         </a:defRPr>
       </a:lvl1pPr>
-      <a:lvl2pPr marL="1215032" indent="-405011" algn="l" defTabSz="1620042" rtl="0" eaLnBrk="1" latinLnBrk="0" hangingPunct="1">
+      <a:lvl2pPr marL="1296025" indent="-432008" algn="l" defTabSz="1728033" rtl="0" eaLnBrk="1" latinLnBrk="0" hangingPunct="1">
         <a:lnSpc>
           <a:spcPct val="90000"/>
         </a:lnSpc>
         <a:spcBef>
-          <a:spcPts val="886"/>
+          <a:spcPts val="945"/>
         </a:spcBef>
         <a:buFont typeface="Arial" panose="020B0604020202020204" pitchFamily="34" charset="0"/>
         <a:buChar char="•"/>
-        <a:defRPr sz="4252" kern="1200">
+        <a:defRPr sz="4536" kern="1200">
           <a:solidFill>
             <a:schemeClr val="tx1"/>
           </a:solidFill>
@@ -3428,16 +3450,16 @@
           <a:cs typeface="+mn-cs"/>
         </a:defRPr>
       </a:lvl2pPr>
-      <a:lvl3pPr marL="2025053" indent="-405011" algn="l" defTabSz="1620042" rtl="0" eaLnBrk="1" latinLnBrk="0" hangingPunct="1">
+      <a:lvl3pPr marL="2160041" indent="-432008" algn="l" defTabSz="1728033" rtl="0" eaLnBrk="1" latinLnBrk="0" hangingPunct="1">
         <a:lnSpc>
           <a:spcPct val="90000"/>
         </a:lnSpc>
         <a:spcBef>
-          <a:spcPts val="886"/>
+          <a:spcPts val="945"/>
         </a:spcBef>
         <a:buFont typeface="Arial" panose="020B0604020202020204" pitchFamily="34" charset="0"/>
         <a:buChar char="•"/>
-        <a:defRPr sz="3543" kern="1200">
+        <a:defRPr sz="3780" kern="1200">
           <a:solidFill>
             <a:schemeClr val="tx1"/>
           </a:solidFill>
@@ -3446,16 +3468,16 @@
           <a:cs typeface="+mn-cs"/>
         </a:defRPr>
       </a:lvl3pPr>
-      <a:lvl4pPr marL="2835074" indent="-405011" algn="l" defTabSz="1620042" rtl="0" eaLnBrk="1" latinLnBrk="0" hangingPunct="1">
+      <a:lvl4pPr marL="3024058" indent="-432008" algn="l" defTabSz="1728033" rtl="0" eaLnBrk="1" latinLnBrk="0" hangingPunct="1">
         <a:lnSpc>
           <a:spcPct val="90000"/>
         </a:lnSpc>
         <a:spcBef>
-          <a:spcPts val="886"/>
+          <a:spcPts val="945"/>
         </a:spcBef>
         <a:buFont typeface="Arial" panose="020B0604020202020204" pitchFamily="34" charset="0"/>
         <a:buChar char="•"/>
-        <a:defRPr sz="3189" kern="1200">
+        <a:defRPr sz="3402" kern="1200">
           <a:solidFill>
             <a:schemeClr val="tx1"/>
           </a:solidFill>
@@ -3464,16 +3486,16 @@
           <a:cs typeface="+mn-cs"/>
         </a:defRPr>
       </a:lvl4pPr>
-      <a:lvl5pPr marL="3645096" indent="-405011" algn="l" defTabSz="1620042" rtl="0" eaLnBrk="1" latinLnBrk="0" hangingPunct="1">
+      <a:lvl5pPr marL="3888075" indent="-432008" algn="l" defTabSz="1728033" rtl="0" eaLnBrk="1" latinLnBrk="0" hangingPunct="1">
         <a:lnSpc>
           <a:spcPct val="90000"/>
         </a:lnSpc>
         <a:spcBef>
-          <a:spcPts val="886"/>
+          <a:spcPts val="945"/>
         </a:spcBef>
         <a:buFont typeface="Arial" panose="020B0604020202020204" pitchFamily="34" charset="0"/>
         <a:buChar char="•"/>
-        <a:defRPr sz="3189" kern="1200">
+        <a:defRPr sz="3402" kern="1200">
           <a:solidFill>
             <a:schemeClr val="tx1"/>
           </a:solidFill>
@@ -3482,16 +3504,16 @@
           <a:cs typeface="+mn-cs"/>
         </a:defRPr>
       </a:lvl5pPr>
-      <a:lvl6pPr marL="4455117" indent="-405011" algn="l" defTabSz="1620042" rtl="0" eaLnBrk="1" latinLnBrk="0" hangingPunct="1">
+      <a:lvl6pPr marL="4752091" indent="-432008" algn="l" defTabSz="1728033" rtl="0" eaLnBrk="1" latinLnBrk="0" hangingPunct="1">
         <a:lnSpc>
           <a:spcPct val="90000"/>
         </a:lnSpc>
         <a:spcBef>
-          <a:spcPts val="886"/>
+          <a:spcPts val="945"/>
         </a:spcBef>
         <a:buFont typeface="Arial" panose="020B0604020202020204" pitchFamily="34" charset="0"/>
         <a:buChar char="•"/>
-        <a:defRPr sz="3189" kern="1200">
+        <a:defRPr sz="3402" kern="1200">
           <a:solidFill>
             <a:schemeClr val="tx1"/>
           </a:solidFill>
@@ -3500,16 +3522,16 @@
           <a:cs typeface="+mn-cs"/>
         </a:defRPr>
       </a:lvl6pPr>
-      <a:lvl7pPr marL="5265138" indent="-405011" algn="l" defTabSz="1620042" rtl="0" eaLnBrk="1" latinLnBrk="0" hangingPunct="1">
+      <a:lvl7pPr marL="5616108" indent="-432008" algn="l" defTabSz="1728033" rtl="0" eaLnBrk="1" latinLnBrk="0" hangingPunct="1">
         <a:lnSpc>
           <a:spcPct val="90000"/>
         </a:lnSpc>
         <a:spcBef>
-          <a:spcPts val="886"/>
+          <a:spcPts val="945"/>
         </a:spcBef>
         <a:buFont typeface="Arial" panose="020B0604020202020204" pitchFamily="34" charset="0"/>
         <a:buChar char="•"/>
-        <a:defRPr sz="3189" kern="1200">
+        <a:defRPr sz="3402" kern="1200">
           <a:solidFill>
             <a:schemeClr val="tx1"/>
           </a:solidFill>
@@ -3518,16 +3540,16 @@
           <a:cs typeface="+mn-cs"/>
         </a:defRPr>
       </a:lvl7pPr>
-      <a:lvl8pPr marL="6075159" indent="-405011" algn="l" defTabSz="1620042" rtl="0" eaLnBrk="1" latinLnBrk="0" hangingPunct="1">
+      <a:lvl8pPr marL="6480124" indent="-432008" algn="l" defTabSz="1728033" rtl="0" eaLnBrk="1" latinLnBrk="0" hangingPunct="1">
         <a:lnSpc>
           <a:spcPct val="90000"/>
         </a:lnSpc>
         <a:spcBef>
-          <a:spcPts val="886"/>
+          <a:spcPts val="945"/>
         </a:spcBef>
         <a:buFont typeface="Arial" panose="020B0604020202020204" pitchFamily="34" charset="0"/>
         <a:buChar char="•"/>
-        <a:defRPr sz="3189" kern="1200">
+        <a:defRPr sz="3402" kern="1200">
           <a:solidFill>
             <a:schemeClr val="tx1"/>
           </a:solidFill>
@@ -3536,16 +3558,16 @@
           <a:cs typeface="+mn-cs"/>
         </a:defRPr>
       </a:lvl8pPr>
-      <a:lvl9pPr marL="6885181" indent="-405011" algn="l" defTabSz="1620042" rtl="0" eaLnBrk="1" latinLnBrk="0" hangingPunct="1">
+      <a:lvl9pPr marL="7344141" indent="-432008" algn="l" defTabSz="1728033" rtl="0" eaLnBrk="1" latinLnBrk="0" hangingPunct="1">
         <a:lnSpc>
           <a:spcPct val="90000"/>
         </a:lnSpc>
         <a:spcBef>
-          <a:spcPts val="886"/>
+          <a:spcPts val="945"/>
         </a:spcBef>
         <a:buFont typeface="Arial" panose="020B0604020202020204" pitchFamily="34" charset="0"/>
         <a:buChar char="•"/>
-        <a:defRPr sz="3189" kern="1200">
+        <a:defRPr sz="3402" kern="1200">
           <a:solidFill>
             <a:schemeClr val="tx1"/>
           </a:solidFill>
@@ -3559,8 +3581,8 @@
       <a:defPPr>
         <a:defRPr lang="en-US"/>
       </a:defPPr>
-      <a:lvl1pPr marL="0" algn="l" defTabSz="1620042" rtl="0" eaLnBrk="1" latinLnBrk="0" hangingPunct="1">
-        <a:defRPr sz="3189" kern="1200">
+      <a:lvl1pPr marL="0" algn="l" defTabSz="1728033" rtl="0" eaLnBrk="1" latinLnBrk="0" hangingPunct="1">
+        <a:defRPr sz="3402" kern="1200">
           <a:solidFill>
             <a:schemeClr val="tx1"/>
           </a:solidFill>
@@ -3569,8 +3591,8 @@
           <a:cs typeface="+mn-cs"/>
         </a:defRPr>
       </a:lvl1pPr>
-      <a:lvl2pPr marL="810021" algn="l" defTabSz="1620042" rtl="0" eaLnBrk="1" latinLnBrk="0" hangingPunct="1">
-        <a:defRPr sz="3189" kern="1200">
+      <a:lvl2pPr marL="864017" algn="l" defTabSz="1728033" rtl="0" eaLnBrk="1" latinLnBrk="0" hangingPunct="1">
+        <a:defRPr sz="3402" kern="1200">
           <a:solidFill>
             <a:schemeClr val="tx1"/>
           </a:solidFill>
@@ -3579,8 +3601,8 @@
           <a:cs typeface="+mn-cs"/>
         </a:defRPr>
       </a:lvl2pPr>
-      <a:lvl3pPr marL="1620042" algn="l" defTabSz="1620042" rtl="0" eaLnBrk="1" latinLnBrk="0" hangingPunct="1">
-        <a:defRPr sz="3189" kern="1200">
+      <a:lvl3pPr marL="1728033" algn="l" defTabSz="1728033" rtl="0" eaLnBrk="1" latinLnBrk="0" hangingPunct="1">
+        <a:defRPr sz="3402" kern="1200">
           <a:solidFill>
             <a:schemeClr val="tx1"/>
           </a:solidFill>
@@ -3589,8 +3611,8 @@
           <a:cs typeface="+mn-cs"/>
         </a:defRPr>
       </a:lvl3pPr>
-      <a:lvl4pPr marL="2430064" algn="l" defTabSz="1620042" rtl="0" eaLnBrk="1" latinLnBrk="0" hangingPunct="1">
-        <a:defRPr sz="3189" kern="1200">
+      <a:lvl4pPr marL="2592050" algn="l" defTabSz="1728033" rtl="0" eaLnBrk="1" latinLnBrk="0" hangingPunct="1">
+        <a:defRPr sz="3402" kern="1200">
           <a:solidFill>
             <a:schemeClr val="tx1"/>
           </a:solidFill>
@@ -3599,8 +3621,8 @@
           <a:cs typeface="+mn-cs"/>
         </a:defRPr>
       </a:lvl4pPr>
-      <a:lvl5pPr marL="3240085" algn="l" defTabSz="1620042" rtl="0" eaLnBrk="1" latinLnBrk="0" hangingPunct="1">
-        <a:defRPr sz="3189" kern="1200">
+      <a:lvl5pPr marL="3456066" algn="l" defTabSz="1728033" rtl="0" eaLnBrk="1" latinLnBrk="0" hangingPunct="1">
+        <a:defRPr sz="3402" kern="1200">
           <a:solidFill>
             <a:schemeClr val="tx1"/>
           </a:solidFill>
@@ -3609,8 +3631,8 @@
           <a:cs typeface="+mn-cs"/>
         </a:defRPr>
       </a:lvl5pPr>
-      <a:lvl6pPr marL="4050106" algn="l" defTabSz="1620042" rtl="0" eaLnBrk="1" latinLnBrk="0" hangingPunct="1">
-        <a:defRPr sz="3189" kern="1200">
+      <a:lvl6pPr marL="4320083" algn="l" defTabSz="1728033" rtl="0" eaLnBrk="1" latinLnBrk="0" hangingPunct="1">
+        <a:defRPr sz="3402" kern="1200">
           <a:solidFill>
             <a:schemeClr val="tx1"/>
           </a:solidFill>
@@ -3619,8 +3641,8 @@
           <a:cs typeface="+mn-cs"/>
         </a:defRPr>
       </a:lvl6pPr>
-      <a:lvl7pPr marL="4860127" algn="l" defTabSz="1620042" rtl="0" eaLnBrk="1" latinLnBrk="0" hangingPunct="1">
-        <a:defRPr sz="3189" kern="1200">
+      <a:lvl7pPr marL="5184099" algn="l" defTabSz="1728033" rtl="0" eaLnBrk="1" latinLnBrk="0" hangingPunct="1">
+        <a:defRPr sz="3402" kern="1200">
           <a:solidFill>
             <a:schemeClr val="tx1"/>
           </a:solidFill>
@@ -3629,8 +3651,8 @@
           <a:cs typeface="+mn-cs"/>
         </a:defRPr>
       </a:lvl7pPr>
-      <a:lvl8pPr marL="5670149" algn="l" defTabSz="1620042" rtl="0" eaLnBrk="1" latinLnBrk="0" hangingPunct="1">
-        <a:defRPr sz="3189" kern="1200">
+      <a:lvl8pPr marL="6048116" algn="l" defTabSz="1728033" rtl="0" eaLnBrk="1" latinLnBrk="0" hangingPunct="1">
+        <a:defRPr sz="3402" kern="1200">
           <a:solidFill>
             <a:schemeClr val="tx1"/>
           </a:solidFill>
@@ -3639,8 +3661,8 @@
           <a:cs typeface="+mn-cs"/>
         </a:defRPr>
       </a:lvl8pPr>
-      <a:lvl9pPr marL="6480170" algn="l" defTabSz="1620042" rtl="0" eaLnBrk="1" latinLnBrk="0" hangingPunct="1">
-        <a:defRPr sz="3189" kern="1200">
+      <a:lvl9pPr marL="6912132" algn="l" defTabSz="1728033" rtl="0" eaLnBrk="1" latinLnBrk="0" hangingPunct="1">
+        <a:defRPr sz="3402" kern="1200">
           <a:solidFill>
             <a:schemeClr val="tx1"/>
           </a:solidFill>
@@ -3693,7 +3715,7 @@
         </p:blipFill>
         <p:spPr>
           <a:xfrm>
-            <a:off x="9220844" y="8227513"/>
+            <a:off x="11200456" y="8227514"/>
             <a:ext cx="3749656" cy="3728679"/>
           </a:xfrm>
           <a:prstGeom prst="rect">
@@ -3715,7 +3737,7 @@
         </p:nvSpPr>
         <p:spPr>
           <a:xfrm>
-            <a:off x="4412137" y="3465358"/>
+            <a:off x="6391749" y="3465359"/>
             <a:ext cx="1945532" cy="544909"/>
           </a:xfrm>
           <a:prstGeom prst="roundRect">
@@ -3767,7 +3789,7 @@
         </p:nvSpPr>
         <p:spPr>
           <a:xfrm>
-            <a:off x="4412141" y="3553142"/>
+            <a:off x="6391754" y="3553142"/>
             <a:ext cx="2023353" cy="369332"/>
           </a:xfrm>
           <a:prstGeom prst="rect">
@@ -3782,7 +3804,7 @@
           <a:lstStyle/>
           <a:p>
             <a:r>
-              <a:rPr lang="en-CN" dirty="0"/>
+              <a:rPr lang="en-CN"/>
               <a:t>Embedding Layer</a:t>
             </a:r>
           </a:p>
@@ -3802,7 +3824,7 @@
         </p:nvSpPr>
         <p:spPr>
           <a:xfrm>
-            <a:off x="4412137" y="4457979"/>
+            <a:off x="6391749" y="4457980"/>
             <a:ext cx="1945532" cy="544909"/>
           </a:xfrm>
           <a:prstGeom prst="roundRect">
@@ -3854,7 +3876,7 @@
         </p:nvSpPr>
         <p:spPr>
           <a:xfrm>
-            <a:off x="4412141" y="4545763"/>
+            <a:off x="6391754" y="4545763"/>
             <a:ext cx="2023353" cy="367200"/>
           </a:xfrm>
           <a:prstGeom prst="rect">
@@ -3869,7 +3891,7 @@
           <a:lstStyle/>
           <a:p>
             <a:r>
-              <a:rPr lang="en-CN" dirty="0"/>
+              <a:rPr lang="en-CN"/>
               <a:t>Batch Norm Layer</a:t>
             </a:r>
           </a:p>
@@ -3889,7 +3911,7 @@
         </p:nvSpPr>
         <p:spPr>
           <a:xfrm>
-            <a:off x="6943490" y="4467714"/>
+            <a:off x="8923102" y="4467715"/>
             <a:ext cx="1945532" cy="544909"/>
           </a:xfrm>
           <a:prstGeom prst="roundRect">
@@ -3941,7 +3963,7 @@
         </p:nvSpPr>
         <p:spPr>
           <a:xfrm>
-            <a:off x="7197494" y="4555498"/>
+            <a:off x="9177107" y="4555498"/>
             <a:ext cx="2023353" cy="367200"/>
           </a:xfrm>
           <a:prstGeom prst="rect">
@@ -3956,7 +3978,7 @@
           <a:lstStyle/>
           <a:p>
             <a:r>
-              <a:rPr lang="en-CN" dirty="0"/>
+              <a:rPr lang="en-CN"/>
               <a:t>2 Layer MLP</a:t>
             </a:r>
           </a:p>
@@ -3976,7 +3998,7 @@
         </p:nvSpPr>
         <p:spPr>
           <a:xfrm>
-            <a:off x="6943490" y="5456270"/>
+            <a:off x="8923102" y="5456271"/>
             <a:ext cx="1945532" cy="544909"/>
           </a:xfrm>
           <a:prstGeom prst="roundRect">
@@ -4028,7 +4050,7 @@
         </p:nvSpPr>
         <p:spPr>
           <a:xfrm>
-            <a:off x="7400694" y="5561672"/>
+            <a:off x="9380307" y="5561672"/>
             <a:ext cx="2023353" cy="367200"/>
           </a:xfrm>
           <a:prstGeom prst="rect">
@@ -4043,7 +4065,7 @@
           <a:lstStyle/>
           <a:p>
             <a:r>
-              <a:rPr lang="en-CN" dirty="0"/>
+              <a:rPr lang="en-CN"/>
               <a:t>Softmax</a:t>
             </a:r>
           </a:p>
@@ -4063,7 +4085,7 @@
         </p:nvSpPr>
         <p:spPr>
           <a:xfrm>
-            <a:off x="4471822" y="5455574"/>
+            <a:off x="6451434" y="5455575"/>
             <a:ext cx="1945532" cy="721319"/>
           </a:xfrm>
           <a:prstGeom prst="roundRect">
@@ -4115,7 +4137,7 @@
         </p:nvSpPr>
         <p:spPr>
           <a:xfrm>
-            <a:off x="4669555" y="5491286"/>
+            <a:off x="6649168" y="5491287"/>
             <a:ext cx="2023353" cy="646331"/>
           </a:xfrm>
           <a:prstGeom prst="rect">
@@ -4130,7 +4152,7 @@
           <a:lstStyle/>
           <a:p>
             <a:r>
-              <a:rPr lang="en-CN" dirty="0"/>
+              <a:rPr lang="en-CN"/>
               <a:t>Elementwise Multiplication </a:t>
             </a:r>
           </a:p>
@@ -4150,7 +4172,7 @@
         </p:nvSpPr>
         <p:spPr>
           <a:xfrm>
-            <a:off x="4471822" y="6720747"/>
+            <a:off x="6451434" y="6720748"/>
             <a:ext cx="1945532" cy="544909"/>
           </a:xfrm>
           <a:prstGeom prst="roundRect">
@@ -4199,7 +4221,7 @@
         </p:nvSpPr>
         <p:spPr>
           <a:xfrm>
-            <a:off x="4802210" y="6800014"/>
+            <a:off x="6781823" y="6800014"/>
             <a:ext cx="2023353" cy="367200"/>
           </a:xfrm>
           <a:prstGeom prst="rect">
@@ -4214,7 +4236,7 @@
           <a:lstStyle/>
           <a:p>
             <a:r>
-              <a:rPr lang="en-CN" dirty="0"/>
+              <a:rPr lang="en-CN"/>
               <a:t>Unpacking </a:t>
             </a:r>
           </a:p>
@@ -4234,7 +4256,7 @@
         </p:nvSpPr>
         <p:spPr>
           <a:xfrm>
-            <a:off x="4471821" y="7725206"/>
+            <a:off x="6451433" y="7725206"/>
             <a:ext cx="1945532" cy="734118"/>
           </a:xfrm>
           <a:prstGeom prst="roundRect">
@@ -4283,7 +4305,7 @@
         </p:nvSpPr>
         <p:spPr>
           <a:xfrm>
-            <a:off x="4378837" y="7770882"/>
+            <a:off x="6358450" y="7770883"/>
             <a:ext cx="2023353" cy="646331"/>
           </a:xfrm>
           <a:prstGeom prst="rect">
@@ -4299,14 +4321,14 @@
           <a:p>
             <a:pPr algn="ctr"/>
             <a:r>
-              <a:rPr lang="en-CN" dirty="0"/>
+              <a:rPr lang="en-CN"/>
               <a:t>LSTM </a:t>
             </a:r>
           </a:p>
           <a:p>
             <a:pPr algn="ctr"/>
             <a:r>
-              <a:rPr lang="en-CN" dirty="0"/>
+              <a:rPr lang="en-CN"/>
               <a:t>Final Hidden State</a:t>
             </a:r>
           </a:p>
@@ -4326,7 +4348,7 @@
         </p:nvSpPr>
         <p:spPr>
           <a:xfrm>
-            <a:off x="4471820" y="8958636"/>
+            <a:off x="6451432" y="8958637"/>
             <a:ext cx="1945532" cy="544909"/>
           </a:xfrm>
           <a:prstGeom prst="roundRect">
@@ -4378,7 +4400,7 @@
         </p:nvSpPr>
         <p:spPr>
           <a:xfrm>
-            <a:off x="4793141" y="9047487"/>
+            <a:off x="6772754" y="9047487"/>
             <a:ext cx="2023353" cy="367200"/>
           </a:xfrm>
           <a:prstGeom prst="rect">
@@ -4393,7 +4415,7 @@
           <a:lstStyle/>
           <a:p>
             <a:r>
-              <a:rPr lang="en-CN" dirty="0"/>
+              <a:rPr lang="en-CN"/>
               <a:t>Layer Norm</a:t>
             </a:r>
           </a:p>
@@ -4413,7 +4435,7 @@
         </p:nvSpPr>
         <p:spPr>
           <a:xfrm>
-            <a:off x="4489959" y="9989194"/>
+            <a:off x="6469571" y="9989195"/>
             <a:ext cx="1945532" cy="785775"/>
           </a:xfrm>
           <a:prstGeom prst="roundRect">
@@ -4465,7 +4487,7 @@
         </p:nvSpPr>
         <p:spPr>
           <a:xfrm>
-            <a:off x="4458967" y="10076981"/>
+            <a:off x="6438580" y="10076982"/>
             <a:ext cx="2023353" cy="646331"/>
           </a:xfrm>
           <a:prstGeom prst="rect">
@@ -4481,14 +4503,14 @@
           <a:p>
             <a:pPr algn="ctr"/>
             <a:r>
-              <a:rPr lang="en-CN" dirty="0"/>
+              <a:rPr lang="en-CN"/>
               <a:t>6 LayerMLP</a:t>
             </a:r>
           </a:p>
           <a:p>
             <a:pPr algn="ctr"/>
             <a:r>
-              <a:rPr lang="en-CN" dirty="0"/>
+              <a:rPr lang="en-CN"/>
               <a:t>Relu Nonlinearity</a:t>
             </a:r>
           </a:p>
@@ -4510,7 +4532,7 @@
         </p:nvCxnSpPr>
         <p:spPr>
           <a:xfrm>
-            <a:off x="5351343" y="4010267"/>
+            <a:off x="7330955" y="4010268"/>
             <a:ext cx="0" cy="424513"/>
           </a:xfrm>
           <a:prstGeom prst="straightConnector1">
@@ -4551,7 +4573,7 @@
         </p:nvCxnSpPr>
         <p:spPr>
           <a:xfrm>
-            <a:off x="5361396" y="5002888"/>
+            <a:off x="7341008" y="5002889"/>
             <a:ext cx="0" cy="424513"/>
           </a:xfrm>
           <a:prstGeom prst="straightConnector1">
@@ -4592,7 +4614,7 @@
         </p:nvCxnSpPr>
         <p:spPr>
           <a:xfrm>
-            <a:off x="5361396" y="6264065"/>
+            <a:off x="7341008" y="6264066"/>
             <a:ext cx="0" cy="424513"/>
           </a:xfrm>
           <a:prstGeom prst="straightConnector1">
@@ -4633,7 +4655,7 @@
         </p:nvCxnSpPr>
         <p:spPr>
           <a:xfrm>
-            <a:off x="5391084" y="7265656"/>
+            <a:off x="7370696" y="7265657"/>
             <a:ext cx="0" cy="424513"/>
           </a:xfrm>
           <a:prstGeom prst="straightConnector1">
@@ -4674,7 +4696,7 @@
         </p:nvCxnSpPr>
         <p:spPr>
           <a:xfrm>
-            <a:off x="5391084" y="8479205"/>
+            <a:off x="7370696" y="8479206"/>
             <a:ext cx="0" cy="424513"/>
           </a:xfrm>
           <a:prstGeom prst="straightConnector1">
@@ -4715,7 +4737,7 @@
         </p:nvCxnSpPr>
         <p:spPr>
           <a:xfrm>
-            <a:off x="5391084" y="9503545"/>
+            <a:off x="7370696" y="9503546"/>
             <a:ext cx="0" cy="424513"/>
           </a:xfrm>
           <a:prstGeom prst="straightConnector1">
@@ -4756,7 +4778,7 @@
         </p:nvCxnSpPr>
         <p:spPr>
           <a:xfrm>
-            <a:off x="7910262" y="5031061"/>
+            <a:off x="9889874" y="5031062"/>
             <a:ext cx="0" cy="424513"/>
           </a:xfrm>
           <a:prstGeom prst="straightConnector1">
@@ -4797,7 +4819,7 @@
         </p:nvCxnSpPr>
         <p:spPr>
           <a:xfrm>
-            <a:off x="6377176" y="4705325"/>
+            <a:off x="8356789" y="4705325"/>
             <a:ext cx="488495" cy="0"/>
           </a:xfrm>
           <a:prstGeom prst="straightConnector1">
@@ -4838,7 +4860,7 @@
         </p:nvCxnSpPr>
         <p:spPr>
           <a:xfrm flipH="1">
-            <a:off x="6457460" y="5745272"/>
+            <a:off x="8437072" y="5745272"/>
             <a:ext cx="486030" cy="0"/>
           </a:xfrm>
           <a:prstGeom prst="straightConnector1">
@@ -4885,7 +4907,7 @@
         </p:blipFill>
         <p:spPr>
           <a:xfrm>
-            <a:off x="9355282" y="784528"/>
+            <a:off x="11334894" y="784528"/>
             <a:ext cx="3543394" cy="2129558"/>
           </a:xfrm>
           <a:prstGeom prst="rect">
@@ -4912,7 +4934,7 @@
         </p:nvSpPr>
         <p:spPr>
           <a:xfrm>
-            <a:off x="9742031" y="784528"/>
+            <a:off x="11721643" y="784528"/>
             <a:ext cx="1011676" cy="2129558"/>
           </a:xfrm>
           <a:prstGeom prst="rect">
@@ -4964,7 +4986,7 @@
         </p:nvSpPr>
         <p:spPr>
           <a:xfrm>
-            <a:off x="9766185" y="781741"/>
+            <a:off x="11745797" y="781741"/>
             <a:ext cx="144000" cy="2129558"/>
           </a:xfrm>
           <a:prstGeom prst="rect">
@@ -5018,7 +5040,7 @@
         </p:nvSpPr>
         <p:spPr>
           <a:xfrm>
-            <a:off x="9934339" y="779655"/>
+            <a:off x="11913951" y="779655"/>
             <a:ext cx="144000" cy="2129558"/>
           </a:xfrm>
           <a:prstGeom prst="rect">
@@ -5072,7 +5094,7 @@
         </p:nvSpPr>
         <p:spPr>
           <a:xfrm>
-            <a:off x="10100704" y="787315"/>
+            <a:off x="12080316" y="787315"/>
             <a:ext cx="144000" cy="2129558"/>
           </a:xfrm>
           <a:prstGeom prst="rect">
@@ -5126,7 +5148,7 @@
         </p:nvSpPr>
         <p:spPr>
           <a:xfrm>
-            <a:off x="10268858" y="787315"/>
+            <a:off x="12248470" y="787315"/>
             <a:ext cx="144000" cy="2129558"/>
           </a:xfrm>
           <a:prstGeom prst="rect">
@@ -5180,7 +5202,7 @@
         </p:nvSpPr>
         <p:spPr>
           <a:xfrm>
-            <a:off x="10437608" y="779655"/>
+            <a:off x="12417220" y="779655"/>
             <a:ext cx="144000" cy="2129558"/>
           </a:xfrm>
           <a:prstGeom prst="rect">
@@ -5234,7 +5256,7 @@
         </p:nvSpPr>
         <p:spPr>
           <a:xfrm>
-            <a:off x="10609707" y="787315"/>
+            <a:off x="12589319" y="787315"/>
             <a:ext cx="144000" cy="2129558"/>
           </a:xfrm>
           <a:prstGeom prst="rect">
@@ -5288,7 +5310,7 @@
         </p:nvSpPr>
         <p:spPr>
           <a:xfrm>
-            <a:off x="9087463" y="1483224"/>
+            <a:off x="11067076" y="1483224"/>
             <a:ext cx="2308969" cy="861774"/>
           </a:xfrm>
           <a:prstGeom prst="rect">
@@ -5368,7 +5390,7 @@
         </p:nvCxnSpPr>
         <p:spPr>
           <a:xfrm flipV="1">
-            <a:off x="9214323" y="1100962"/>
+            <a:off x="11193935" y="1100962"/>
             <a:ext cx="0" cy="1290838"/>
           </a:xfrm>
           <a:prstGeom prst="straightConnector1">
@@ -5412,7 +5434,7 @@
         </p:nvCxnSpPr>
         <p:spPr>
           <a:xfrm>
-            <a:off x="9858767" y="3075391"/>
+            <a:off x="11838380" y="3075391"/>
             <a:ext cx="1424967" cy="0"/>
           </a:xfrm>
           <a:prstGeom prst="straightConnector1">
@@ -5454,7 +5476,7 @@
         </p:nvSpPr>
         <p:spPr>
           <a:xfrm>
-            <a:off x="9220396" y="2921506"/>
+            <a:off x="11200008" y="2921507"/>
             <a:ext cx="830676" cy="307777"/>
           </a:xfrm>
           <a:prstGeom prst="rect">
@@ -5499,7 +5521,7 @@
         </p:nvSpPr>
         <p:spPr>
           <a:xfrm rot="16200000">
-            <a:off x="8805214" y="2442819"/>
+            <a:off x="10784826" y="2442820"/>
             <a:ext cx="830676" cy="307777"/>
           </a:xfrm>
           <a:prstGeom prst="rect">
@@ -5546,7 +5568,7 @@
         </p:nvCxnSpPr>
         <p:spPr>
           <a:xfrm>
-            <a:off x="9732962" y="663650"/>
+            <a:off x="11712574" y="663650"/>
             <a:ext cx="1066614" cy="0"/>
           </a:xfrm>
           <a:prstGeom prst="straightConnector1">
@@ -5589,7 +5611,7 @@
         </p:nvSpPr>
         <p:spPr>
           <a:xfrm>
-            <a:off x="9556394" y="382945"/>
+            <a:off x="11536006" y="382946"/>
             <a:ext cx="1371100" cy="307777"/>
           </a:xfrm>
           <a:prstGeom prst="rect">
@@ -5621,7 +5643,7 @@
               <a:t>10 </a:t>
             </a:r>
             <a:r>
-              <a:rPr lang="en-CN" sz="1400" dirty="0">
+              <a:rPr lang="en-CN" sz="1400">
                 <a:solidFill>
                   <a:srgbClr val="FF0000"/>
                 </a:solidFill>
@@ -5661,7 +5683,7 @@
         </p:nvCxnSpPr>
         <p:spPr>
           <a:xfrm>
-            <a:off x="4044691" y="5229411"/>
+            <a:off x="6024303" y="5229411"/>
             <a:ext cx="2531834" cy="0"/>
           </a:xfrm>
           <a:prstGeom prst="line">
@@ -5705,7 +5727,7 @@
         </p:nvCxnSpPr>
         <p:spPr>
           <a:xfrm>
-            <a:off x="4055244" y="6379339"/>
+            <a:off x="6034857" y="6379339"/>
             <a:ext cx="5165603" cy="0"/>
           </a:xfrm>
           <a:prstGeom prst="line">
@@ -5749,7 +5771,7 @@
         </p:nvCxnSpPr>
         <p:spPr>
           <a:xfrm>
-            <a:off x="3932388" y="5229411"/>
+            <a:off x="5912000" y="5229411"/>
             <a:ext cx="0" cy="1149928"/>
           </a:xfrm>
           <a:prstGeom prst="line">
@@ -5793,7 +5815,7 @@
         </p:nvCxnSpPr>
         <p:spPr>
           <a:xfrm>
-            <a:off x="6596621" y="4058780"/>
+            <a:off x="8576233" y="4058780"/>
             <a:ext cx="0" cy="1149928"/>
           </a:xfrm>
           <a:prstGeom prst="line">
@@ -5835,7 +5857,7 @@
         </p:nvCxnSpPr>
         <p:spPr>
           <a:xfrm>
-            <a:off x="6596621" y="3927092"/>
+            <a:off x="8576233" y="3927092"/>
             <a:ext cx="2531834" cy="0"/>
           </a:xfrm>
           <a:prstGeom prst="line">
@@ -5879,7 +5901,7 @@
         </p:nvCxnSpPr>
         <p:spPr>
           <a:xfrm>
-            <a:off x="9220844" y="3922474"/>
+            <a:off x="11200456" y="3922474"/>
             <a:ext cx="0" cy="2341588"/>
           </a:xfrm>
           <a:prstGeom prst="line">
@@ -5921,7 +5943,7 @@
         </p:nvSpPr>
         <p:spPr>
           <a:xfrm>
-            <a:off x="6755780" y="3543222"/>
+            <a:off x="8735393" y="3543222"/>
             <a:ext cx="2308969" cy="338554"/>
           </a:xfrm>
           <a:prstGeom prst="rect">
@@ -5970,7 +5992,7 @@
         </p:nvSpPr>
         <p:spPr>
           <a:xfrm>
-            <a:off x="4510732" y="11240140"/>
+            <a:off x="6490344" y="11240141"/>
             <a:ext cx="1945532" cy="785775"/>
           </a:xfrm>
           <a:prstGeom prst="roundRect">
@@ -6019,7 +6041,7 @@
         </p:nvSpPr>
         <p:spPr>
           <a:xfrm>
-            <a:off x="4463612" y="11309861"/>
+            <a:off x="6443225" y="11309862"/>
             <a:ext cx="2023353" cy="646331"/>
           </a:xfrm>
           <a:prstGeom prst="rect">
@@ -6035,14 +6057,14 @@
           <a:p>
             <a:pPr algn="ctr"/>
             <a:r>
-              <a:rPr lang="en-CN" dirty="0"/>
+              <a:rPr lang="en-CN"/>
               <a:t>Output </a:t>
             </a:r>
           </a:p>
           <a:p>
             <a:pPr algn="ctr"/>
             <a:r>
-              <a:rPr lang="en-CN" dirty="0"/>
+              <a:rPr lang="en-CN"/>
               <a:t>Restriction</a:t>
             </a:r>
           </a:p>
@@ -6064,7 +6086,7 @@
         </p:nvCxnSpPr>
         <p:spPr>
           <a:xfrm>
-            <a:off x="5416091" y="10775564"/>
+            <a:off x="7395703" y="10775565"/>
             <a:ext cx="0" cy="424513"/>
           </a:xfrm>
           <a:prstGeom prst="straightConnector1">
@@ -6105,7 +6127,7 @@
         </p:nvCxnSpPr>
         <p:spPr>
           <a:xfrm>
-            <a:off x="3568845" y="10211300"/>
+            <a:off x="5548457" y="10211300"/>
             <a:ext cx="867824" cy="0"/>
           </a:xfrm>
           <a:prstGeom prst="straightConnector1">
@@ -6146,7 +6168,7 @@
         </p:nvCxnSpPr>
         <p:spPr>
           <a:xfrm flipH="1">
-            <a:off x="3568845" y="4222520"/>
+            <a:off x="5548457" y="4222520"/>
             <a:ext cx="1782498" cy="0"/>
           </a:xfrm>
           <a:prstGeom prst="line">
@@ -6185,7 +6207,7 @@
         </p:nvCxnSpPr>
         <p:spPr>
           <a:xfrm>
-            <a:off x="3587490" y="4222523"/>
+            <a:off x="5567102" y="4222524"/>
             <a:ext cx="0" cy="5990813"/>
           </a:xfrm>
           <a:prstGeom prst="line">
@@ -6224,7 +6246,7 @@
         </p:nvCxnSpPr>
         <p:spPr>
           <a:xfrm>
-            <a:off x="6417352" y="10085943"/>
+            <a:off x="8396964" y="10085943"/>
             <a:ext cx="448316" cy="0"/>
           </a:xfrm>
           <a:prstGeom prst="line">
@@ -6263,7 +6285,7 @@
         </p:nvCxnSpPr>
         <p:spPr>
           <a:xfrm flipH="1">
-            <a:off x="3259589" y="6476318"/>
+            <a:off x="5239201" y="6476318"/>
             <a:ext cx="2109168" cy="0"/>
           </a:xfrm>
           <a:prstGeom prst="line">
@@ -6302,7 +6324,7 @@
         </p:nvCxnSpPr>
         <p:spPr>
           <a:xfrm>
-            <a:off x="3259589" y="6476318"/>
+            <a:off x="5239201" y="6476318"/>
             <a:ext cx="0" cy="3957784"/>
           </a:xfrm>
           <a:prstGeom prst="line">
@@ -6341,7 +6363,7 @@
         </p:nvCxnSpPr>
         <p:spPr>
           <a:xfrm>
-            <a:off x="3259592" y="10413997"/>
+            <a:off x="5239205" y="10413997"/>
             <a:ext cx="1200505" cy="0"/>
           </a:xfrm>
           <a:prstGeom prst="straightConnector1">
@@ -6382,7 +6404,7 @@
         </p:nvCxnSpPr>
         <p:spPr>
           <a:xfrm flipV="1">
-            <a:off x="6875966" y="10063506"/>
+            <a:off x="8855578" y="10063506"/>
             <a:ext cx="0" cy="545588"/>
           </a:xfrm>
           <a:prstGeom prst="line">
@@ -6421,7 +6443,7 @@
         </p:nvCxnSpPr>
         <p:spPr>
           <a:xfrm flipH="1">
-            <a:off x="6495178" y="10593931"/>
+            <a:off x="8474791" y="10593931"/>
             <a:ext cx="370493" cy="0"/>
           </a:xfrm>
           <a:prstGeom prst="straightConnector1">
@@ -6460,7 +6482,7 @@
         </p:nvSpPr>
         <p:spPr>
           <a:xfrm rot="16200000">
-            <a:off x="2299437" y="5026407"/>
+            <a:off x="4279050" y="5026407"/>
             <a:ext cx="2308969" cy="338554"/>
           </a:xfrm>
           <a:prstGeom prst="rect">
@@ -6512,7 +6534,7 @@
         </p:nvSpPr>
         <p:spPr>
           <a:xfrm rot="16200000">
-            <a:off x="1965258" y="7531091"/>
+            <a:off x="3944871" y="7531091"/>
             <a:ext cx="2308969" cy="338554"/>
           </a:xfrm>
           <a:prstGeom prst="rect">
@@ -6564,7 +6586,7 @@
         </p:nvSpPr>
         <p:spPr>
           <a:xfrm>
-            <a:off x="6855405" y="10074736"/>
+            <a:off x="8835018" y="10074737"/>
             <a:ext cx="2308969" cy="584775"/>
           </a:xfrm>
           <a:prstGeom prst="rect">
@@ -6636,7 +6658,7 @@
         </p:nvCxnSpPr>
         <p:spPr>
           <a:xfrm>
-            <a:off x="6596624" y="11633023"/>
+            <a:off x="8576237" y="11633023"/>
             <a:ext cx="2292401" cy="0"/>
           </a:xfrm>
           <a:prstGeom prst="straightConnector1">
@@ -6689,7 +6711,7 @@
         </p:blipFill>
         <p:spPr>
           <a:xfrm>
-            <a:off x="11625086" y="8745826"/>
+            <a:off x="13604699" y="8745827"/>
             <a:ext cx="425619" cy="425619"/>
           </a:xfrm>
           <a:prstGeom prst="rect">
@@ -6711,7 +6733,7 @@
         </p:nvSpPr>
         <p:spPr>
           <a:xfrm>
-            <a:off x="4349233" y="1682387"/>
+            <a:off x="6328846" y="1682388"/>
             <a:ext cx="2079411" cy="917873"/>
           </a:xfrm>
           <a:prstGeom prst="roundRect">
@@ -6763,7 +6785,7 @@
         </p:nvSpPr>
         <p:spPr>
           <a:xfrm>
-            <a:off x="4405971" y="1833499"/>
+            <a:off x="6385584" y="1833500"/>
             <a:ext cx="2023353" cy="646331"/>
           </a:xfrm>
           <a:prstGeom prst="rect">
@@ -6779,7 +6801,7 @@
           <a:p>
             <a:pPr algn="ctr"/>
             <a:r>
-              <a:rPr lang="en-CN" dirty="0"/>
+              <a:rPr lang="en-CN"/>
               <a:t>Data Augmentation</a:t>
             </a:r>
           </a:p>
@@ -6801,7 +6823,7 @@
         </p:nvCxnSpPr>
         <p:spPr>
           <a:xfrm flipH="1">
-            <a:off x="6600742" y="1990449"/>
+            <a:off x="8580354" y="1990449"/>
             <a:ext cx="2293200" cy="0"/>
           </a:xfrm>
           <a:prstGeom prst="straightConnector1">
@@ -6842,7 +6864,7 @@
         </p:nvCxnSpPr>
         <p:spPr>
           <a:xfrm>
-            <a:off x="5350101" y="2600258"/>
+            <a:off x="7329713" y="2600258"/>
             <a:ext cx="6882" cy="865098"/>
           </a:xfrm>
           <a:prstGeom prst="straightConnector1">
@@ -6925,7 +6947,7 @@
         </p:blipFill>
         <p:spPr>
           <a:xfrm>
-            <a:off x="8683233" y="5506470"/>
+            <a:off x="10662846" y="5506471"/>
             <a:ext cx="1964583" cy="1964583"/>
           </a:xfrm>
           <a:prstGeom prst="rect">
@@ -6955,7 +6977,7 @@
         </p:blipFill>
         <p:spPr>
           <a:xfrm>
-            <a:off x="9233914" y="5801171"/>
+            <a:off x="11213527" y="5801171"/>
             <a:ext cx="992569" cy="987016"/>
           </a:xfrm>
           <a:prstGeom prst="rect">
@@ -6985,7 +7007,7 @@
         </p:blipFill>
         <p:spPr>
           <a:xfrm>
-            <a:off x="7917909" y="7290128"/>
+            <a:off x="9897521" y="7290128"/>
             <a:ext cx="765322" cy="765322"/>
           </a:xfrm>
           <a:prstGeom prst="rect">
@@ -7009,7 +7031,7 @@
         </p:nvCxnSpPr>
         <p:spPr>
           <a:xfrm flipV="1">
-            <a:off x="8308866" y="5577776"/>
+            <a:off x="10288478" y="5577777"/>
             <a:ext cx="0" cy="1798651"/>
           </a:xfrm>
           <a:prstGeom prst="line">
@@ -7054,7 +7076,7 @@
         </p:nvCxnSpPr>
         <p:spPr>
           <a:xfrm flipV="1">
-            <a:off x="9744336" y="5988030"/>
+            <a:off x="11723948" y="5988031"/>
             <a:ext cx="0" cy="558377"/>
           </a:xfrm>
           <a:prstGeom prst="line">
@@ -7097,7 +7119,7 @@
         </p:nvCxnSpPr>
         <p:spPr>
           <a:xfrm flipH="1">
-            <a:off x="7590236" y="5586320"/>
+            <a:off x="9569848" y="5586320"/>
             <a:ext cx="744268" cy="0"/>
           </a:xfrm>
           <a:prstGeom prst="straightConnector1">
@@ -7143,7 +7165,7 @@
         </p:nvCxnSpPr>
         <p:spPr>
           <a:xfrm>
-            <a:off x="9730199" y="5986604"/>
+            <a:off x="11709812" y="5986604"/>
             <a:ext cx="310021" cy="1424"/>
           </a:xfrm>
           <a:prstGeom prst="straightConnector1">
@@ -7185,7 +7207,7 @@
         </p:nvSpPr>
         <p:spPr>
           <a:xfrm>
-            <a:off x="9379818" y="6717432"/>
+            <a:off x="11359430" y="6717433"/>
             <a:ext cx="1320800" cy="276999"/>
           </a:xfrm>
           <a:prstGeom prst="rect">
@@ -7200,7 +7222,7 @@
           <a:lstStyle/>
           <a:p>
             <a:r>
-              <a:rPr lang="en-CN" sz="1200" b="1" dirty="0">
+              <a:rPr lang="en-CN" sz="1200" b="1">
                 <a:solidFill>
                   <a:srgbClr val="FF0000"/>
                 </a:solidFill>
@@ -7224,7 +7246,7 @@
         </p:nvSpPr>
         <p:spPr>
           <a:xfrm>
-            <a:off x="7845366" y="5305050"/>
+            <a:off x="9824978" y="5305051"/>
             <a:ext cx="1320800" cy="276999"/>
           </a:xfrm>
           <a:prstGeom prst="rect">
@@ -7239,7 +7261,7 @@
           <a:lstStyle/>
           <a:p>
             <a:r>
-              <a:rPr lang="en-CN" sz="1200" b="1" dirty="0">
+              <a:rPr lang="en-CN" sz="1200" b="1">
                 <a:solidFill>
                   <a:schemeClr val="accent5">
                     <a:lumMod val="75000"/>
@@ -7309,7 +7331,7 @@
         </p:blipFill>
         <p:spPr>
           <a:xfrm>
-            <a:off x="4194728" y="3051175"/>
+            <a:off x="6174340" y="3051175"/>
             <a:ext cx="6896582" cy="6858000"/>
           </a:xfrm>
           <a:prstGeom prst="rect">
@@ -7331,7 +7353,7 @@
         </p:nvSpPr>
         <p:spPr>
           <a:xfrm>
-            <a:off x="7420715" y="7883882"/>
+            <a:off x="9400327" y="7883882"/>
             <a:ext cx="864000" cy="864000"/>
           </a:xfrm>
           <a:prstGeom prst="ellipse">
@@ -7362,7 +7384,7 @@
           <a:lstStyle/>
           <a:p>
             <a:pPr algn="ctr"/>
-            <a:endParaRPr lang="en-CN" dirty="0"/>
+            <a:endParaRPr lang="en-CN"/>
           </a:p>
         </p:txBody>
       </p:sp>
@@ -7388,7 +7410,7 @@
         </p:blipFill>
         <p:spPr>
           <a:xfrm>
-            <a:off x="7445429" y="7933221"/>
+            <a:off x="9425041" y="7933221"/>
             <a:ext cx="765322" cy="765322"/>
           </a:xfrm>
           <a:prstGeom prst="rect">
@@ -7418,7 +7440,7 @@
         </p:blipFill>
         <p:spPr>
           <a:xfrm>
-            <a:off x="8100219" y="4774689"/>
+            <a:off x="10079831" y="4774689"/>
             <a:ext cx="3269064" cy="3269064"/>
           </a:xfrm>
           <a:prstGeom prst="rect">
@@ -7448,7 +7470,7 @@
         </p:blipFill>
         <p:spPr>
           <a:xfrm>
-            <a:off x="8942814" y="5267152"/>
+            <a:off x="10922426" y="5267152"/>
             <a:ext cx="1748206" cy="1738426"/>
           </a:xfrm>
           <a:prstGeom prst="rect">
@@ -7470,7 +7492,7 @@
         </p:nvSpPr>
         <p:spPr>
           <a:xfrm>
-            <a:off x="10255597" y="5398571"/>
+            <a:off x="12235210" y="5398571"/>
             <a:ext cx="289309" cy="404210"/>
           </a:xfrm>
           <a:prstGeom prst="mathMultiply">
@@ -7524,6 +7546,3782 @@
 </file>
 
 <file path=ppt/slides/slide4.xml><?xml version="1.0" encoding="utf-8"?>
+<p:sld xmlns:a="http://schemas.openxmlformats.org/drawingml/2006/main" xmlns:r="http://schemas.openxmlformats.org/officeDocument/2006/relationships" xmlns:p="http://schemas.openxmlformats.org/presentationml/2006/main">
+  <p:cSld>
+    <p:spTree>
+      <p:nvGrpSpPr>
+        <p:cNvPr id="1" name="">
+          <a:extLst>
+            <a:ext uri="{FF2B5EF4-FFF2-40B4-BE49-F238E27FC236}">
+              <a16:creationId xmlns:a16="http://schemas.microsoft.com/office/drawing/2014/main" id="{EE9071D9-FF40-AF44-90BA-071DE6DB8D90}"/>
+            </a:ext>
+          </a:extLst>
+        </p:cNvPr>
+        <p:cNvGrpSpPr/>
+        <p:nvPr/>
+      </p:nvGrpSpPr>
+      <p:grpSpPr>
+        <a:xfrm>
+          <a:off x="0" y="0"/>
+          <a:ext cx="0" cy="0"/>
+          <a:chOff x="0" y="0"/>
+          <a:chExt cx="0" cy="0"/>
+        </a:xfrm>
+      </p:grpSpPr>
+      <p:pic>
+        <p:nvPicPr>
+          <p:cNvPr id="2" name="Picture 1">
+            <a:extLst>
+              <a:ext uri="{FF2B5EF4-FFF2-40B4-BE49-F238E27FC236}">
+                <a16:creationId xmlns:a16="http://schemas.microsoft.com/office/drawing/2014/main" id="{3268E144-0B5D-AE8E-1037-5DA280DA3DEF}"/>
+              </a:ext>
+            </a:extLst>
+          </p:cNvPr>
+          <p:cNvPicPr>
+            <a:picLocks noChangeAspect="1"/>
+          </p:cNvPicPr>
+          <p:nvPr/>
+        </p:nvPicPr>
+        <p:blipFill>
+          <a:blip r:embed="rId2"/>
+          <a:stretch>
+            <a:fillRect/>
+          </a:stretch>
+        </p:blipFill>
+        <p:spPr>
+          <a:xfrm>
+            <a:off x="13597332" y="4201061"/>
+            <a:ext cx="2117395" cy="2105550"/>
+          </a:xfrm>
+          <a:prstGeom prst="rect">
+            <a:avLst/>
+          </a:prstGeom>
+        </p:spPr>
+      </p:pic>
+      <p:sp>
+        <p:nvSpPr>
+          <p:cNvPr id="3" name="Rectangle 2">
+            <a:extLst>
+              <a:ext uri="{FF2B5EF4-FFF2-40B4-BE49-F238E27FC236}">
+                <a16:creationId xmlns:a16="http://schemas.microsoft.com/office/drawing/2014/main" id="{82E66019-0EC1-B2D3-EABD-65C7F6EA10C0}"/>
+              </a:ext>
+            </a:extLst>
+          </p:cNvPr>
+          <p:cNvSpPr/>
+          <p:nvPr/>
+        </p:nvSpPr>
+        <p:spPr>
+          <a:xfrm>
+            <a:off x="5093358" y="8116130"/>
+            <a:ext cx="1799288" cy="1260223"/>
+          </a:xfrm>
+          <a:prstGeom prst="rect">
+            <a:avLst/>
+          </a:prstGeom>
+          <a:solidFill>
+            <a:schemeClr val="accent1">
+              <a:alpha val="0"/>
+            </a:schemeClr>
+          </a:solidFill>
+          <a:ln w="38100"/>
+        </p:spPr>
+        <p:style>
+          <a:lnRef idx="2">
+            <a:schemeClr val="accent1">
+              <a:shade val="15000"/>
+            </a:schemeClr>
+          </a:lnRef>
+          <a:fillRef idx="1">
+            <a:schemeClr val="accent1"/>
+          </a:fillRef>
+          <a:effectRef idx="0">
+            <a:schemeClr val="accent1"/>
+          </a:effectRef>
+          <a:fontRef idx="minor">
+            <a:schemeClr val="lt1"/>
+          </a:fontRef>
+        </p:style>
+        <p:txBody>
+          <a:bodyPr rtlCol="0" anchor="ctr"/>
+          <a:lstStyle/>
+          <a:p>
+            <a:pPr algn="ctr"/>
+            <a:endParaRPr lang="en-CN"/>
+          </a:p>
+        </p:txBody>
+      </p:sp>
+      <p:sp>
+        <p:nvSpPr>
+          <p:cNvPr id="4" name="Rectangle 3">
+            <a:extLst>
+              <a:ext uri="{FF2B5EF4-FFF2-40B4-BE49-F238E27FC236}">
+                <a16:creationId xmlns:a16="http://schemas.microsoft.com/office/drawing/2014/main" id="{E153EAD9-EF5B-F65F-07B8-3495DCDC68D7}"/>
+              </a:ext>
+            </a:extLst>
+          </p:cNvPr>
+          <p:cNvSpPr/>
+          <p:nvPr/>
+        </p:nvSpPr>
+        <p:spPr>
+          <a:xfrm>
+            <a:off x="8536529" y="8021290"/>
+            <a:ext cx="1420176" cy="1355063"/>
+          </a:xfrm>
+          <a:prstGeom prst="rect">
+            <a:avLst/>
+          </a:prstGeom>
+          <a:solidFill>
+            <a:schemeClr val="accent1">
+              <a:alpha val="0"/>
+            </a:schemeClr>
+          </a:solidFill>
+          <a:ln w="38100"/>
+        </p:spPr>
+        <p:style>
+          <a:lnRef idx="2">
+            <a:schemeClr val="accent1">
+              <a:shade val="15000"/>
+            </a:schemeClr>
+          </a:lnRef>
+          <a:fillRef idx="1">
+            <a:schemeClr val="accent1"/>
+          </a:fillRef>
+          <a:effectRef idx="0">
+            <a:schemeClr val="accent1"/>
+          </a:effectRef>
+          <a:fontRef idx="minor">
+            <a:schemeClr val="lt1"/>
+          </a:fontRef>
+        </p:style>
+        <p:txBody>
+          <a:bodyPr rtlCol="0" anchor="ctr"/>
+          <a:lstStyle/>
+          <a:p>
+            <a:pPr algn="ctr"/>
+            <a:endParaRPr lang="en-CN"/>
+          </a:p>
+        </p:txBody>
+      </p:sp>
+      <p:sp>
+        <p:nvSpPr>
+          <p:cNvPr id="5" name="Rectangle 4">
+            <a:extLst>
+              <a:ext uri="{FF2B5EF4-FFF2-40B4-BE49-F238E27FC236}">
+                <a16:creationId xmlns:a16="http://schemas.microsoft.com/office/drawing/2014/main" id="{D9485BB1-E33A-D302-6614-83EB8C2A2002}"/>
+              </a:ext>
+            </a:extLst>
+          </p:cNvPr>
+          <p:cNvSpPr/>
+          <p:nvPr/>
+        </p:nvSpPr>
+        <p:spPr>
+          <a:xfrm>
+            <a:off x="5100668" y="4320699"/>
+            <a:ext cx="4521479" cy="2238690"/>
+          </a:xfrm>
+          <a:prstGeom prst="rect">
+            <a:avLst/>
+          </a:prstGeom>
+          <a:solidFill>
+            <a:schemeClr val="accent1">
+              <a:alpha val="0"/>
+            </a:schemeClr>
+          </a:solidFill>
+          <a:ln w="38100"/>
+        </p:spPr>
+        <p:style>
+          <a:lnRef idx="2">
+            <a:schemeClr val="accent1">
+              <a:shade val="15000"/>
+            </a:schemeClr>
+          </a:lnRef>
+          <a:fillRef idx="1">
+            <a:schemeClr val="accent1"/>
+          </a:fillRef>
+          <a:effectRef idx="0">
+            <a:schemeClr val="accent1"/>
+          </a:effectRef>
+          <a:fontRef idx="minor">
+            <a:schemeClr val="lt1"/>
+          </a:fontRef>
+        </p:style>
+        <p:txBody>
+          <a:bodyPr rtlCol="0" anchor="ctr"/>
+          <a:lstStyle/>
+          <a:p>
+            <a:pPr algn="ctr"/>
+            <a:endParaRPr lang="en-CN"/>
+          </a:p>
+        </p:txBody>
+      </p:sp>
+      <p:sp>
+        <p:nvSpPr>
+          <p:cNvPr id="7" name="Oval 6">
+            <a:extLst>
+              <a:ext uri="{FF2B5EF4-FFF2-40B4-BE49-F238E27FC236}">
+                <a16:creationId xmlns:a16="http://schemas.microsoft.com/office/drawing/2014/main" id="{A7667699-1C21-C0DF-0471-E0B4A410DF8B}"/>
+              </a:ext>
+            </a:extLst>
+          </p:cNvPr>
+          <p:cNvSpPr/>
+          <p:nvPr/>
+        </p:nvSpPr>
+        <p:spPr>
+          <a:xfrm>
+            <a:off x="7219332" y="8239025"/>
+            <a:ext cx="720000" cy="720000"/>
+          </a:xfrm>
+          <a:prstGeom prst="ellipse">
+            <a:avLst/>
+          </a:prstGeom>
+          <a:solidFill>
+            <a:schemeClr val="tx2">
+              <a:lumMod val="50000"/>
+              <a:lumOff val="50000"/>
+            </a:schemeClr>
+          </a:solidFill>
+        </p:spPr>
+        <p:style>
+          <a:lnRef idx="2">
+            <a:schemeClr val="accent1">
+              <a:shade val="15000"/>
+            </a:schemeClr>
+          </a:lnRef>
+          <a:fillRef idx="1">
+            <a:schemeClr val="accent1"/>
+          </a:fillRef>
+          <a:effectRef idx="0">
+            <a:schemeClr val="accent1"/>
+          </a:effectRef>
+          <a:fontRef idx="minor">
+            <a:schemeClr val="lt1"/>
+          </a:fontRef>
+        </p:style>
+        <p:txBody>
+          <a:bodyPr rtlCol="0" anchor="ctr"/>
+          <a:lstStyle/>
+          <a:p>
+            <a:pPr algn="ctr"/>
+            <a:endParaRPr lang="en-CN"/>
+          </a:p>
+        </p:txBody>
+      </p:sp>
+      <p:sp>
+        <p:nvSpPr>
+          <p:cNvPr id="8" name="TextBox 7">
+            <a:extLst>
+              <a:ext uri="{FF2B5EF4-FFF2-40B4-BE49-F238E27FC236}">
+                <a16:creationId xmlns:a16="http://schemas.microsoft.com/office/drawing/2014/main" id="{4B109FD9-21B7-110F-3301-F95630B77DC7}"/>
+              </a:ext>
+            </a:extLst>
+          </p:cNvPr>
+          <p:cNvSpPr txBox="1"/>
+          <p:nvPr/>
+        </p:nvSpPr>
+        <p:spPr>
+          <a:xfrm>
+            <a:off x="7366076" y="8411288"/>
+            <a:ext cx="1146517" cy="400110"/>
+          </a:xfrm>
+          <a:prstGeom prst="rect">
+            <a:avLst/>
+          </a:prstGeom>
+          <a:noFill/>
+        </p:spPr>
+        <p:txBody>
+          <a:bodyPr wrap="square" rtlCol="0">
+            <a:spAutoFit/>
+          </a:bodyPr>
+          <a:lstStyle/>
+          <a:p>
+            <a:r>
+              <a:rPr lang="en-CN" sz="2000">
+                <a:solidFill>
+                  <a:schemeClr val="bg1"/>
+                </a:solidFill>
+                <a:latin typeface="Helvetica" pitchFamily="2" charset="0"/>
+              </a:rPr>
+              <a:t>O</a:t>
+            </a:r>
+            <a:r>
+              <a:rPr lang="en-CN" sz="2000" baseline="-25000">
+                <a:solidFill>
+                  <a:schemeClr val="bg1"/>
+                </a:solidFill>
+                <a:latin typeface="Helvetica" pitchFamily="2" charset="0"/>
+              </a:rPr>
+              <a:t>t</a:t>
+            </a:r>
+            <a:endParaRPr lang="en-CN" sz="2000">
+              <a:solidFill>
+                <a:schemeClr val="bg1"/>
+              </a:solidFill>
+              <a:latin typeface="Helvetica" pitchFamily="2" charset="0"/>
+            </a:endParaRPr>
+          </a:p>
+        </p:txBody>
+      </p:sp>
+      <p:pic>
+        <p:nvPicPr>
+          <p:cNvPr id="9" name="Picture 8">
+            <a:extLst>
+              <a:ext uri="{FF2B5EF4-FFF2-40B4-BE49-F238E27FC236}">
+                <a16:creationId xmlns:a16="http://schemas.microsoft.com/office/drawing/2014/main" id="{DACDA35B-E29C-B039-FA8A-274707E1D511}"/>
+              </a:ext>
+            </a:extLst>
+          </p:cNvPr>
+          <p:cNvPicPr>
+            <a:picLocks noChangeAspect="1"/>
+          </p:cNvPicPr>
+          <p:nvPr/>
+        </p:nvPicPr>
+        <p:blipFill>
+          <a:blip r:embed="rId3"/>
+          <a:stretch>
+            <a:fillRect/>
+          </a:stretch>
+        </p:blipFill>
+        <p:spPr>
+          <a:xfrm>
+            <a:off x="8752995" y="8058051"/>
+            <a:ext cx="987244" cy="987244"/>
+          </a:xfrm>
+          <a:prstGeom prst="rect">
+            <a:avLst/>
+          </a:prstGeom>
+        </p:spPr>
+      </p:pic>
+      <p:cxnSp>
+        <p:nvCxnSpPr>
+          <p:cNvPr id="10" name="Straight Arrow Connector 9">
+            <a:extLst>
+              <a:ext uri="{FF2B5EF4-FFF2-40B4-BE49-F238E27FC236}">
+                <a16:creationId xmlns:a16="http://schemas.microsoft.com/office/drawing/2014/main" id="{BA429D70-B490-FD85-DD50-25AAD2A6ADDE}"/>
+              </a:ext>
+            </a:extLst>
+          </p:cNvPr>
+          <p:cNvCxnSpPr>
+            <a:cxnSpLocks/>
+          </p:cNvCxnSpPr>
+          <p:nvPr/>
+        </p:nvCxnSpPr>
+        <p:spPr>
+          <a:xfrm>
+            <a:off x="8001709" y="8612426"/>
+            <a:ext cx="478215" cy="0"/>
+          </a:xfrm>
+          <a:prstGeom prst="straightConnector1">
+            <a:avLst/>
+          </a:prstGeom>
+          <a:ln w="63500">
+            <a:solidFill>
+              <a:srgbClr val="C00000"/>
+            </a:solidFill>
+            <a:tailEnd type="triangle"/>
+          </a:ln>
+        </p:spPr>
+        <p:style>
+          <a:lnRef idx="2">
+            <a:schemeClr val="accent1"/>
+          </a:lnRef>
+          <a:fillRef idx="0">
+            <a:schemeClr val="accent1"/>
+          </a:fillRef>
+          <a:effectRef idx="1">
+            <a:schemeClr val="accent1"/>
+          </a:effectRef>
+          <a:fontRef idx="minor">
+            <a:schemeClr val="tx1"/>
+          </a:fontRef>
+        </p:style>
+      </p:cxnSp>
+      <p:sp>
+        <p:nvSpPr>
+          <p:cNvPr id="11" name="TextBox 10">
+            <a:extLst>
+              <a:ext uri="{FF2B5EF4-FFF2-40B4-BE49-F238E27FC236}">
+                <a16:creationId xmlns:a16="http://schemas.microsoft.com/office/drawing/2014/main" id="{8D3F5BD3-55E0-0DEA-65B7-35711FC0545F}"/>
+              </a:ext>
+            </a:extLst>
+          </p:cNvPr>
+          <p:cNvSpPr txBox="1"/>
+          <p:nvPr/>
+        </p:nvSpPr>
+        <p:spPr>
+          <a:xfrm>
+            <a:off x="8756081" y="8968913"/>
+            <a:ext cx="1320800" cy="276999"/>
+          </a:xfrm>
+          <a:prstGeom prst="rect">
+            <a:avLst/>
+          </a:prstGeom>
+          <a:noFill/>
+        </p:spPr>
+        <p:txBody>
+          <a:bodyPr wrap="square" rtlCol="0">
+            <a:spAutoFit/>
+          </a:bodyPr>
+          <a:lstStyle/>
+          <a:p>
+            <a:r>
+              <a:rPr lang="en-CN" sz="1200" b="1"/>
+              <a:t>Agent/Policy </a:t>
+            </a:r>
+          </a:p>
+        </p:txBody>
+      </p:sp>
+      <p:sp>
+        <p:nvSpPr>
+          <p:cNvPr id="12" name="Oval 11">
+            <a:extLst>
+              <a:ext uri="{FF2B5EF4-FFF2-40B4-BE49-F238E27FC236}">
+                <a16:creationId xmlns:a16="http://schemas.microsoft.com/office/drawing/2014/main" id="{6348B9D4-0EAD-8B37-A0FD-31DD6F6916B0}"/>
+              </a:ext>
+            </a:extLst>
+          </p:cNvPr>
+          <p:cNvSpPr/>
+          <p:nvPr/>
+        </p:nvSpPr>
+        <p:spPr>
+          <a:xfrm>
+            <a:off x="12105495" y="8245105"/>
+            <a:ext cx="720000" cy="720000"/>
+          </a:xfrm>
+          <a:prstGeom prst="ellipse">
+            <a:avLst/>
+          </a:prstGeom>
+          <a:solidFill>
+            <a:schemeClr val="accent3">
+              <a:lumMod val="60000"/>
+              <a:lumOff val="40000"/>
+            </a:schemeClr>
+          </a:solidFill>
+        </p:spPr>
+        <p:style>
+          <a:lnRef idx="2">
+            <a:schemeClr val="accent1">
+              <a:shade val="15000"/>
+            </a:schemeClr>
+          </a:lnRef>
+          <a:fillRef idx="1">
+            <a:schemeClr val="accent1"/>
+          </a:fillRef>
+          <a:effectRef idx="0">
+            <a:schemeClr val="accent1"/>
+          </a:effectRef>
+          <a:fontRef idx="minor">
+            <a:schemeClr val="lt1"/>
+          </a:fontRef>
+        </p:style>
+        <p:txBody>
+          <a:bodyPr rtlCol="0" anchor="ctr"/>
+          <a:lstStyle/>
+          <a:p>
+            <a:pPr algn="ctr"/>
+            <a:endParaRPr lang="en-CN"/>
+          </a:p>
+        </p:txBody>
+      </p:sp>
+      <p:sp>
+        <p:nvSpPr>
+          <p:cNvPr id="13" name="TextBox 12">
+            <a:extLst>
+              <a:ext uri="{FF2B5EF4-FFF2-40B4-BE49-F238E27FC236}">
+                <a16:creationId xmlns:a16="http://schemas.microsoft.com/office/drawing/2014/main" id="{EF2A4803-C59C-A242-4A2B-1FD5BEB5CDA6}"/>
+              </a:ext>
+            </a:extLst>
+          </p:cNvPr>
+          <p:cNvSpPr txBox="1"/>
+          <p:nvPr/>
+        </p:nvSpPr>
+        <p:spPr>
+          <a:xfrm>
+            <a:off x="12266306" y="8403584"/>
+            <a:ext cx="1146517" cy="400110"/>
+          </a:xfrm>
+          <a:prstGeom prst="rect">
+            <a:avLst/>
+          </a:prstGeom>
+          <a:noFill/>
+        </p:spPr>
+        <p:txBody>
+          <a:bodyPr wrap="square" rtlCol="0">
+            <a:spAutoFit/>
+          </a:bodyPr>
+          <a:lstStyle/>
+          <a:p>
+            <a:r>
+              <a:rPr lang="en-CN" sz="2000">
+                <a:solidFill>
+                  <a:schemeClr val="bg1"/>
+                </a:solidFill>
+                <a:latin typeface="Helvetica" pitchFamily="2" charset="0"/>
+              </a:rPr>
+              <a:t>A</a:t>
+            </a:r>
+            <a:r>
+              <a:rPr lang="en-CN" sz="2000" baseline="-25000">
+                <a:solidFill>
+                  <a:schemeClr val="bg1"/>
+                </a:solidFill>
+                <a:latin typeface="Helvetica" pitchFamily="2" charset="0"/>
+              </a:rPr>
+              <a:t>t</a:t>
+            </a:r>
+            <a:endParaRPr lang="en-CN" sz="2000">
+              <a:solidFill>
+                <a:schemeClr val="bg1"/>
+              </a:solidFill>
+              <a:latin typeface="Helvetica" pitchFamily="2" charset="0"/>
+            </a:endParaRPr>
+          </a:p>
+        </p:txBody>
+      </p:sp>
+      <p:cxnSp>
+        <p:nvCxnSpPr>
+          <p:cNvPr id="14" name="Straight Arrow Connector 13">
+            <a:extLst>
+              <a:ext uri="{FF2B5EF4-FFF2-40B4-BE49-F238E27FC236}">
+                <a16:creationId xmlns:a16="http://schemas.microsoft.com/office/drawing/2014/main" id="{1729DDD5-C0D3-B844-13C9-881408352FAD}"/>
+              </a:ext>
+            </a:extLst>
+          </p:cNvPr>
+          <p:cNvCxnSpPr>
+            <a:cxnSpLocks/>
+          </p:cNvCxnSpPr>
+          <p:nvPr/>
+        </p:nvCxnSpPr>
+        <p:spPr>
+          <a:xfrm>
+            <a:off x="10045884" y="8635070"/>
+            <a:ext cx="540000" cy="0"/>
+          </a:xfrm>
+          <a:prstGeom prst="straightConnector1">
+            <a:avLst/>
+          </a:prstGeom>
+          <a:ln w="63500">
+            <a:solidFill>
+              <a:srgbClr val="C00000"/>
+            </a:solidFill>
+            <a:tailEnd type="triangle"/>
+          </a:ln>
+        </p:spPr>
+        <p:style>
+          <a:lnRef idx="2">
+            <a:schemeClr val="accent1"/>
+          </a:lnRef>
+          <a:fillRef idx="0">
+            <a:schemeClr val="accent1"/>
+          </a:fillRef>
+          <a:effectRef idx="1">
+            <a:schemeClr val="accent1"/>
+          </a:effectRef>
+          <a:fontRef idx="minor">
+            <a:schemeClr val="tx1"/>
+          </a:fontRef>
+        </p:style>
+      </p:cxnSp>
+      <p:cxnSp>
+        <p:nvCxnSpPr>
+          <p:cNvPr id="15" name="Straight Arrow Connector 14">
+            <a:extLst>
+              <a:ext uri="{FF2B5EF4-FFF2-40B4-BE49-F238E27FC236}">
+                <a16:creationId xmlns:a16="http://schemas.microsoft.com/office/drawing/2014/main" id="{1E8152A9-B1C3-D4C7-A596-CEFB06C7560F}"/>
+              </a:ext>
+            </a:extLst>
+          </p:cNvPr>
+          <p:cNvCxnSpPr>
+            <a:cxnSpLocks/>
+          </p:cNvCxnSpPr>
+          <p:nvPr/>
+        </p:nvCxnSpPr>
+        <p:spPr>
+          <a:xfrm flipH="1">
+            <a:off x="9694272" y="5399018"/>
+            <a:ext cx="3656559" cy="38985"/>
+          </a:xfrm>
+          <a:prstGeom prst="straightConnector1">
+            <a:avLst/>
+          </a:prstGeom>
+          <a:ln w="63500">
+            <a:solidFill>
+              <a:srgbClr val="C00000"/>
+            </a:solidFill>
+            <a:tailEnd type="triangle"/>
+          </a:ln>
+        </p:spPr>
+        <p:style>
+          <a:lnRef idx="2">
+            <a:schemeClr val="accent1"/>
+          </a:lnRef>
+          <a:fillRef idx="0">
+            <a:schemeClr val="accent1"/>
+          </a:fillRef>
+          <a:effectRef idx="1">
+            <a:schemeClr val="accent1"/>
+          </a:effectRef>
+          <a:fontRef idx="minor">
+            <a:schemeClr val="tx1"/>
+          </a:fontRef>
+        </p:style>
+      </p:cxnSp>
+      <p:cxnSp>
+        <p:nvCxnSpPr>
+          <p:cNvPr id="16" name="Straight Arrow Connector 15">
+            <a:extLst>
+              <a:ext uri="{FF2B5EF4-FFF2-40B4-BE49-F238E27FC236}">
+                <a16:creationId xmlns:a16="http://schemas.microsoft.com/office/drawing/2014/main" id="{671EEE32-AEAB-92A3-30E8-80820E811FE3}"/>
+              </a:ext>
+            </a:extLst>
+          </p:cNvPr>
+          <p:cNvCxnSpPr>
+            <a:cxnSpLocks/>
+          </p:cNvCxnSpPr>
+          <p:nvPr/>
+        </p:nvCxnSpPr>
+        <p:spPr>
+          <a:xfrm>
+            <a:off x="12889070" y="8632748"/>
+            <a:ext cx="515753" cy="0"/>
+          </a:xfrm>
+          <a:prstGeom prst="straightConnector1">
+            <a:avLst/>
+          </a:prstGeom>
+          <a:ln w="63500">
+            <a:solidFill>
+              <a:srgbClr val="C00000"/>
+            </a:solidFill>
+            <a:tailEnd type="triangle"/>
+          </a:ln>
+        </p:spPr>
+        <p:style>
+          <a:lnRef idx="2">
+            <a:schemeClr val="accent1"/>
+          </a:lnRef>
+          <a:fillRef idx="0">
+            <a:schemeClr val="accent1"/>
+          </a:fillRef>
+          <a:effectRef idx="1">
+            <a:schemeClr val="accent1"/>
+          </a:effectRef>
+          <a:fontRef idx="minor">
+            <a:schemeClr val="tx1"/>
+          </a:fontRef>
+        </p:style>
+      </p:cxnSp>
+      <p:sp>
+        <p:nvSpPr>
+          <p:cNvPr id="17" name="TextBox 16">
+            <a:extLst>
+              <a:ext uri="{FF2B5EF4-FFF2-40B4-BE49-F238E27FC236}">
+                <a16:creationId xmlns:a16="http://schemas.microsoft.com/office/drawing/2014/main" id="{83B374FB-15C2-512E-FF86-D8BE5938F396}"/>
+              </a:ext>
+            </a:extLst>
+          </p:cNvPr>
+          <p:cNvSpPr txBox="1"/>
+          <p:nvPr/>
+        </p:nvSpPr>
+        <p:spPr>
+          <a:xfrm>
+            <a:off x="14348562" y="6242103"/>
+            <a:ext cx="2982751" cy="276999"/>
+          </a:xfrm>
+          <a:prstGeom prst="rect">
+            <a:avLst/>
+          </a:prstGeom>
+          <a:noFill/>
+        </p:spPr>
+        <p:txBody>
+          <a:bodyPr wrap="square" rtlCol="0">
+            <a:spAutoFit/>
+          </a:bodyPr>
+          <a:lstStyle/>
+          <a:p>
+            <a:r>
+              <a:rPr lang="en-CN" sz="1200" b="1"/>
+              <a:t>State t</a:t>
+            </a:r>
+          </a:p>
+        </p:txBody>
+      </p:sp>
+      <p:sp>
+        <p:nvSpPr>
+          <p:cNvPr id="18" name="Rectangle 17">
+            <a:extLst>
+              <a:ext uri="{FF2B5EF4-FFF2-40B4-BE49-F238E27FC236}">
+                <a16:creationId xmlns:a16="http://schemas.microsoft.com/office/drawing/2014/main" id="{45C90B64-EC11-A909-D1B9-B00F964877BB}"/>
+              </a:ext>
+            </a:extLst>
+          </p:cNvPr>
+          <p:cNvSpPr/>
+          <p:nvPr/>
+        </p:nvSpPr>
+        <p:spPr>
+          <a:xfrm>
+            <a:off x="6894819" y="4655993"/>
+            <a:ext cx="2479843" cy="1410175"/>
+          </a:xfrm>
+          <a:prstGeom prst="rect">
+            <a:avLst/>
+          </a:prstGeom>
+          <a:solidFill>
+            <a:schemeClr val="accent1">
+              <a:alpha val="0"/>
+            </a:schemeClr>
+          </a:solidFill>
+          <a:ln w="38100"/>
+        </p:spPr>
+        <p:style>
+          <a:lnRef idx="2">
+            <a:schemeClr val="accent1">
+              <a:shade val="15000"/>
+            </a:schemeClr>
+          </a:lnRef>
+          <a:fillRef idx="1">
+            <a:schemeClr val="accent1"/>
+          </a:fillRef>
+          <a:effectRef idx="0">
+            <a:schemeClr val="accent1"/>
+          </a:effectRef>
+          <a:fontRef idx="minor">
+            <a:schemeClr val="lt1"/>
+          </a:fontRef>
+        </p:style>
+        <p:txBody>
+          <a:bodyPr rtlCol="0" anchor="ctr"/>
+          <a:lstStyle/>
+          <a:p>
+            <a:pPr algn="ctr"/>
+            <a:endParaRPr lang="en-CN"/>
+          </a:p>
+        </p:txBody>
+      </p:sp>
+      <p:pic>
+        <p:nvPicPr>
+          <p:cNvPr id="19" name="Picture 18">
+            <a:extLst>
+              <a:ext uri="{FF2B5EF4-FFF2-40B4-BE49-F238E27FC236}">
+                <a16:creationId xmlns:a16="http://schemas.microsoft.com/office/drawing/2014/main" id="{264B78A2-6589-E1CC-DC86-2DC427F52F60}"/>
+              </a:ext>
+            </a:extLst>
+          </p:cNvPr>
+          <p:cNvPicPr>
+            <a:picLocks noChangeAspect="1"/>
+          </p:cNvPicPr>
+          <p:nvPr/>
+        </p:nvPicPr>
+        <p:blipFill>
+          <a:blip r:embed="rId4"/>
+          <a:stretch>
+            <a:fillRect/>
+          </a:stretch>
+        </p:blipFill>
+        <p:spPr>
+          <a:xfrm>
+            <a:off x="7115346" y="4865451"/>
+            <a:ext cx="2015970" cy="844188"/>
+          </a:xfrm>
+          <a:prstGeom prst="rect">
+            <a:avLst/>
+          </a:prstGeom>
+        </p:spPr>
+      </p:pic>
+      <p:sp>
+        <p:nvSpPr>
+          <p:cNvPr id="20" name="TextBox 19">
+            <a:extLst>
+              <a:ext uri="{FF2B5EF4-FFF2-40B4-BE49-F238E27FC236}">
+                <a16:creationId xmlns:a16="http://schemas.microsoft.com/office/drawing/2014/main" id="{4A2440EE-F206-594D-18A3-727740EAA423}"/>
+              </a:ext>
+            </a:extLst>
+          </p:cNvPr>
+          <p:cNvSpPr txBox="1"/>
+          <p:nvPr/>
+        </p:nvSpPr>
+        <p:spPr>
+          <a:xfrm>
+            <a:off x="6938213" y="5708849"/>
+            <a:ext cx="2485577" cy="276999"/>
+          </a:xfrm>
+          <a:prstGeom prst="rect">
+            <a:avLst/>
+          </a:prstGeom>
+          <a:noFill/>
+        </p:spPr>
+        <p:txBody>
+          <a:bodyPr wrap="square" rtlCol="0">
+            <a:spAutoFit/>
+          </a:bodyPr>
+          <a:lstStyle/>
+          <a:p>
+            <a:r>
+              <a:rPr lang="en-CN" sz="1200" b="1"/>
+              <a:t>Place Cell / Grid Cell Simulation</a:t>
+            </a:r>
+          </a:p>
+        </p:txBody>
+      </p:sp>
+      <p:cxnSp>
+        <p:nvCxnSpPr>
+          <p:cNvPr id="21" name="Straight Arrow Connector 20">
+            <a:extLst>
+              <a:ext uri="{FF2B5EF4-FFF2-40B4-BE49-F238E27FC236}">
+                <a16:creationId xmlns:a16="http://schemas.microsoft.com/office/drawing/2014/main" id="{4D41553F-2112-C6E0-A869-CEF415CD7C8A}"/>
+              </a:ext>
+            </a:extLst>
+          </p:cNvPr>
+          <p:cNvCxnSpPr>
+            <a:cxnSpLocks/>
+          </p:cNvCxnSpPr>
+          <p:nvPr/>
+        </p:nvCxnSpPr>
+        <p:spPr>
+          <a:xfrm>
+            <a:off x="7578900" y="6666832"/>
+            <a:ext cx="0" cy="1468028"/>
+          </a:xfrm>
+          <a:prstGeom prst="straightConnector1">
+            <a:avLst/>
+          </a:prstGeom>
+          <a:ln w="63500">
+            <a:solidFill>
+              <a:srgbClr val="C00000"/>
+            </a:solidFill>
+            <a:tailEnd type="triangle"/>
+          </a:ln>
+        </p:spPr>
+        <p:style>
+          <a:lnRef idx="2">
+            <a:schemeClr val="accent1"/>
+          </a:lnRef>
+          <a:fillRef idx="0">
+            <a:schemeClr val="accent1"/>
+          </a:fillRef>
+          <a:effectRef idx="1">
+            <a:schemeClr val="accent1"/>
+          </a:effectRef>
+          <a:fontRef idx="minor">
+            <a:schemeClr val="tx1"/>
+          </a:fontRef>
+        </p:style>
+      </p:cxnSp>
+      <p:sp>
+        <p:nvSpPr>
+          <p:cNvPr id="22" name="Oval 21">
+            <a:extLst>
+              <a:ext uri="{FF2B5EF4-FFF2-40B4-BE49-F238E27FC236}">
+                <a16:creationId xmlns:a16="http://schemas.microsoft.com/office/drawing/2014/main" id="{798AF6C1-7ADB-BB22-FA2D-E86BB913C0B3}"/>
+              </a:ext>
+            </a:extLst>
+          </p:cNvPr>
+          <p:cNvSpPr/>
+          <p:nvPr/>
+        </p:nvSpPr>
+        <p:spPr>
+          <a:xfrm>
+            <a:off x="5277759" y="8212402"/>
+            <a:ext cx="720000" cy="720000"/>
+          </a:xfrm>
+          <a:prstGeom prst="ellipse">
+            <a:avLst/>
+          </a:prstGeom>
+          <a:solidFill>
+            <a:schemeClr val="tx2">
+              <a:lumMod val="50000"/>
+              <a:lumOff val="50000"/>
+            </a:schemeClr>
+          </a:solidFill>
+        </p:spPr>
+        <p:style>
+          <a:lnRef idx="2">
+            <a:schemeClr val="accent1">
+              <a:shade val="15000"/>
+            </a:schemeClr>
+          </a:lnRef>
+          <a:fillRef idx="1">
+            <a:schemeClr val="accent1"/>
+          </a:fillRef>
+          <a:effectRef idx="0">
+            <a:schemeClr val="accent1"/>
+          </a:effectRef>
+          <a:fontRef idx="minor">
+            <a:schemeClr val="lt1"/>
+          </a:fontRef>
+        </p:style>
+        <p:txBody>
+          <a:bodyPr rtlCol="0" anchor="ctr"/>
+          <a:lstStyle/>
+          <a:p>
+            <a:pPr algn="ctr"/>
+            <a:endParaRPr lang="en-CN"/>
+          </a:p>
+        </p:txBody>
+      </p:sp>
+      <p:sp>
+        <p:nvSpPr>
+          <p:cNvPr id="23" name="Oval 22">
+            <a:extLst>
+              <a:ext uri="{FF2B5EF4-FFF2-40B4-BE49-F238E27FC236}">
+                <a16:creationId xmlns:a16="http://schemas.microsoft.com/office/drawing/2014/main" id="{45060CEC-C05E-3D77-D9DE-9C238CF2C321}"/>
+              </a:ext>
+            </a:extLst>
+          </p:cNvPr>
+          <p:cNvSpPr/>
+          <p:nvPr/>
+        </p:nvSpPr>
+        <p:spPr>
+          <a:xfrm>
+            <a:off x="5448721" y="8217781"/>
+            <a:ext cx="720000" cy="720000"/>
+          </a:xfrm>
+          <a:prstGeom prst="ellipse">
+            <a:avLst/>
+          </a:prstGeom>
+          <a:solidFill>
+            <a:schemeClr val="tx2">
+              <a:lumMod val="50000"/>
+              <a:lumOff val="50000"/>
+            </a:schemeClr>
+          </a:solidFill>
+        </p:spPr>
+        <p:style>
+          <a:lnRef idx="2">
+            <a:schemeClr val="accent1">
+              <a:shade val="15000"/>
+            </a:schemeClr>
+          </a:lnRef>
+          <a:fillRef idx="1">
+            <a:schemeClr val="accent1"/>
+          </a:fillRef>
+          <a:effectRef idx="0">
+            <a:schemeClr val="accent1"/>
+          </a:effectRef>
+          <a:fontRef idx="minor">
+            <a:schemeClr val="lt1"/>
+          </a:fontRef>
+        </p:style>
+        <p:txBody>
+          <a:bodyPr rtlCol="0" anchor="ctr"/>
+          <a:lstStyle/>
+          <a:p>
+            <a:pPr algn="ctr"/>
+            <a:endParaRPr lang="en-CN"/>
+          </a:p>
+        </p:txBody>
+      </p:sp>
+      <p:sp>
+        <p:nvSpPr>
+          <p:cNvPr id="24" name="Oval 23">
+            <a:extLst>
+              <a:ext uri="{FF2B5EF4-FFF2-40B4-BE49-F238E27FC236}">
+                <a16:creationId xmlns:a16="http://schemas.microsoft.com/office/drawing/2014/main" id="{9A6AC72A-B494-B941-8C21-7D50A18746D8}"/>
+              </a:ext>
+            </a:extLst>
+          </p:cNvPr>
+          <p:cNvSpPr/>
+          <p:nvPr/>
+        </p:nvSpPr>
+        <p:spPr>
+          <a:xfrm>
+            <a:off x="5619683" y="8226591"/>
+            <a:ext cx="720000" cy="720000"/>
+          </a:xfrm>
+          <a:prstGeom prst="ellipse">
+            <a:avLst/>
+          </a:prstGeom>
+          <a:solidFill>
+            <a:schemeClr val="tx2">
+              <a:lumMod val="50000"/>
+              <a:lumOff val="50000"/>
+            </a:schemeClr>
+          </a:solidFill>
+        </p:spPr>
+        <p:style>
+          <a:lnRef idx="2">
+            <a:schemeClr val="accent1">
+              <a:shade val="15000"/>
+            </a:schemeClr>
+          </a:lnRef>
+          <a:fillRef idx="1">
+            <a:schemeClr val="accent1"/>
+          </a:fillRef>
+          <a:effectRef idx="0">
+            <a:schemeClr val="accent1"/>
+          </a:effectRef>
+          <a:fontRef idx="minor">
+            <a:schemeClr val="lt1"/>
+          </a:fontRef>
+        </p:style>
+        <p:txBody>
+          <a:bodyPr rtlCol="0" anchor="ctr"/>
+          <a:lstStyle/>
+          <a:p>
+            <a:pPr algn="ctr"/>
+            <a:endParaRPr lang="en-CN"/>
+          </a:p>
+        </p:txBody>
+      </p:sp>
+      <p:sp>
+        <p:nvSpPr>
+          <p:cNvPr id="25" name="Oval 24">
+            <a:extLst>
+              <a:ext uri="{FF2B5EF4-FFF2-40B4-BE49-F238E27FC236}">
+                <a16:creationId xmlns:a16="http://schemas.microsoft.com/office/drawing/2014/main" id="{D2CD9B55-86EB-33F0-326D-59AE196F1B81}"/>
+              </a:ext>
+            </a:extLst>
+          </p:cNvPr>
+          <p:cNvSpPr/>
+          <p:nvPr/>
+        </p:nvSpPr>
+        <p:spPr>
+          <a:xfrm>
+            <a:off x="5790645" y="8226591"/>
+            <a:ext cx="720000" cy="720000"/>
+          </a:xfrm>
+          <a:prstGeom prst="ellipse">
+            <a:avLst/>
+          </a:prstGeom>
+          <a:solidFill>
+            <a:schemeClr val="tx2">
+              <a:lumMod val="50000"/>
+              <a:lumOff val="50000"/>
+            </a:schemeClr>
+          </a:solidFill>
+        </p:spPr>
+        <p:style>
+          <a:lnRef idx="2">
+            <a:schemeClr val="accent1">
+              <a:shade val="15000"/>
+            </a:schemeClr>
+          </a:lnRef>
+          <a:fillRef idx="1">
+            <a:schemeClr val="accent1"/>
+          </a:fillRef>
+          <a:effectRef idx="0">
+            <a:schemeClr val="accent1"/>
+          </a:effectRef>
+          <a:fontRef idx="minor">
+            <a:schemeClr val="lt1"/>
+          </a:fontRef>
+        </p:style>
+        <p:txBody>
+          <a:bodyPr rtlCol="0" anchor="ctr"/>
+          <a:lstStyle/>
+          <a:p>
+            <a:pPr algn="ctr"/>
+            <a:endParaRPr lang="en-CN"/>
+          </a:p>
+        </p:txBody>
+      </p:sp>
+      <p:sp>
+        <p:nvSpPr>
+          <p:cNvPr id="26" name="Oval 25">
+            <a:extLst>
+              <a:ext uri="{FF2B5EF4-FFF2-40B4-BE49-F238E27FC236}">
+                <a16:creationId xmlns:a16="http://schemas.microsoft.com/office/drawing/2014/main" id="{22F05486-E5F4-0ACF-BC97-58643FD0A860}"/>
+              </a:ext>
+            </a:extLst>
+          </p:cNvPr>
+          <p:cNvSpPr/>
+          <p:nvPr/>
+        </p:nvSpPr>
+        <p:spPr>
+          <a:xfrm>
+            <a:off x="5961607" y="8226591"/>
+            <a:ext cx="720000" cy="720000"/>
+          </a:xfrm>
+          <a:prstGeom prst="ellipse">
+            <a:avLst/>
+          </a:prstGeom>
+          <a:solidFill>
+            <a:schemeClr val="tx2">
+              <a:lumMod val="50000"/>
+              <a:lumOff val="50000"/>
+            </a:schemeClr>
+          </a:solidFill>
+        </p:spPr>
+        <p:style>
+          <a:lnRef idx="2">
+            <a:schemeClr val="accent1">
+              <a:shade val="15000"/>
+            </a:schemeClr>
+          </a:lnRef>
+          <a:fillRef idx="1">
+            <a:schemeClr val="accent1"/>
+          </a:fillRef>
+          <a:effectRef idx="0">
+            <a:schemeClr val="accent1"/>
+          </a:effectRef>
+          <a:fontRef idx="minor">
+            <a:schemeClr val="lt1"/>
+          </a:fontRef>
+        </p:style>
+        <p:txBody>
+          <a:bodyPr rtlCol="0" anchor="ctr"/>
+          <a:lstStyle/>
+          <a:p>
+            <a:pPr algn="ctr"/>
+            <a:endParaRPr lang="en-CN"/>
+          </a:p>
+        </p:txBody>
+      </p:sp>
+      <p:sp>
+        <p:nvSpPr>
+          <p:cNvPr id="27" name="TextBox 26">
+            <a:extLst>
+              <a:ext uri="{FF2B5EF4-FFF2-40B4-BE49-F238E27FC236}">
+                <a16:creationId xmlns:a16="http://schemas.microsoft.com/office/drawing/2014/main" id="{4434301A-AC59-5FDD-6E7B-B6F227614DFA}"/>
+              </a:ext>
+            </a:extLst>
+          </p:cNvPr>
+          <p:cNvSpPr txBox="1"/>
+          <p:nvPr/>
+        </p:nvSpPr>
+        <p:spPr>
+          <a:xfrm>
+            <a:off x="6073915" y="8404011"/>
+            <a:ext cx="607695" cy="400110"/>
+          </a:xfrm>
+          <a:prstGeom prst="rect">
+            <a:avLst/>
+          </a:prstGeom>
+          <a:noFill/>
+        </p:spPr>
+        <p:txBody>
+          <a:bodyPr wrap="square" rtlCol="0">
+            <a:spAutoFit/>
+          </a:bodyPr>
+          <a:lstStyle/>
+          <a:p>
+            <a:r>
+              <a:rPr lang="en-CN" sz="2000">
+                <a:solidFill>
+                  <a:schemeClr val="bg1"/>
+                </a:solidFill>
+                <a:latin typeface="Helvetica" pitchFamily="2" charset="0"/>
+              </a:rPr>
+              <a:t>O</a:t>
+            </a:r>
+            <a:r>
+              <a:rPr lang="en-CN" sz="2000" baseline="-25000">
+                <a:solidFill>
+                  <a:schemeClr val="bg1"/>
+                </a:solidFill>
+                <a:latin typeface="Helvetica" pitchFamily="2" charset="0"/>
+              </a:rPr>
+              <a:t>t-1</a:t>
+            </a:r>
+            <a:endParaRPr lang="en-CN" sz="2000">
+              <a:solidFill>
+                <a:schemeClr val="bg1"/>
+              </a:solidFill>
+              <a:latin typeface="Helvetica" pitchFamily="2" charset="0"/>
+            </a:endParaRPr>
+          </a:p>
+        </p:txBody>
+      </p:sp>
+      <p:sp>
+        <p:nvSpPr>
+          <p:cNvPr id="28" name="Plus 27">
+            <a:extLst>
+              <a:ext uri="{FF2B5EF4-FFF2-40B4-BE49-F238E27FC236}">
+                <a16:creationId xmlns:a16="http://schemas.microsoft.com/office/drawing/2014/main" id="{5FAF9D9D-6FCB-7CEC-5D08-E5EA79223A77}"/>
+              </a:ext>
+            </a:extLst>
+          </p:cNvPr>
+          <p:cNvSpPr/>
+          <p:nvPr/>
+        </p:nvSpPr>
+        <p:spPr>
+          <a:xfrm>
+            <a:off x="6921022" y="8496470"/>
+            <a:ext cx="278613" cy="277200"/>
+          </a:xfrm>
+          <a:prstGeom prst="mathPlus">
+            <a:avLst/>
+          </a:prstGeom>
+          <a:ln>
+            <a:noFill/>
+          </a:ln>
+        </p:spPr>
+        <p:style>
+          <a:lnRef idx="2">
+            <a:schemeClr val="accent1">
+              <a:shade val="15000"/>
+            </a:schemeClr>
+          </a:lnRef>
+          <a:fillRef idx="1">
+            <a:schemeClr val="accent1"/>
+          </a:fillRef>
+          <a:effectRef idx="0">
+            <a:schemeClr val="accent1"/>
+          </a:effectRef>
+          <a:fontRef idx="minor">
+            <a:schemeClr val="lt1"/>
+          </a:fontRef>
+        </p:style>
+        <p:txBody>
+          <a:bodyPr rtlCol="0" anchor="ctr"/>
+          <a:lstStyle/>
+          <a:p>
+            <a:pPr algn="ctr"/>
+            <a:endParaRPr lang="en-CN"/>
+          </a:p>
+        </p:txBody>
+      </p:sp>
+      <p:sp>
+        <p:nvSpPr>
+          <p:cNvPr id="29" name="TextBox 28">
+            <a:extLst>
+              <a:ext uri="{FF2B5EF4-FFF2-40B4-BE49-F238E27FC236}">
+                <a16:creationId xmlns:a16="http://schemas.microsoft.com/office/drawing/2014/main" id="{196B5C06-8D0D-3750-0DC1-FA3B26BA13DA}"/>
+              </a:ext>
+            </a:extLst>
+          </p:cNvPr>
+          <p:cNvSpPr txBox="1"/>
+          <p:nvPr/>
+        </p:nvSpPr>
+        <p:spPr>
+          <a:xfrm>
+            <a:off x="5100668" y="9012466"/>
+            <a:ext cx="1865941" cy="276999"/>
+          </a:xfrm>
+          <a:prstGeom prst="rect">
+            <a:avLst/>
+          </a:prstGeom>
+          <a:noFill/>
+        </p:spPr>
+        <p:txBody>
+          <a:bodyPr wrap="square" rtlCol="0">
+            <a:spAutoFit/>
+          </a:bodyPr>
+          <a:lstStyle/>
+          <a:p>
+            <a:r>
+              <a:rPr lang="en-CN" sz="1200" b="1"/>
+              <a:t>History of Observations</a:t>
+            </a:r>
+          </a:p>
+        </p:txBody>
+      </p:sp>
+      <p:pic>
+        <p:nvPicPr>
+          <p:cNvPr id="30" name="Picture 29">
+            <a:extLst>
+              <a:ext uri="{FF2B5EF4-FFF2-40B4-BE49-F238E27FC236}">
+                <a16:creationId xmlns:a16="http://schemas.microsoft.com/office/drawing/2014/main" id="{7BAECC94-D18C-8071-ADC9-33F6C53FC910}"/>
+              </a:ext>
+            </a:extLst>
+          </p:cNvPr>
+          <p:cNvPicPr>
+            <a:picLocks noChangeAspect="1"/>
+          </p:cNvPicPr>
+          <p:nvPr/>
+        </p:nvPicPr>
+        <p:blipFill>
+          <a:blip r:embed="rId5"/>
+          <a:stretch>
+            <a:fillRect/>
+          </a:stretch>
+        </p:blipFill>
+        <p:spPr>
+          <a:xfrm>
+            <a:off x="5569525" y="4463930"/>
+            <a:ext cx="676339" cy="676339"/>
+          </a:xfrm>
+          <a:prstGeom prst="rect">
+            <a:avLst/>
+          </a:prstGeom>
+        </p:spPr>
+      </p:pic>
+      <p:pic>
+        <p:nvPicPr>
+          <p:cNvPr id="31" name="Picture 30">
+            <a:extLst>
+              <a:ext uri="{FF2B5EF4-FFF2-40B4-BE49-F238E27FC236}">
+                <a16:creationId xmlns:a16="http://schemas.microsoft.com/office/drawing/2014/main" id="{66CC8A21-C160-4778-B7C5-745E85A289FB}"/>
+              </a:ext>
+            </a:extLst>
+          </p:cNvPr>
+          <p:cNvPicPr>
+            <a:picLocks noChangeAspect="1"/>
+          </p:cNvPicPr>
+          <p:nvPr/>
+        </p:nvPicPr>
+        <p:blipFill>
+          <a:blip r:embed="rId6"/>
+          <a:stretch>
+            <a:fillRect/>
+          </a:stretch>
+        </p:blipFill>
+        <p:spPr>
+          <a:xfrm>
+            <a:off x="5636031" y="5465421"/>
+            <a:ext cx="563928" cy="563928"/>
+          </a:xfrm>
+          <a:prstGeom prst="rect">
+            <a:avLst/>
+          </a:prstGeom>
+        </p:spPr>
+      </p:pic>
+      <p:sp>
+        <p:nvSpPr>
+          <p:cNvPr id="32" name="TextBox 31">
+            <a:extLst>
+              <a:ext uri="{FF2B5EF4-FFF2-40B4-BE49-F238E27FC236}">
+                <a16:creationId xmlns:a16="http://schemas.microsoft.com/office/drawing/2014/main" id="{BEC854BF-7972-BBE4-CD5F-B64D28047785}"/>
+              </a:ext>
+            </a:extLst>
+          </p:cNvPr>
+          <p:cNvSpPr txBox="1"/>
+          <p:nvPr/>
+        </p:nvSpPr>
+        <p:spPr>
+          <a:xfrm>
+            <a:off x="5270687" y="5062214"/>
+            <a:ext cx="2485577" cy="276999"/>
+          </a:xfrm>
+          <a:prstGeom prst="rect">
+            <a:avLst/>
+          </a:prstGeom>
+          <a:noFill/>
+        </p:spPr>
+        <p:txBody>
+          <a:bodyPr wrap="square" rtlCol="0">
+            <a:spAutoFit/>
+          </a:bodyPr>
+          <a:lstStyle/>
+          <a:p>
+            <a:r>
+              <a:rPr lang="en-CN" sz="1200" b="1"/>
+              <a:t>Taste Perception </a:t>
+            </a:r>
+          </a:p>
+        </p:txBody>
+      </p:sp>
+      <p:sp>
+        <p:nvSpPr>
+          <p:cNvPr id="33" name="TextBox 32">
+            <a:extLst>
+              <a:ext uri="{FF2B5EF4-FFF2-40B4-BE49-F238E27FC236}">
+                <a16:creationId xmlns:a16="http://schemas.microsoft.com/office/drawing/2014/main" id="{A722F66D-5DCA-972A-F8F7-EB913C6BD577}"/>
+              </a:ext>
+            </a:extLst>
+          </p:cNvPr>
+          <p:cNvSpPr txBox="1"/>
+          <p:nvPr/>
+        </p:nvSpPr>
+        <p:spPr>
+          <a:xfrm>
+            <a:off x="5288332" y="6002884"/>
+            <a:ext cx="2485577" cy="276999"/>
+          </a:xfrm>
+          <a:prstGeom prst="rect">
+            <a:avLst/>
+          </a:prstGeom>
+          <a:noFill/>
+        </p:spPr>
+        <p:txBody>
+          <a:bodyPr wrap="square" rtlCol="0">
+            <a:spAutoFit/>
+          </a:bodyPr>
+          <a:lstStyle/>
+          <a:p>
+            <a:r>
+              <a:rPr lang="en-CN" sz="1200" b="1"/>
+              <a:t>Audio Perception</a:t>
+            </a:r>
+          </a:p>
+        </p:txBody>
+      </p:sp>
+      <p:sp>
+        <p:nvSpPr>
+          <p:cNvPr id="34" name="TextBox 33">
+            <a:extLst>
+              <a:ext uri="{FF2B5EF4-FFF2-40B4-BE49-F238E27FC236}">
+                <a16:creationId xmlns:a16="http://schemas.microsoft.com/office/drawing/2014/main" id="{2E71D03D-5391-00E0-0D6D-23A888E9ACF2}"/>
+              </a:ext>
+            </a:extLst>
+          </p:cNvPr>
+          <p:cNvSpPr txBox="1"/>
+          <p:nvPr/>
+        </p:nvSpPr>
+        <p:spPr>
+          <a:xfrm>
+            <a:off x="5210135" y="6570370"/>
+            <a:ext cx="2071457" cy="276999"/>
+          </a:xfrm>
+          <a:prstGeom prst="rect">
+            <a:avLst/>
+          </a:prstGeom>
+          <a:noFill/>
+        </p:spPr>
+        <p:txBody>
+          <a:bodyPr wrap="square" rtlCol="0">
+            <a:spAutoFit/>
+          </a:bodyPr>
+          <a:lstStyle/>
+          <a:p>
+            <a:r>
+              <a:rPr lang="en-CN" sz="1200" b="1"/>
+              <a:t>Observation Space</a:t>
+            </a:r>
+          </a:p>
+        </p:txBody>
+      </p:sp>
+      <p:cxnSp>
+        <p:nvCxnSpPr>
+          <p:cNvPr id="35" name="Straight Arrow Connector 34">
+            <a:extLst>
+              <a:ext uri="{FF2B5EF4-FFF2-40B4-BE49-F238E27FC236}">
+                <a16:creationId xmlns:a16="http://schemas.microsoft.com/office/drawing/2014/main" id="{E16320F5-98FB-0D50-D12C-C2C5E6590DEA}"/>
+              </a:ext>
+            </a:extLst>
+          </p:cNvPr>
+          <p:cNvCxnSpPr>
+            <a:cxnSpLocks/>
+          </p:cNvCxnSpPr>
+          <p:nvPr/>
+        </p:nvCxnSpPr>
+        <p:spPr>
+          <a:xfrm>
+            <a:off x="14656027" y="6648529"/>
+            <a:ext cx="0" cy="278397"/>
+          </a:xfrm>
+          <a:prstGeom prst="straightConnector1">
+            <a:avLst/>
+          </a:prstGeom>
+          <a:ln w="63500">
+            <a:solidFill>
+              <a:srgbClr val="C00000"/>
+            </a:solidFill>
+            <a:tailEnd type="triangle"/>
+          </a:ln>
+        </p:spPr>
+        <p:style>
+          <a:lnRef idx="2">
+            <a:schemeClr val="accent1"/>
+          </a:lnRef>
+          <a:fillRef idx="0">
+            <a:schemeClr val="accent1"/>
+          </a:fillRef>
+          <a:effectRef idx="1">
+            <a:schemeClr val="accent1"/>
+          </a:effectRef>
+          <a:fontRef idx="minor">
+            <a:schemeClr val="tx1"/>
+          </a:fontRef>
+        </p:style>
+      </p:cxnSp>
+      <p:sp>
+        <p:nvSpPr>
+          <p:cNvPr id="36" name="Rectangle 35">
+            <a:extLst>
+              <a:ext uri="{FF2B5EF4-FFF2-40B4-BE49-F238E27FC236}">
+                <a16:creationId xmlns:a16="http://schemas.microsoft.com/office/drawing/2014/main" id="{A1E90DDC-BCAC-AB95-1B0F-8E961D740A02}"/>
+              </a:ext>
+            </a:extLst>
+          </p:cNvPr>
+          <p:cNvSpPr/>
+          <p:nvPr/>
+        </p:nvSpPr>
+        <p:spPr>
+          <a:xfrm>
+            <a:off x="10662629" y="6489603"/>
+            <a:ext cx="616585" cy="2886743"/>
+          </a:xfrm>
+          <a:prstGeom prst="rect">
+            <a:avLst/>
+          </a:prstGeom>
+          <a:solidFill>
+            <a:schemeClr val="accent1">
+              <a:alpha val="0"/>
+            </a:schemeClr>
+          </a:solidFill>
+          <a:ln w="38100"/>
+        </p:spPr>
+        <p:style>
+          <a:lnRef idx="2">
+            <a:schemeClr val="accent1">
+              <a:shade val="15000"/>
+            </a:schemeClr>
+          </a:lnRef>
+          <a:fillRef idx="1">
+            <a:schemeClr val="accent1"/>
+          </a:fillRef>
+          <a:effectRef idx="0">
+            <a:schemeClr val="accent1"/>
+          </a:effectRef>
+          <a:fontRef idx="minor">
+            <a:schemeClr val="lt1"/>
+          </a:fontRef>
+        </p:style>
+        <p:txBody>
+          <a:bodyPr rtlCol="0" anchor="ctr"/>
+          <a:lstStyle/>
+          <a:p>
+            <a:pPr algn="ctr"/>
+            <a:endParaRPr lang="en-CN"/>
+          </a:p>
+        </p:txBody>
+      </p:sp>
+      <p:pic>
+        <p:nvPicPr>
+          <p:cNvPr id="37" name="Picture 36">
+            <a:extLst>
+              <a:ext uri="{FF2B5EF4-FFF2-40B4-BE49-F238E27FC236}">
+                <a16:creationId xmlns:a16="http://schemas.microsoft.com/office/drawing/2014/main" id="{7545D6CB-0515-4701-4712-CF4F705541EA}"/>
+              </a:ext>
+            </a:extLst>
+          </p:cNvPr>
+          <p:cNvPicPr>
+            <a:picLocks noChangeAspect="1"/>
+          </p:cNvPicPr>
+          <p:nvPr/>
+        </p:nvPicPr>
+        <p:blipFill>
+          <a:blip r:embed="rId7"/>
+          <a:stretch>
+            <a:fillRect/>
+          </a:stretch>
+        </p:blipFill>
+        <p:spPr>
+          <a:xfrm rot="16200000">
+            <a:off x="10743317" y="6640690"/>
+            <a:ext cx="455213" cy="455213"/>
+          </a:xfrm>
+          <a:prstGeom prst="rect">
+            <a:avLst/>
+          </a:prstGeom>
+        </p:spPr>
+      </p:pic>
+      <p:pic>
+        <p:nvPicPr>
+          <p:cNvPr id="38" name="Picture 37">
+            <a:extLst>
+              <a:ext uri="{FF2B5EF4-FFF2-40B4-BE49-F238E27FC236}">
+                <a16:creationId xmlns:a16="http://schemas.microsoft.com/office/drawing/2014/main" id="{FCD92DF2-5B86-5935-46B5-AB969B8257B8}"/>
+              </a:ext>
+            </a:extLst>
+          </p:cNvPr>
+          <p:cNvPicPr>
+            <a:picLocks noChangeAspect="1"/>
+          </p:cNvPicPr>
+          <p:nvPr/>
+        </p:nvPicPr>
+        <p:blipFill>
+          <a:blip r:embed="rId7"/>
+          <a:stretch>
+            <a:fillRect/>
+          </a:stretch>
+        </p:blipFill>
+        <p:spPr>
+          <a:xfrm rot="5400000">
+            <a:off x="10743317" y="7170038"/>
+            <a:ext cx="455213" cy="455213"/>
+          </a:xfrm>
+          <a:prstGeom prst="rect">
+            <a:avLst/>
+          </a:prstGeom>
+        </p:spPr>
+      </p:pic>
+      <p:pic>
+        <p:nvPicPr>
+          <p:cNvPr id="39" name="Picture 38">
+            <a:extLst>
+              <a:ext uri="{FF2B5EF4-FFF2-40B4-BE49-F238E27FC236}">
+                <a16:creationId xmlns:a16="http://schemas.microsoft.com/office/drawing/2014/main" id="{87E86D8B-24A7-9F11-F1C5-C7CA29ADB0B7}"/>
+              </a:ext>
+            </a:extLst>
+          </p:cNvPr>
+          <p:cNvPicPr>
+            <a:picLocks noChangeAspect="1"/>
+          </p:cNvPicPr>
+          <p:nvPr/>
+        </p:nvPicPr>
+        <p:blipFill>
+          <a:blip r:embed="rId7"/>
+          <a:stretch>
+            <a:fillRect/>
+          </a:stretch>
+        </p:blipFill>
+        <p:spPr>
+          <a:xfrm>
+            <a:off x="10743316" y="7699386"/>
+            <a:ext cx="455213" cy="455213"/>
+          </a:xfrm>
+          <a:prstGeom prst="rect">
+            <a:avLst/>
+          </a:prstGeom>
+          <a:solidFill>
+            <a:srgbClr val="00B050"/>
+          </a:solidFill>
+        </p:spPr>
+      </p:pic>
+      <p:pic>
+        <p:nvPicPr>
+          <p:cNvPr id="40" name="Picture 39">
+            <a:extLst>
+              <a:ext uri="{FF2B5EF4-FFF2-40B4-BE49-F238E27FC236}">
+                <a16:creationId xmlns:a16="http://schemas.microsoft.com/office/drawing/2014/main" id="{EFAE0D44-9E92-A197-8713-55C974E5BCAA}"/>
+              </a:ext>
+            </a:extLst>
+          </p:cNvPr>
+          <p:cNvPicPr>
+            <a:picLocks noChangeAspect="1"/>
+          </p:cNvPicPr>
+          <p:nvPr/>
+        </p:nvPicPr>
+        <p:blipFill>
+          <a:blip r:embed="rId7"/>
+          <a:stretch>
+            <a:fillRect/>
+          </a:stretch>
+        </p:blipFill>
+        <p:spPr>
+          <a:xfrm rot="10800000">
+            <a:off x="10743317" y="8228734"/>
+            <a:ext cx="455213" cy="455213"/>
+          </a:xfrm>
+          <a:prstGeom prst="rect">
+            <a:avLst/>
+          </a:prstGeom>
+        </p:spPr>
+      </p:pic>
+      <p:cxnSp>
+        <p:nvCxnSpPr>
+          <p:cNvPr id="41" name="Straight Arrow Connector 40">
+            <a:extLst>
+              <a:ext uri="{FF2B5EF4-FFF2-40B4-BE49-F238E27FC236}">
+                <a16:creationId xmlns:a16="http://schemas.microsoft.com/office/drawing/2014/main" id="{73DCF8EE-9D8B-0F6F-F49C-98F3AF3A8574}"/>
+              </a:ext>
+            </a:extLst>
+          </p:cNvPr>
+          <p:cNvCxnSpPr>
+            <a:cxnSpLocks/>
+          </p:cNvCxnSpPr>
+          <p:nvPr/>
+        </p:nvCxnSpPr>
+        <p:spPr>
+          <a:xfrm>
+            <a:off x="11391073" y="8630132"/>
+            <a:ext cx="648000" cy="0"/>
+          </a:xfrm>
+          <a:prstGeom prst="straightConnector1">
+            <a:avLst/>
+          </a:prstGeom>
+          <a:ln w="63500">
+            <a:solidFill>
+              <a:srgbClr val="C00000"/>
+            </a:solidFill>
+            <a:tailEnd type="triangle"/>
+          </a:ln>
+        </p:spPr>
+        <p:style>
+          <a:lnRef idx="2">
+            <a:schemeClr val="accent1"/>
+          </a:lnRef>
+          <a:fillRef idx="0">
+            <a:schemeClr val="accent1"/>
+          </a:fillRef>
+          <a:effectRef idx="1">
+            <a:schemeClr val="accent1"/>
+          </a:effectRef>
+          <a:fontRef idx="minor">
+            <a:schemeClr val="tx1"/>
+          </a:fontRef>
+        </p:style>
+      </p:cxnSp>
+      <p:sp>
+        <p:nvSpPr>
+          <p:cNvPr id="42" name="TextBox 41">
+            <a:extLst>
+              <a:ext uri="{FF2B5EF4-FFF2-40B4-BE49-F238E27FC236}">
+                <a16:creationId xmlns:a16="http://schemas.microsoft.com/office/drawing/2014/main" id="{B065EC7A-9D47-1B8B-C52E-5BEBAEF00CFB}"/>
+              </a:ext>
+            </a:extLst>
+          </p:cNvPr>
+          <p:cNvSpPr txBox="1"/>
+          <p:nvPr/>
+        </p:nvSpPr>
+        <p:spPr>
+          <a:xfrm>
+            <a:off x="11306083" y="8973926"/>
+            <a:ext cx="2071457" cy="461665"/>
+          </a:xfrm>
+          <a:prstGeom prst="rect">
+            <a:avLst/>
+          </a:prstGeom>
+          <a:noFill/>
+        </p:spPr>
+        <p:txBody>
+          <a:bodyPr wrap="square" rtlCol="0">
+            <a:spAutoFit/>
+          </a:bodyPr>
+          <a:lstStyle/>
+          <a:p>
+            <a:r>
+              <a:rPr lang="en-CN" sz="1200" b="1"/>
+              <a:t>Action</a:t>
+            </a:r>
+          </a:p>
+          <a:p>
+            <a:r>
+              <a:rPr lang="en-CN" sz="1200" b="1"/>
+              <a:t>Space</a:t>
+            </a:r>
+          </a:p>
+        </p:txBody>
+      </p:sp>
+      <p:sp>
+        <p:nvSpPr>
+          <p:cNvPr id="43" name="TextBox 42">
+            <a:extLst>
+              <a:ext uri="{FF2B5EF4-FFF2-40B4-BE49-F238E27FC236}">
+                <a16:creationId xmlns:a16="http://schemas.microsoft.com/office/drawing/2014/main" id="{D1963DAB-EB99-1581-2699-B393F9BD29FA}"/>
+              </a:ext>
+            </a:extLst>
+          </p:cNvPr>
+          <p:cNvSpPr txBox="1"/>
+          <p:nvPr/>
+        </p:nvSpPr>
+        <p:spPr>
+          <a:xfrm>
+            <a:off x="7407559" y="6072553"/>
+            <a:ext cx="2485577" cy="276999"/>
+          </a:xfrm>
+          <a:prstGeom prst="rect">
+            <a:avLst/>
+          </a:prstGeom>
+          <a:noFill/>
+        </p:spPr>
+        <p:txBody>
+          <a:bodyPr wrap="square" rtlCol="0">
+            <a:spAutoFit/>
+          </a:bodyPr>
+          <a:lstStyle/>
+          <a:p>
+            <a:r>
+              <a:rPr lang="en-CN" sz="1200" b="1"/>
+              <a:t>Spatial Perception</a:t>
+            </a:r>
+          </a:p>
+        </p:txBody>
+      </p:sp>
+      <p:sp>
+        <p:nvSpPr>
+          <p:cNvPr id="44" name="Multiply 43">
+            <a:extLst>
+              <a:ext uri="{FF2B5EF4-FFF2-40B4-BE49-F238E27FC236}">
+                <a16:creationId xmlns:a16="http://schemas.microsoft.com/office/drawing/2014/main" id="{3DDAE8DA-0826-9EF4-6D83-494780C2AD0B}"/>
+              </a:ext>
+            </a:extLst>
+          </p:cNvPr>
+          <p:cNvSpPr/>
+          <p:nvPr/>
+        </p:nvSpPr>
+        <p:spPr>
+          <a:xfrm>
+            <a:off x="14523631" y="4397790"/>
+            <a:ext cx="345284" cy="428197"/>
+          </a:xfrm>
+          <a:prstGeom prst="mathMultiply">
+            <a:avLst/>
+          </a:prstGeom>
+          <a:solidFill>
+            <a:srgbClr val="FF0000"/>
+          </a:solidFill>
+        </p:spPr>
+        <p:style>
+          <a:lnRef idx="2">
+            <a:schemeClr val="accent1">
+              <a:shade val="15000"/>
+            </a:schemeClr>
+          </a:lnRef>
+          <a:fillRef idx="1">
+            <a:schemeClr val="accent1"/>
+          </a:fillRef>
+          <a:effectRef idx="0">
+            <a:schemeClr val="accent1"/>
+          </a:effectRef>
+          <a:fontRef idx="minor">
+            <a:schemeClr val="lt1"/>
+          </a:fontRef>
+        </p:style>
+        <p:txBody>
+          <a:bodyPr rtlCol="0" anchor="ctr"/>
+          <a:lstStyle/>
+          <a:p>
+            <a:pPr algn="ctr"/>
+            <a:endParaRPr lang="en-CN"/>
+          </a:p>
+        </p:txBody>
+      </p:sp>
+      <p:sp>
+        <p:nvSpPr>
+          <p:cNvPr id="45" name="TextBox 44">
+            <a:extLst>
+              <a:ext uri="{FF2B5EF4-FFF2-40B4-BE49-F238E27FC236}">
+                <a16:creationId xmlns:a16="http://schemas.microsoft.com/office/drawing/2014/main" id="{97A9A9A6-5F19-84E9-06ED-ED0A4485770D}"/>
+              </a:ext>
+            </a:extLst>
+          </p:cNvPr>
+          <p:cNvSpPr txBox="1"/>
+          <p:nvPr/>
+        </p:nvSpPr>
+        <p:spPr>
+          <a:xfrm>
+            <a:off x="4531661" y="3326788"/>
+            <a:ext cx="6917520" cy="646331"/>
+          </a:xfrm>
+          <a:prstGeom prst="rect">
+            <a:avLst/>
+          </a:prstGeom>
+          <a:noFill/>
+        </p:spPr>
+        <p:txBody>
+          <a:bodyPr wrap="square" rtlCol="0">
+            <a:spAutoFit/>
+          </a:bodyPr>
+          <a:lstStyle/>
+          <a:p>
+            <a:r>
+              <a:rPr lang="en-CN" sz="3600" b="1"/>
+              <a:t>T</a:t>
+            </a:r>
+            <a:r>
+              <a:rPr lang="en-US" sz="3600" b="1" dirty="0"/>
+              <a:t>Mazing PO-MDP Simulation</a:t>
+            </a:r>
+            <a:endParaRPr lang="en-CN" sz="3600" b="1"/>
+          </a:p>
+        </p:txBody>
+      </p:sp>
+      <p:sp>
+        <p:nvSpPr>
+          <p:cNvPr id="47" name="Rectangle 46">
+            <a:extLst>
+              <a:ext uri="{FF2B5EF4-FFF2-40B4-BE49-F238E27FC236}">
+                <a16:creationId xmlns:a16="http://schemas.microsoft.com/office/drawing/2014/main" id="{D474172A-2888-289A-7B4C-F6D722AEA05B}"/>
+              </a:ext>
+            </a:extLst>
+          </p:cNvPr>
+          <p:cNvSpPr/>
+          <p:nvPr/>
+        </p:nvSpPr>
+        <p:spPr>
+          <a:xfrm>
+            <a:off x="13512366" y="9694958"/>
+            <a:ext cx="2367815" cy="2365451"/>
+          </a:xfrm>
+          <a:prstGeom prst="rect">
+            <a:avLst/>
+          </a:prstGeom>
+          <a:solidFill>
+            <a:schemeClr val="accent1">
+              <a:alpha val="0"/>
+            </a:schemeClr>
+          </a:solidFill>
+          <a:ln w="38100"/>
+        </p:spPr>
+        <p:style>
+          <a:lnRef idx="2">
+            <a:schemeClr val="accent1">
+              <a:shade val="15000"/>
+            </a:schemeClr>
+          </a:lnRef>
+          <a:fillRef idx="1">
+            <a:schemeClr val="accent1"/>
+          </a:fillRef>
+          <a:effectRef idx="0">
+            <a:schemeClr val="accent1"/>
+          </a:effectRef>
+          <a:fontRef idx="minor">
+            <a:schemeClr val="lt1"/>
+          </a:fontRef>
+        </p:style>
+        <p:txBody>
+          <a:bodyPr rtlCol="0" anchor="ctr"/>
+          <a:lstStyle/>
+          <a:p>
+            <a:pPr algn="ctr"/>
+            <a:endParaRPr lang="en-CN"/>
+          </a:p>
+        </p:txBody>
+      </p:sp>
+      <p:sp>
+        <p:nvSpPr>
+          <p:cNvPr id="48" name="TextBox 47">
+            <a:extLst>
+              <a:ext uri="{FF2B5EF4-FFF2-40B4-BE49-F238E27FC236}">
+                <a16:creationId xmlns:a16="http://schemas.microsoft.com/office/drawing/2014/main" id="{BEF7B480-B718-676A-4845-DED79A1B334B}"/>
+              </a:ext>
+            </a:extLst>
+          </p:cNvPr>
+          <p:cNvSpPr txBox="1"/>
+          <p:nvPr/>
+        </p:nvSpPr>
+        <p:spPr>
+          <a:xfrm>
+            <a:off x="14344834" y="9078928"/>
+            <a:ext cx="2982751" cy="276999"/>
+          </a:xfrm>
+          <a:prstGeom prst="rect">
+            <a:avLst/>
+          </a:prstGeom>
+          <a:noFill/>
+        </p:spPr>
+        <p:txBody>
+          <a:bodyPr wrap="square" rtlCol="0">
+            <a:spAutoFit/>
+          </a:bodyPr>
+          <a:lstStyle/>
+          <a:p>
+            <a:r>
+              <a:rPr lang="en-CN" sz="1200" b="1"/>
+              <a:t>State </a:t>
+            </a:r>
+            <a:r>
+              <a:rPr lang="en-US" sz="1200" b="1" dirty="0"/>
+              <a:t>t+1</a:t>
+            </a:r>
+            <a:endParaRPr lang="en-CN" sz="1200" b="1"/>
+          </a:p>
+        </p:txBody>
+      </p:sp>
+      <p:pic>
+        <p:nvPicPr>
+          <p:cNvPr id="51" name="Picture 50">
+            <a:extLst>
+              <a:ext uri="{FF2B5EF4-FFF2-40B4-BE49-F238E27FC236}">
+                <a16:creationId xmlns:a16="http://schemas.microsoft.com/office/drawing/2014/main" id="{EEDFA578-F21E-FA12-2209-36FFE165620D}"/>
+              </a:ext>
+            </a:extLst>
+          </p:cNvPr>
+          <p:cNvPicPr>
+            <a:picLocks noChangeAspect="1"/>
+          </p:cNvPicPr>
+          <p:nvPr/>
+        </p:nvPicPr>
+        <p:blipFill>
+          <a:blip r:embed="rId8"/>
+          <a:stretch>
+            <a:fillRect/>
+          </a:stretch>
+        </p:blipFill>
+        <p:spPr>
+          <a:xfrm>
+            <a:off x="10750591" y="8718871"/>
+            <a:ext cx="455213" cy="455213"/>
+          </a:xfrm>
+          <a:prstGeom prst="rect">
+            <a:avLst/>
+          </a:prstGeom>
+        </p:spPr>
+      </p:pic>
+    </p:spTree>
+    <p:extLst>
+      <p:ext uri="{BB962C8B-B14F-4D97-AF65-F5344CB8AC3E}">
+        <p14:creationId xmlns:p14="http://schemas.microsoft.com/office/powerpoint/2010/main" val="810757557"/>
+      </p:ext>
+    </p:extLst>
+  </p:cSld>
+  <p:clrMapOvr>
+    <a:masterClrMapping/>
+  </p:clrMapOvr>
+</p:sld>
+</file>
+
+<file path=ppt/slides/slide5.xml><?xml version="1.0" encoding="utf-8"?>
+<p:sld xmlns:a="http://schemas.openxmlformats.org/drawingml/2006/main" xmlns:r="http://schemas.openxmlformats.org/officeDocument/2006/relationships" xmlns:p="http://schemas.openxmlformats.org/presentationml/2006/main">
+  <p:cSld>
+    <p:spTree>
+      <p:nvGrpSpPr>
+        <p:cNvPr id="1" name="">
+          <a:extLst>
+            <a:ext uri="{FF2B5EF4-FFF2-40B4-BE49-F238E27FC236}">
+              <a16:creationId xmlns:a16="http://schemas.microsoft.com/office/drawing/2014/main" id="{1A6D81D3-BF3A-9C10-DB34-9A12A9420B01}"/>
+            </a:ext>
+          </a:extLst>
+        </p:cNvPr>
+        <p:cNvGrpSpPr/>
+        <p:nvPr/>
+      </p:nvGrpSpPr>
+      <p:grpSpPr>
+        <a:xfrm>
+          <a:off x="0" y="0"/>
+          <a:ext cx="0" cy="0"/>
+          <a:chOff x="0" y="0"/>
+          <a:chExt cx="0" cy="0"/>
+        </a:xfrm>
+      </p:grpSpPr>
+      <p:pic>
+        <p:nvPicPr>
+          <p:cNvPr id="6" name="Picture 5">
+            <a:extLst>
+              <a:ext uri="{FF2B5EF4-FFF2-40B4-BE49-F238E27FC236}">
+                <a16:creationId xmlns:a16="http://schemas.microsoft.com/office/drawing/2014/main" id="{F42044AA-4B49-F980-F18A-9D5318E99D00}"/>
+              </a:ext>
+            </a:extLst>
+          </p:cNvPr>
+          <p:cNvPicPr>
+            <a:picLocks noChangeAspect="1"/>
+          </p:cNvPicPr>
+          <p:nvPr/>
+        </p:nvPicPr>
+        <p:blipFill>
+          <a:blip r:embed="rId2"/>
+          <a:stretch>
+            <a:fillRect/>
+          </a:stretch>
+        </p:blipFill>
+        <p:spPr>
+          <a:xfrm>
+            <a:off x="12592953" y="4165304"/>
+            <a:ext cx="1979299" cy="1979299"/>
+          </a:xfrm>
+          <a:prstGeom prst="rect">
+            <a:avLst/>
+          </a:prstGeom>
+        </p:spPr>
+      </p:pic>
+      <p:pic>
+        <p:nvPicPr>
+          <p:cNvPr id="50" name="Picture 49">
+            <a:extLst>
+              <a:ext uri="{FF2B5EF4-FFF2-40B4-BE49-F238E27FC236}">
+                <a16:creationId xmlns:a16="http://schemas.microsoft.com/office/drawing/2014/main" id="{F4DFCD03-9D82-0EE8-3BF4-D35BA9CC26CD}"/>
+              </a:ext>
+            </a:extLst>
+          </p:cNvPr>
+          <p:cNvPicPr>
+            <a:picLocks noChangeAspect="1"/>
+          </p:cNvPicPr>
+          <p:nvPr/>
+        </p:nvPicPr>
+        <p:blipFill>
+          <a:blip r:embed="rId3"/>
+          <a:stretch>
+            <a:fillRect/>
+          </a:stretch>
+        </p:blipFill>
+        <p:spPr>
+          <a:xfrm>
+            <a:off x="5156697" y="4010028"/>
+            <a:ext cx="1979299" cy="1979299"/>
+          </a:xfrm>
+          <a:prstGeom prst="rect">
+            <a:avLst/>
+          </a:prstGeom>
+        </p:spPr>
+      </p:pic>
+      <p:cxnSp>
+        <p:nvCxnSpPr>
+          <p:cNvPr id="52" name="Straight Arrow Connector 51">
+            <a:extLst>
+              <a:ext uri="{FF2B5EF4-FFF2-40B4-BE49-F238E27FC236}">
+                <a16:creationId xmlns:a16="http://schemas.microsoft.com/office/drawing/2014/main" id="{AA5CA353-F8A5-D8C3-6348-A3B06B506A8D}"/>
+              </a:ext>
+            </a:extLst>
+          </p:cNvPr>
+          <p:cNvCxnSpPr>
+            <a:cxnSpLocks/>
+          </p:cNvCxnSpPr>
+          <p:nvPr/>
+        </p:nvCxnSpPr>
+        <p:spPr>
+          <a:xfrm flipH="1">
+            <a:off x="7580889" y="5489596"/>
+            <a:ext cx="4536000" cy="0"/>
+          </a:xfrm>
+          <a:prstGeom prst="straightConnector1">
+            <a:avLst/>
+          </a:prstGeom>
+          <a:ln w="101600">
+            <a:solidFill>
+              <a:schemeClr val="tx2">
+                <a:lumMod val="75000"/>
+                <a:lumOff val="25000"/>
+              </a:schemeClr>
+            </a:solidFill>
+            <a:tailEnd type="triangle"/>
+          </a:ln>
+        </p:spPr>
+        <p:style>
+          <a:lnRef idx="2">
+            <a:schemeClr val="accent1"/>
+          </a:lnRef>
+          <a:fillRef idx="0">
+            <a:schemeClr val="accent1"/>
+          </a:fillRef>
+          <a:effectRef idx="1">
+            <a:schemeClr val="accent1"/>
+          </a:effectRef>
+          <a:fontRef idx="minor">
+            <a:schemeClr val="tx1"/>
+          </a:fontRef>
+        </p:style>
+      </p:cxnSp>
+      <p:cxnSp>
+        <p:nvCxnSpPr>
+          <p:cNvPr id="53" name="Straight Arrow Connector 52">
+            <a:extLst>
+              <a:ext uri="{FF2B5EF4-FFF2-40B4-BE49-F238E27FC236}">
+                <a16:creationId xmlns:a16="http://schemas.microsoft.com/office/drawing/2014/main" id="{D7FFFF1A-DEEA-EAAB-D060-40F370A935EF}"/>
+              </a:ext>
+            </a:extLst>
+          </p:cNvPr>
+          <p:cNvCxnSpPr>
+            <a:cxnSpLocks/>
+          </p:cNvCxnSpPr>
+          <p:nvPr/>
+        </p:nvCxnSpPr>
+        <p:spPr>
+          <a:xfrm>
+            <a:off x="7702650" y="4999676"/>
+            <a:ext cx="4536000" cy="0"/>
+          </a:xfrm>
+          <a:prstGeom prst="straightConnector1">
+            <a:avLst/>
+          </a:prstGeom>
+          <a:ln w="101600">
+            <a:solidFill>
+              <a:srgbClr val="C00000"/>
+            </a:solidFill>
+            <a:tailEnd type="triangle"/>
+          </a:ln>
+        </p:spPr>
+        <p:style>
+          <a:lnRef idx="2">
+            <a:schemeClr val="accent1"/>
+          </a:lnRef>
+          <a:fillRef idx="0">
+            <a:schemeClr val="accent1"/>
+          </a:fillRef>
+          <a:effectRef idx="1">
+            <a:schemeClr val="accent1"/>
+          </a:effectRef>
+          <a:fontRef idx="minor">
+            <a:schemeClr val="tx1"/>
+          </a:fontRef>
+        </p:style>
+      </p:cxnSp>
+      <p:sp>
+        <p:nvSpPr>
+          <p:cNvPr id="55" name="TextBox 54">
+            <a:extLst>
+              <a:ext uri="{FF2B5EF4-FFF2-40B4-BE49-F238E27FC236}">
+                <a16:creationId xmlns:a16="http://schemas.microsoft.com/office/drawing/2014/main" id="{A49125FA-81DF-CDE4-8244-A2E6455C85FC}"/>
+              </a:ext>
+            </a:extLst>
+          </p:cNvPr>
+          <p:cNvSpPr txBox="1"/>
+          <p:nvPr/>
+        </p:nvSpPr>
+        <p:spPr>
+          <a:xfrm>
+            <a:off x="8281012" y="4526713"/>
+            <a:ext cx="3597638" cy="461665"/>
+          </a:xfrm>
+          <a:prstGeom prst="rect">
+            <a:avLst/>
+          </a:prstGeom>
+          <a:noFill/>
+        </p:spPr>
+        <p:txBody>
+          <a:bodyPr wrap="square" rtlCol="0">
+            <a:spAutoFit/>
+          </a:bodyPr>
+          <a:lstStyle/>
+          <a:p>
+            <a:r>
+              <a:rPr lang="en-CN" sz="2400" b="1" dirty="0">
+                <a:solidFill>
+                  <a:srgbClr val="C00000"/>
+                </a:solidFill>
+                <a:latin typeface="Helvetica" pitchFamily="2" charset="0"/>
+              </a:rPr>
+              <a:t>Action a</a:t>
+            </a:r>
+            <a:r>
+              <a:rPr lang="en-CN" sz="2400" b="1" baseline="-25000" dirty="0">
+                <a:solidFill>
+                  <a:srgbClr val="C00000"/>
+                </a:solidFill>
+                <a:latin typeface="Helvetica" pitchFamily="2" charset="0"/>
+              </a:rPr>
+              <a:t>t</a:t>
+            </a:r>
+            <a:r>
+              <a:rPr lang="en-CN" sz="2400" b="1" dirty="0">
+                <a:solidFill>
+                  <a:srgbClr val="C00000"/>
+                </a:solidFill>
+                <a:latin typeface="Helvetica" pitchFamily="2" charset="0"/>
+              </a:rPr>
+              <a:t> ~ </a:t>
+            </a:r>
+            <a:r>
+              <a:rPr lang="el-GR" sz="2400" b="1" dirty="0">
+                <a:solidFill>
+                  <a:srgbClr val="C00000"/>
+                </a:solidFill>
+                <a:latin typeface="Helvetica" pitchFamily="2" charset="0"/>
+              </a:rPr>
+              <a:t>π</a:t>
+            </a:r>
+            <a:r>
+              <a:rPr lang="en-US" sz="2400" b="1" dirty="0">
+                <a:solidFill>
+                  <a:srgbClr val="C00000"/>
+                </a:solidFill>
+                <a:latin typeface="Helvetica" pitchFamily="2" charset="0"/>
+              </a:rPr>
+              <a:t>(s</a:t>
+            </a:r>
+            <a:r>
+              <a:rPr lang="en-US" sz="2400" b="1" baseline="-25000" dirty="0">
+                <a:solidFill>
+                  <a:srgbClr val="C00000"/>
+                </a:solidFill>
+                <a:latin typeface="Helvetica" pitchFamily="2" charset="0"/>
+              </a:rPr>
+              <a:t>t</a:t>
+            </a:r>
+            <a:r>
+              <a:rPr lang="en-US" sz="2400" b="1" dirty="0">
+                <a:solidFill>
+                  <a:srgbClr val="C00000"/>
+                </a:solidFill>
+                <a:latin typeface="Helvetica" pitchFamily="2" charset="0"/>
+              </a:rPr>
+              <a:t>)</a:t>
+            </a:r>
+            <a:r>
+              <a:rPr lang="en-CN" sz="2400" b="1" dirty="0">
+                <a:solidFill>
+                  <a:srgbClr val="C00000"/>
+                </a:solidFill>
+                <a:latin typeface="Helvetica" pitchFamily="2" charset="0"/>
+              </a:rPr>
+              <a:t> </a:t>
+            </a:r>
+          </a:p>
+        </p:txBody>
+      </p:sp>
+      <p:sp>
+        <p:nvSpPr>
+          <p:cNvPr id="56" name="TextBox 55">
+            <a:extLst>
+              <a:ext uri="{FF2B5EF4-FFF2-40B4-BE49-F238E27FC236}">
+                <a16:creationId xmlns:a16="http://schemas.microsoft.com/office/drawing/2014/main" id="{A68E5372-52F2-3D3A-5492-A7AB90170C9C}"/>
+              </a:ext>
+            </a:extLst>
+          </p:cNvPr>
+          <p:cNvSpPr txBox="1"/>
+          <p:nvPr/>
+        </p:nvSpPr>
+        <p:spPr>
+          <a:xfrm>
+            <a:off x="8159251" y="5509872"/>
+            <a:ext cx="3597638" cy="461665"/>
+          </a:xfrm>
+          <a:prstGeom prst="rect">
+            <a:avLst/>
+          </a:prstGeom>
+          <a:noFill/>
+        </p:spPr>
+        <p:txBody>
+          <a:bodyPr wrap="square" rtlCol="0">
+            <a:spAutoFit/>
+          </a:bodyPr>
+          <a:lstStyle/>
+          <a:p>
+            <a:r>
+              <a:rPr lang="en-CN" sz="2400" b="1" dirty="0">
+                <a:solidFill>
+                  <a:schemeClr val="tx2">
+                    <a:lumMod val="75000"/>
+                    <a:lumOff val="25000"/>
+                  </a:schemeClr>
+                </a:solidFill>
+                <a:latin typeface="Helvetica" pitchFamily="2" charset="0"/>
+              </a:rPr>
+              <a:t>State s</a:t>
+            </a:r>
+            <a:r>
+              <a:rPr lang="en-CN" sz="2400" b="1" baseline="-25000" dirty="0">
+                <a:solidFill>
+                  <a:schemeClr val="tx2">
+                    <a:lumMod val="75000"/>
+                    <a:lumOff val="25000"/>
+                  </a:schemeClr>
+                </a:solidFill>
+                <a:latin typeface="Helvetica" pitchFamily="2" charset="0"/>
+              </a:rPr>
+              <a:t>t+1</a:t>
+            </a:r>
+            <a:r>
+              <a:rPr lang="en-CN" sz="2400" b="1" dirty="0">
+                <a:solidFill>
+                  <a:schemeClr val="tx2">
+                    <a:lumMod val="75000"/>
+                    <a:lumOff val="25000"/>
+                  </a:schemeClr>
+                </a:solidFill>
+                <a:latin typeface="Helvetica" pitchFamily="2" charset="0"/>
+              </a:rPr>
+              <a:t> ~ </a:t>
+            </a:r>
+            <a:r>
+              <a:rPr lang="en-US" sz="2400" b="1" dirty="0">
+                <a:solidFill>
+                  <a:schemeClr val="tx2">
+                    <a:lumMod val="75000"/>
+                    <a:lumOff val="25000"/>
+                  </a:schemeClr>
+                </a:solidFill>
+                <a:latin typeface="Helvetica" pitchFamily="2" charset="0"/>
+              </a:rPr>
+              <a:t>P(s</a:t>
+            </a:r>
+            <a:r>
+              <a:rPr lang="en-US" sz="2400" b="1" baseline="-25000" dirty="0">
+                <a:solidFill>
+                  <a:schemeClr val="tx2">
+                    <a:lumMod val="75000"/>
+                    <a:lumOff val="25000"/>
+                  </a:schemeClr>
+                </a:solidFill>
+                <a:latin typeface="Helvetica" pitchFamily="2" charset="0"/>
+              </a:rPr>
+              <a:t>t </a:t>
+            </a:r>
+            <a:r>
+              <a:rPr lang="en-US" sz="2400" b="1" dirty="0">
+                <a:solidFill>
+                  <a:schemeClr val="tx2">
+                    <a:lumMod val="75000"/>
+                    <a:lumOff val="25000"/>
+                  </a:schemeClr>
+                </a:solidFill>
+                <a:latin typeface="Helvetica" pitchFamily="2" charset="0"/>
+              </a:rPr>
+              <a:t>, a</a:t>
+            </a:r>
+            <a:r>
+              <a:rPr lang="en-US" sz="2400" b="1" baseline="-25000" dirty="0">
+                <a:solidFill>
+                  <a:schemeClr val="tx2">
+                    <a:lumMod val="75000"/>
+                    <a:lumOff val="25000"/>
+                  </a:schemeClr>
+                </a:solidFill>
+                <a:latin typeface="Helvetica" pitchFamily="2" charset="0"/>
+              </a:rPr>
+              <a:t>t</a:t>
+            </a:r>
+            <a:r>
+              <a:rPr lang="en-US" sz="2400" b="1" dirty="0">
+                <a:solidFill>
+                  <a:schemeClr val="tx2">
+                    <a:lumMod val="75000"/>
+                    <a:lumOff val="25000"/>
+                  </a:schemeClr>
+                </a:solidFill>
+                <a:latin typeface="Helvetica" pitchFamily="2" charset="0"/>
+              </a:rPr>
+              <a:t>)</a:t>
+            </a:r>
+            <a:r>
+              <a:rPr lang="en-CN" sz="2400" b="1" dirty="0">
+                <a:solidFill>
+                  <a:schemeClr val="tx2">
+                    <a:lumMod val="75000"/>
+                    <a:lumOff val="25000"/>
+                  </a:schemeClr>
+                </a:solidFill>
+                <a:latin typeface="Helvetica" pitchFamily="2" charset="0"/>
+              </a:rPr>
+              <a:t> </a:t>
+            </a:r>
+          </a:p>
+        </p:txBody>
+      </p:sp>
+      <p:sp>
+        <p:nvSpPr>
+          <p:cNvPr id="57" name="TextBox 56">
+            <a:extLst>
+              <a:ext uri="{FF2B5EF4-FFF2-40B4-BE49-F238E27FC236}">
+                <a16:creationId xmlns:a16="http://schemas.microsoft.com/office/drawing/2014/main" id="{6EB443C5-1008-7970-0649-FF69314875AC}"/>
+              </a:ext>
+            </a:extLst>
+          </p:cNvPr>
+          <p:cNvSpPr txBox="1"/>
+          <p:nvPr/>
+        </p:nvSpPr>
+        <p:spPr>
+          <a:xfrm>
+            <a:off x="8159251" y="5892125"/>
+            <a:ext cx="4704702" cy="461665"/>
+          </a:xfrm>
+          <a:prstGeom prst="rect">
+            <a:avLst/>
+          </a:prstGeom>
+          <a:noFill/>
+        </p:spPr>
+        <p:txBody>
+          <a:bodyPr wrap="square" rtlCol="0">
+            <a:spAutoFit/>
+          </a:bodyPr>
+          <a:lstStyle/>
+          <a:p>
+            <a:r>
+              <a:rPr lang="en-CN" sz="2400" b="1" dirty="0">
+                <a:solidFill>
+                  <a:schemeClr val="tx2">
+                    <a:lumMod val="75000"/>
+                    <a:lumOff val="25000"/>
+                  </a:schemeClr>
+                </a:solidFill>
+                <a:latin typeface="Helvetica" pitchFamily="2" charset="0"/>
+              </a:rPr>
+              <a:t>Observation o</a:t>
+            </a:r>
+            <a:r>
+              <a:rPr lang="en-CN" sz="2400" b="1" baseline="-25000" dirty="0">
+                <a:solidFill>
+                  <a:schemeClr val="tx2">
+                    <a:lumMod val="75000"/>
+                    <a:lumOff val="25000"/>
+                  </a:schemeClr>
+                </a:solidFill>
+                <a:latin typeface="Helvetica" pitchFamily="2" charset="0"/>
+              </a:rPr>
+              <a:t>t</a:t>
+            </a:r>
+            <a:r>
+              <a:rPr lang="en-CN" sz="2400" b="1" dirty="0">
+                <a:solidFill>
+                  <a:schemeClr val="tx2">
+                    <a:lumMod val="75000"/>
+                    <a:lumOff val="25000"/>
+                  </a:schemeClr>
+                </a:solidFill>
+                <a:latin typeface="Helvetica" pitchFamily="2" charset="0"/>
+              </a:rPr>
+              <a:t> ~ </a:t>
+            </a:r>
+            <a:r>
+              <a:rPr lang="en-US" sz="2400" b="1" dirty="0">
+                <a:solidFill>
+                  <a:schemeClr val="tx2">
+                    <a:lumMod val="75000"/>
+                    <a:lumOff val="25000"/>
+                  </a:schemeClr>
+                </a:solidFill>
+                <a:latin typeface="Helvetica" pitchFamily="2" charset="0"/>
+              </a:rPr>
+              <a:t>O(s</a:t>
+            </a:r>
+            <a:r>
+              <a:rPr lang="en-US" sz="2400" b="1" baseline="-25000" dirty="0">
+                <a:solidFill>
+                  <a:schemeClr val="tx2">
+                    <a:lumMod val="75000"/>
+                    <a:lumOff val="25000"/>
+                  </a:schemeClr>
+                </a:solidFill>
+                <a:latin typeface="Helvetica" pitchFamily="2" charset="0"/>
+              </a:rPr>
+              <a:t>t </a:t>
+            </a:r>
+            <a:r>
+              <a:rPr lang="en-US" sz="2400" b="1" dirty="0">
+                <a:solidFill>
+                  <a:schemeClr val="tx2">
+                    <a:lumMod val="75000"/>
+                    <a:lumOff val="25000"/>
+                  </a:schemeClr>
+                </a:solidFill>
+                <a:latin typeface="Helvetica" pitchFamily="2" charset="0"/>
+              </a:rPr>
+              <a:t>, a</a:t>
+            </a:r>
+            <a:r>
+              <a:rPr lang="en-US" sz="2400" b="1" baseline="-25000" dirty="0">
+                <a:solidFill>
+                  <a:schemeClr val="tx2">
+                    <a:lumMod val="75000"/>
+                    <a:lumOff val="25000"/>
+                  </a:schemeClr>
+                </a:solidFill>
+                <a:latin typeface="Helvetica" pitchFamily="2" charset="0"/>
+              </a:rPr>
+              <a:t>t</a:t>
+            </a:r>
+            <a:r>
+              <a:rPr lang="en-US" sz="2400" b="1" dirty="0">
+                <a:solidFill>
+                  <a:schemeClr val="tx2">
+                    <a:lumMod val="75000"/>
+                    <a:lumOff val="25000"/>
+                  </a:schemeClr>
+                </a:solidFill>
+                <a:latin typeface="Helvetica" pitchFamily="2" charset="0"/>
+              </a:rPr>
+              <a:t>)</a:t>
+            </a:r>
+            <a:r>
+              <a:rPr lang="en-CN" sz="2400" b="1" dirty="0">
+                <a:solidFill>
+                  <a:schemeClr val="tx2">
+                    <a:lumMod val="75000"/>
+                    <a:lumOff val="25000"/>
+                  </a:schemeClr>
+                </a:solidFill>
+                <a:latin typeface="Helvetica" pitchFamily="2" charset="0"/>
+              </a:rPr>
+              <a:t> </a:t>
+            </a:r>
+          </a:p>
+        </p:txBody>
+      </p:sp>
+      <p:sp>
+        <p:nvSpPr>
+          <p:cNvPr id="58" name="TextBox 57">
+            <a:extLst>
+              <a:ext uri="{FF2B5EF4-FFF2-40B4-BE49-F238E27FC236}">
+                <a16:creationId xmlns:a16="http://schemas.microsoft.com/office/drawing/2014/main" id="{0BC388F3-E04B-39DB-4219-21FD3BFD4F11}"/>
+              </a:ext>
+            </a:extLst>
+          </p:cNvPr>
+          <p:cNvSpPr txBox="1"/>
+          <p:nvPr/>
+        </p:nvSpPr>
+        <p:spPr>
+          <a:xfrm>
+            <a:off x="4403825" y="3499807"/>
+            <a:ext cx="11654785" cy="646331"/>
+          </a:xfrm>
+          <a:prstGeom prst="rect">
+            <a:avLst/>
+          </a:prstGeom>
+          <a:noFill/>
+        </p:spPr>
+        <p:txBody>
+          <a:bodyPr wrap="square" rtlCol="0">
+            <a:spAutoFit/>
+          </a:bodyPr>
+          <a:lstStyle/>
+          <a:p>
+            <a:r>
+              <a:rPr lang="en-US" sz="3600" b="1" dirty="0">
+                <a:solidFill>
+                  <a:schemeClr val="tx1">
+                    <a:lumMod val="95000"/>
+                    <a:lumOff val="5000"/>
+                  </a:schemeClr>
+                </a:solidFill>
+                <a:latin typeface="Helvetica" pitchFamily="2" charset="0"/>
+              </a:rPr>
+              <a:t>A PO-MDP is defined by the tuple (S, A, T, R, </a:t>
+            </a:r>
+            <a:r>
+              <a:rPr lang="el-GR" sz="3600" b="1" dirty="0">
+                <a:latin typeface="Helvetica" pitchFamily="2" charset="0"/>
+              </a:rPr>
+              <a:t>Ω,</a:t>
+            </a:r>
+            <a:r>
+              <a:rPr lang="en-US" sz="3600" b="1" dirty="0">
+                <a:latin typeface="Helvetica" pitchFamily="2" charset="0"/>
+              </a:rPr>
+              <a:t> O,</a:t>
+            </a:r>
+            <a:r>
+              <a:rPr lang="en-US" sz="3600" b="1" dirty="0">
+                <a:solidFill>
+                  <a:schemeClr val="tx1">
+                    <a:lumMod val="95000"/>
+                    <a:lumOff val="5000"/>
+                  </a:schemeClr>
+                </a:solidFill>
+                <a:latin typeface="Helvetica" pitchFamily="2" charset="0"/>
+              </a:rPr>
+              <a:t> </a:t>
+            </a:r>
+            <a:r>
+              <a:rPr lang="el-GR" sz="3600" b="1" i="1" dirty="0">
+                <a:solidFill>
+                  <a:schemeClr val="tx1">
+                    <a:lumMod val="95000"/>
+                    <a:lumOff val="5000"/>
+                  </a:schemeClr>
+                </a:solidFill>
+                <a:latin typeface="Helvetica" pitchFamily="2" charset="0"/>
+              </a:rPr>
+              <a:t>γ</a:t>
+            </a:r>
+            <a:r>
+              <a:rPr lang="en-US" sz="3600" b="1" dirty="0">
+                <a:solidFill>
+                  <a:schemeClr val="tx1">
+                    <a:lumMod val="95000"/>
+                    <a:lumOff val="5000"/>
+                  </a:schemeClr>
+                </a:solidFill>
+                <a:latin typeface="Helvetica" pitchFamily="2" charset="0"/>
+              </a:rPr>
+              <a:t>)</a:t>
+            </a:r>
+            <a:endParaRPr lang="en-CN" sz="3600" b="1" dirty="0">
+              <a:solidFill>
+                <a:schemeClr val="tx1">
+                  <a:lumMod val="95000"/>
+                  <a:lumOff val="5000"/>
+                </a:schemeClr>
+              </a:solidFill>
+              <a:latin typeface="Helvetica" pitchFamily="2" charset="0"/>
+            </a:endParaRPr>
+          </a:p>
+        </p:txBody>
+      </p:sp>
+      <p:sp>
+        <p:nvSpPr>
+          <p:cNvPr id="2" name="TextBox 1">
+            <a:extLst>
+              <a:ext uri="{FF2B5EF4-FFF2-40B4-BE49-F238E27FC236}">
+                <a16:creationId xmlns:a16="http://schemas.microsoft.com/office/drawing/2014/main" id="{DEB4F05B-9F1B-307B-47A7-BAC548FA49BC}"/>
+              </a:ext>
+            </a:extLst>
+          </p:cNvPr>
+          <p:cNvSpPr txBox="1"/>
+          <p:nvPr/>
+        </p:nvSpPr>
+        <p:spPr>
+          <a:xfrm>
+            <a:off x="8159251" y="6274378"/>
+            <a:ext cx="4176000" cy="461665"/>
+          </a:xfrm>
+          <a:prstGeom prst="rect">
+            <a:avLst/>
+          </a:prstGeom>
+          <a:noFill/>
+        </p:spPr>
+        <p:txBody>
+          <a:bodyPr wrap="square" rtlCol="0">
+            <a:spAutoFit/>
+          </a:bodyPr>
+          <a:lstStyle/>
+          <a:p>
+            <a:r>
+              <a:rPr lang="en-CN" sz="2400" b="1" dirty="0">
+                <a:solidFill>
+                  <a:schemeClr val="tx2">
+                    <a:lumMod val="75000"/>
+                    <a:lumOff val="25000"/>
+                  </a:schemeClr>
+                </a:solidFill>
+                <a:latin typeface="Helvetica" pitchFamily="2" charset="0"/>
+              </a:rPr>
+              <a:t>Reward r</a:t>
+            </a:r>
+            <a:r>
+              <a:rPr lang="en-CN" sz="2400" b="1" baseline="-25000" dirty="0">
+                <a:solidFill>
+                  <a:schemeClr val="tx2">
+                    <a:lumMod val="75000"/>
+                    <a:lumOff val="25000"/>
+                  </a:schemeClr>
+                </a:solidFill>
+                <a:latin typeface="Helvetica" pitchFamily="2" charset="0"/>
+              </a:rPr>
+              <a:t>t</a:t>
+            </a:r>
+            <a:r>
+              <a:rPr lang="en-CN" sz="2400" b="1" dirty="0">
+                <a:solidFill>
+                  <a:schemeClr val="tx2">
+                    <a:lumMod val="75000"/>
+                    <a:lumOff val="25000"/>
+                  </a:schemeClr>
+                </a:solidFill>
+                <a:latin typeface="Helvetica" pitchFamily="2" charset="0"/>
+              </a:rPr>
+              <a:t> ~ </a:t>
+            </a:r>
+            <a:r>
+              <a:rPr lang="en-US" sz="2400" b="1" dirty="0">
+                <a:solidFill>
+                  <a:schemeClr val="tx2">
+                    <a:lumMod val="75000"/>
+                    <a:lumOff val="25000"/>
+                  </a:schemeClr>
+                </a:solidFill>
+                <a:latin typeface="Helvetica" pitchFamily="2" charset="0"/>
+              </a:rPr>
+              <a:t>R(s</a:t>
+            </a:r>
+            <a:r>
+              <a:rPr lang="en-US" sz="2400" b="1" baseline="-25000" dirty="0">
+                <a:solidFill>
+                  <a:schemeClr val="tx2">
+                    <a:lumMod val="75000"/>
+                    <a:lumOff val="25000"/>
+                  </a:schemeClr>
+                </a:solidFill>
+                <a:latin typeface="Helvetica" pitchFamily="2" charset="0"/>
+              </a:rPr>
+              <a:t>t </a:t>
+            </a:r>
+            <a:r>
+              <a:rPr lang="en-US" sz="2400" b="1" dirty="0">
+                <a:solidFill>
+                  <a:schemeClr val="tx2">
+                    <a:lumMod val="75000"/>
+                    <a:lumOff val="25000"/>
+                  </a:schemeClr>
+                </a:solidFill>
+                <a:latin typeface="Helvetica" pitchFamily="2" charset="0"/>
+              </a:rPr>
+              <a:t>, a</a:t>
+            </a:r>
+            <a:r>
+              <a:rPr lang="en-US" sz="2400" b="1" baseline="-25000" dirty="0">
+                <a:solidFill>
+                  <a:schemeClr val="tx2">
+                    <a:lumMod val="75000"/>
+                    <a:lumOff val="25000"/>
+                  </a:schemeClr>
+                </a:solidFill>
+                <a:latin typeface="Helvetica" pitchFamily="2" charset="0"/>
+              </a:rPr>
+              <a:t>t</a:t>
+            </a:r>
+            <a:r>
+              <a:rPr lang="en-US" sz="2400" b="1" dirty="0">
+                <a:solidFill>
+                  <a:schemeClr val="tx2">
+                    <a:lumMod val="75000"/>
+                    <a:lumOff val="25000"/>
+                  </a:schemeClr>
+                </a:solidFill>
+                <a:latin typeface="Helvetica" pitchFamily="2" charset="0"/>
+              </a:rPr>
+              <a:t>)</a:t>
+            </a:r>
+            <a:r>
+              <a:rPr lang="en-CN" sz="2400" b="1" dirty="0">
+                <a:solidFill>
+                  <a:schemeClr val="tx2">
+                    <a:lumMod val="75000"/>
+                    <a:lumOff val="25000"/>
+                  </a:schemeClr>
+                </a:solidFill>
+                <a:latin typeface="Helvetica" pitchFamily="2" charset="0"/>
+              </a:rPr>
+              <a:t> </a:t>
+            </a:r>
+          </a:p>
+        </p:txBody>
+      </p:sp>
+      <p:sp>
+        <p:nvSpPr>
+          <p:cNvPr id="3" name="TextBox 2">
+            <a:extLst>
+              <a:ext uri="{FF2B5EF4-FFF2-40B4-BE49-F238E27FC236}">
+                <a16:creationId xmlns:a16="http://schemas.microsoft.com/office/drawing/2014/main" id="{B1BF20E5-2559-49D5-0B8F-5B4171EF47D9}"/>
+              </a:ext>
+            </a:extLst>
+          </p:cNvPr>
+          <p:cNvSpPr txBox="1"/>
+          <p:nvPr/>
+        </p:nvSpPr>
+        <p:spPr>
+          <a:xfrm>
+            <a:off x="2807948" y="4659054"/>
+            <a:ext cx="2348748" cy="954107"/>
+          </a:xfrm>
+          <a:prstGeom prst="rect">
+            <a:avLst/>
+          </a:prstGeom>
+          <a:noFill/>
+        </p:spPr>
+        <p:txBody>
+          <a:bodyPr wrap="square" rtlCol="0">
+            <a:spAutoFit/>
+          </a:bodyPr>
+          <a:lstStyle/>
+          <a:p>
+            <a:r>
+              <a:rPr lang="en-CN" sz="2800" b="1" dirty="0">
+                <a:solidFill>
+                  <a:schemeClr val="tx1">
+                    <a:lumMod val="95000"/>
+                    <a:lumOff val="5000"/>
+                  </a:schemeClr>
+                </a:solidFill>
+                <a:latin typeface="Helvetica" pitchFamily="2" charset="0"/>
+              </a:rPr>
+              <a:t>Agent gets observation</a:t>
+            </a:r>
+          </a:p>
+        </p:txBody>
+      </p:sp>
+      <p:sp>
+        <p:nvSpPr>
+          <p:cNvPr id="4" name="TextBox 3">
+            <a:extLst>
+              <a:ext uri="{FF2B5EF4-FFF2-40B4-BE49-F238E27FC236}">
+                <a16:creationId xmlns:a16="http://schemas.microsoft.com/office/drawing/2014/main" id="{8A1AFE1B-3485-CB52-6FC7-8955BD0B5A66}"/>
+              </a:ext>
+            </a:extLst>
+          </p:cNvPr>
+          <p:cNvSpPr txBox="1"/>
+          <p:nvPr/>
+        </p:nvSpPr>
+        <p:spPr>
+          <a:xfrm>
+            <a:off x="14862650" y="4524587"/>
+            <a:ext cx="2351196" cy="1384995"/>
+          </a:xfrm>
+          <a:prstGeom prst="rect">
+            <a:avLst/>
+          </a:prstGeom>
+          <a:noFill/>
+        </p:spPr>
+        <p:txBody>
+          <a:bodyPr wrap="square" rtlCol="0">
+            <a:spAutoFit/>
+          </a:bodyPr>
+          <a:lstStyle/>
+          <a:p>
+            <a:r>
+              <a:rPr lang="en-CN" sz="2800" b="1" dirty="0">
+                <a:solidFill>
+                  <a:schemeClr val="tx1">
+                    <a:lumMod val="95000"/>
+                    <a:lumOff val="5000"/>
+                  </a:schemeClr>
+                </a:solidFill>
+                <a:latin typeface="Helvetica" pitchFamily="2" charset="0"/>
+              </a:rPr>
+              <a:t>Dynamics is Markovian on State</a:t>
+            </a:r>
+          </a:p>
+        </p:txBody>
+      </p:sp>
+      <p:pic>
+        <p:nvPicPr>
+          <p:cNvPr id="5" name="Picture 4">
+            <a:extLst>
+              <a:ext uri="{FF2B5EF4-FFF2-40B4-BE49-F238E27FC236}">
+                <a16:creationId xmlns:a16="http://schemas.microsoft.com/office/drawing/2014/main" id="{86FC826F-6728-EAAC-F659-3E2E3F5D12A5}"/>
+              </a:ext>
+            </a:extLst>
+          </p:cNvPr>
+          <p:cNvPicPr>
+            <a:picLocks noChangeAspect="1"/>
+          </p:cNvPicPr>
+          <p:nvPr/>
+        </p:nvPicPr>
+        <p:blipFill>
+          <a:blip r:embed="rId2"/>
+          <a:stretch>
+            <a:fillRect/>
+          </a:stretch>
+        </p:blipFill>
+        <p:spPr>
+          <a:xfrm>
+            <a:off x="12592953" y="8258154"/>
+            <a:ext cx="1979299" cy="1979299"/>
+          </a:xfrm>
+          <a:prstGeom prst="rect">
+            <a:avLst/>
+          </a:prstGeom>
+        </p:spPr>
+      </p:pic>
+      <p:pic>
+        <p:nvPicPr>
+          <p:cNvPr id="7" name="Picture 6">
+            <a:extLst>
+              <a:ext uri="{FF2B5EF4-FFF2-40B4-BE49-F238E27FC236}">
+                <a16:creationId xmlns:a16="http://schemas.microsoft.com/office/drawing/2014/main" id="{1AA52962-478F-4A70-1C20-C04F4170885B}"/>
+              </a:ext>
+            </a:extLst>
+          </p:cNvPr>
+          <p:cNvPicPr>
+            <a:picLocks noChangeAspect="1"/>
+          </p:cNvPicPr>
+          <p:nvPr/>
+        </p:nvPicPr>
+        <p:blipFill>
+          <a:blip r:embed="rId3"/>
+          <a:stretch>
+            <a:fillRect/>
+          </a:stretch>
+        </p:blipFill>
+        <p:spPr>
+          <a:xfrm>
+            <a:off x="5156697" y="8069060"/>
+            <a:ext cx="1979299" cy="1979299"/>
+          </a:xfrm>
+          <a:prstGeom prst="rect">
+            <a:avLst/>
+          </a:prstGeom>
+        </p:spPr>
+      </p:pic>
+      <p:cxnSp>
+        <p:nvCxnSpPr>
+          <p:cNvPr id="8" name="Straight Arrow Connector 7">
+            <a:extLst>
+              <a:ext uri="{FF2B5EF4-FFF2-40B4-BE49-F238E27FC236}">
+                <a16:creationId xmlns:a16="http://schemas.microsoft.com/office/drawing/2014/main" id="{66E62121-8FBE-50D6-D4D4-252EB306D93B}"/>
+              </a:ext>
+            </a:extLst>
+          </p:cNvPr>
+          <p:cNvCxnSpPr>
+            <a:cxnSpLocks/>
+          </p:cNvCxnSpPr>
+          <p:nvPr/>
+        </p:nvCxnSpPr>
+        <p:spPr>
+          <a:xfrm flipH="1">
+            <a:off x="7612193" y="9548629"/>
+            <a:ext cx="4536000" cy="0"/>
+          </a:xfrm>
+          <a:prstGeom prst="straightConnector1">
+            <a:avLst/>
+          </a:prstGeom>
+          <a:ln w="101600">
+            <a:solidFill>
+              <a:schemeClr val="tx2">
+                <a:lumMod val="75000"/>
+                <a:lumOff val="25000"/>
+              </a:schemeClr>
+            </a:solidFill>
+            <a:tailEnd type="triangle"/>
+          </a:ln>
+        </p:spPr>
+        <p:style>
+          <a:lnRef idx="2">
+            <a:schemeClr val="accent1"/>
+          </a:lnRef>
+          <a:fillRef idx="0">
+            <a:schemeClr val="accent1"/>
+          </a:fillRef>
+          <a:effectRef idx="1">
+            <a:schemeClr val="accent1"/>
+          </a:effectRef>
+          <a:fontRef idx="minor">
+            <a:schemeClr val="tx1"/>
+          </a:fontRef>
+        </p:style>
+      </p:cxnSp>
+      <p:cxnSp>
+        <p:nvCxnSpPr>
+          <p:cNvPr id="9" name="Straight Arrow Connector 8">
+            <a:extLst>
+              <a:ext uri="{FF2B5EF4-FFF2-40B4-BE49-F238E27FC236}">
+                <a16:creationId xmlns:a16="http://schemas.microsoft.com/office/drawing/2014/main" id="{124A2112-0F01-6956-DF26-43CD9E75D4FE}"/>
+              </a:ext>
+            </a:extLst>
+          </p:cNvPr>
+          <p:cNvCxnSpPr>
+            <a:cxnSpLocks/>
+          </p:cNvCxnSpPr>
+          <p:nvPr/>
+        </p:nvCxnSpPr>
+        <p:spPr>
+          <a:xfrm>
+            <a:off x="7733954" y="9058709"/>
+            <a:ext cx="4536000" cy="0"/>
+          </a:xfrm>
+          <a:prstGeom prst="straightConnector1">
+            <a:avLst/>
+          </a:prstGeom>
+          <a:ln w="101600">
+            <a:solidFill>
+              <a:srgbClr val="C00000"/>
+            </a:solidFill>
+            <a:tailEnd type="triangle"/>
+          </a:ln>
+        </p:spPr>
+        <p:style>
+          <a:lnRef idx="2">
+            <a:schemeClr val="accent1"/>
+          </a:lnRef>
+          <a:fillRef idx="0">
+            <a:schemeClr val="accent1"/>
+          </a:fillRef>
+          <a:effectRef idx="1">
+            <a:schemeClr val="accent1"/>
+          </a:effectRef>
+          <a:fontRef idx="minor">
+            <a:schemeClr val="tx1"/>
+          </a:fontRef>
+        </p:style>
+      </p:cxnSp>
+      <p:sp>
+        <p:nvSpPr>
+          <p:cNvPr id="10" name="TextBox 9">
+            <a:extLst>
+              <a:ext uri="{FF2B5EF4-FFF2-40B4-BE49-F238E27FC236}">
+                <a16:creationId xmlns:a16="http://schemas.microsoft.com/office/drawing/2014/main" id="{2B85EE84-5192-08F0-B8A9-AD1C3686D5CB}"/>
+              </a:ext>
+            </a:extLst>
+          </p:cNvPr>
+          <p:cNvSpPr txBox="1"/>
+          <p:nvPr/>
+        </p:nvSpPr>
+        <p:spPr>
+          <a:xfrm>
+            <a:off x="8312316" y="8585746"/>
+            <a:ext cx="3597638" cy="461665"/>
+          </a:xfrm>
+          <a:prstGeom prst="rect">
+            <a:avLst/>
+          </a:prstGeom>
+          <a:noFill/>
+        </p:spPr>
+        <p:txBody>
+          <a:bodyPr wrap="square" rtlCol="0">
+            <a:spAutoFit/>
+          </a:bodyPr>
+          <a:lstStyle/>
+          <a:p>
+            <a:r>
+              <a:rPr lang="en-CN" sz="2400" b="1" dirty="0">
+                <a:solidFill>
+                  <a:srgbClr val="C00000"/>
+                </a:solidFill>
+                <a:latin typeface="Helvetica" pitchFamily="2" charset="0"/>
+              </a:rPr>
+              <a:t>Action a</a:t>
+            </a:r>
+            <a:r>
+              <a:rPr lang="en-CN" sz="2400" b="1" baseline="-25000" dirty="0">
+                <a:solidFill>
+                  <a:srgbClr val="C00000"/>
+                </a:solidFill>
+                <a:latin typeface="Helvetica" pitchFamily="2" charset="0"/>
+              </a:rPr>
+              <a:t>t</a:t>
+            </a:r>
+            <a:r>
+              <a:rPr lang="en-CN" sz="2400" b="1" dirty="0">
+                <a:solidFill>
+                  <a:srgbClr val="C00000"/>
+                </a:solidFill>
+                <a:latin typeface="Helvetica" pitchFamily="2" charset="0"/>
+              </a:rPr>
+              <a:t> ~ </a:t>
+            </a:r>
+            <a:r>
+              <a:rPr lang="el-GR" sz="2400" b="1" dirty="0">
+                <a:solidFill>
+                  <a:srgbClr val="C00000"/>
+                </a:solidFill>
+                <a:latin typeface="Helvetica" pitchFamily="2" charset="0"/>
+              </a:rPr>
+              <a:t>π</a:t>
+            </a:r>
+            <a:r>
+              <a:rPr lang="en-US" sz="2400" b="1" dirty="0">
+                <a:solidFill>
+                  <a:srgbClr val="C00000"/>
+                </a:solidFill>
+                <a:latin typeface="Helvetica" pitchFamily="2" charset="0"/>
+              </a:rPr>
+              <a:t>(s</a:t>
+            </a:r>
+            <a:r>
+              <a:rPr lang="en-US" sz="2400" b="1" baseline="-25000" dirty="0">
+                <a:solidFill>
+                  <a:srgbClr val="C00000"/>
+                </a:solidFill>
+                <a:latin typeface="Helvetica" pitchFamily="2" charset="0"/>
+              </a:rPr>
+              <a:t>t</a:t>
+            </a:r>
+            <a:r>
+              <a:rPr lang="en-US" sz="2400" b="1" dirty="0">
+                <a:solidFill>
+                  <a:srgbClr val="C00000"/>
+                </a:solidFill>
+                <a:latin typeface="Helvetica" pitchFamily="2" charset="0"/>
+              </a:rPr>
+              <a:t>)</a:t>
+            </a:r>
+            <a:r>
+              <a:rPr lang="en-CN" sz="2400" b="1" dirty="0">
+                <a:solidFill>
+                  <a:srgbClr val="C00000"/>
+                </a:solidFill>
+                <a:latin typeface="Helvetica" pitchFamily="2" charset="0"/>
+              </a:rPr>
+              <a:t> </a:t>
+            </a:r>
+          </a:p>
+        </p:txBody>
+      </p:sp>
+      <p:sp>
+        <p:nvSpPr>
+          <p:cNvPr id="11" name="TextBox 10">
+            <a:extLst>
+              <a:ext uri="{FF2B5EF4-FFF2-40B4-BE49-F238E27FC236}">
+                <a16:creationId xmlns:a16="http://schemas.microsoft.com/office/drawing/2014/main" id="{1C67D048-0F58-E67E-0FEF-65E0924CC14D}"/>
+              </a:ext>
+            </a:extLst>
+          </p:cNvPr>
+          <p:cNvSpPr txBox="1"/>
+          <p:nvPr/>
+        </p:nvSpPr>
+        <p:spPr>
+          <a:xfrm>
+            <a:off x="8190555" y="9568905"/>
+            <a:ext cx="3597638" cy="461665"/>
+          </a:xfrm>
+          <a:prstGeom prst="rect">
+            <a:avLst/>
+          </a:prstGeom>
+          <a:noFill/>
+        </p:spPr>
+        <p:txBody>
+          <a:bodyPr wrap="square" rtlCol="0">
+            <a:spAutoFit/>
+          </a:bodyPr>
+          <a:lstStyle/>
+          <a:p>
+            <a:r>
+              <a:rPr lang="en-CN" sz="2400" b="1" dirty="0">
+                <a:solidFill>
+                  <a:schemeClr val="tx2">
+                    <a:lumMod val="75000"/>
+                    <a:lumOff val="25000"/>
+                  </a:schemeClr>
+                </a:solidFill>
+                <a:latin typeface="Helvetica" pitchFamily="2" charset="0"/>
+              </a:rPr>
+              <a:t>State s</a:t>
+            </a:r>
+            <a:r>
+              <a:rPr lang="en-CN" sz="2400" b="1" baseline="-25000" dirty="0">
+                <a:solidFill>
+                  <a:schemeClr val="tx2">
+                    <a:lumMod val="75000"/>
+                    <a:lumOff val="25000"/>
+                  </a:schemeClr>
+                </a:solidFill>
+                <a:latin typeface="Helvetica" pitchFamily="2" charset="0"/>
+              </a:rPr>
+              <a:t>t+1</a:t>
+            </a:r>
+            <a:r>
+              <a:rPr lang="en-CN" sz="2400" b="1" dirty="0">
+                <a:solidFill>
+                  <a:schemeClr val="tx2">
+                    <a:lumMod val="75000"/>
+                    <a:lumOff val="25000"/>
+                  </a:schemeClr>
+                </a:solidFill>
+                <a:latin typeface="Helvetica" pitchFamily="2" charset="0"/>
+              </a:rPr>
+              <a:t> ~ </a:t>
+            </a:r>
+            <a:r>
+              <a:rPr lang="en-US" sz="2400" b="1" dirty="0">
+                <a:solidFill>
+                  <a:schemeClr val="tx2">
+                    <a:lumMod val="75000"/>
+                    <a:lumOff val="25000"/>
+                  </a:schemeClr>
+                </a:solidFill>
+                <a:latin typeface="Helvetica" pitchFamily="2" charset="0"/>
+              </a:rPr>
+              <a:t>P(s</a:t>
+            </a:r>
+            <a:r>
+              <a:rPr lang="en-US" sz="2400" b="1" baseline="-25000" dirty="0">
+                <a:solidFill>
+                  <a:schemeClr val="tx2">
+                    <a:lumMod val="75000"/>
+                    <a:lumOff val="25000"/>
+                  </a:schemeClr>
+                </a:solidFill>
+                <a:latin typeface="Helvetica" pitchFamily="2" charset="0"/>
+              </a:rPr>
+              <a:t>t </a:t>
+            </a:r>
+            <a:r>
+              <a:rPr lang="en-US" sz="2400" b="1" dirty="0">
+                <a:solidFill>
+                  <a:schemeClr val="tx2">
+                    <a:lumMod val="75000"/>
+                    <a:lumOff val="25000"/>
+                  </a:schemeClr>
+                </a:solidFill>
+                <a:latin typeface="Helvetica" pitchFamily="2" charset="0"/>
+              </a:rPr>
+              <a:t>, a</a:t>
+            </a:r>
+            <a:r>
+              <a:rPr lang="en-US" sz="2400" b="1" baseline="-25000" dirty="0">
+                <a:solidFill>
+                  <a:schemeClr val="tx2">
+                    <a:lumMod val="75000"/>
+                    <a:lumOff val="25000"/>
+                  </a:schemeClr>
+                </a:solidFill>
+                <a:latin typeface="Helvetica" pitchFamily="2" charset="0"/>
+              </a:rPr>
+              <a:t>t</a:t>
+            </a:r>
+            <a:r>
+              <a:rPr lang="en-US" sz="2400" b="1" dirty="0">
+                <a:solidFill>
+                  <a:schemeClr val="tx2">
+                    <a:lumMod val="75000"/>
+                    <a:lumOff val="25000"/>
+                  </a:schemeClr>
+                </a:solidFill>
+                <a:latin typeface="Helvetica" pitchFamily="2" charset="0"/>
+              </a:rPr>
+              <a:t>)</a:t>
+            </a:r>
+            <a:r>
+              <a:rPr lang="en-CN" sz="2400" b="1" dirty="0">
+                <a:solidFill>
+                  <a:schemeClr val="tx2">
+                    <a:lumMod val="75000"/>
+                    <a:lumOff val="25000"/>
+                  </a:schemeClr>
+                </a:solidFill>
+                <a:latin typeface="Helvetica" pitchFamily="2" charset="0"/>
+              </a:rPr>
+              <a:t> </a:t>
+            </a:r>
+          </a:p>
+        </p:txBody>
+      </p:sp>
+      <p:sp>
+        <p:nvSpPr>
+          <p:cNvPr id="12" name="TextBox 11">
+            <a:extLst>
+              <a:ext uri="{FF2B5EF4-FFF2-40B4-BE49-F238E27FC236}">
+                <a16:creationId xmlns:a16="http://schemas.microsoft.com/office/drawing/2014/main" id="{20183ADC-0BD9-246F-7765-F8D9E65480E7}"/>
+              </a:ext>
+            </a:extLst>
+          </p:cNvPr>
+          <p:cNvSpPr txBox="1"/>
+          <p:nvPr/>
+        </p:nvSpPr>
+        <p:spPr>
+          <a:xfrm>
+            <a:off x="8190555" y="9951158"/>
+            <a:ext cx="4176000" cy="461665"/>
+          </a:xfrm>
+          <a:prstGeom prst="rect">
+            <a:avLst/>
+          </a:prstGeom>
+          <a:noFill/>
+        </p:spPr>
+        <p:txBody>
+          <a:bodyPr wrap="square" rtlCol="0">
+            <a:spAutoFit/>
+          </a:bodyPr>
+          <a:lstStyle/>
+          <a:p>
+            <a:r>
+              <a:rPr lang="en-CN" sz="2400" b="1" dirty="0">
+                <a:solidFill>
+                  <a:schemeClr val="tx2">
+                    <a:lumMod val="75000"/>
+                    <a:lumOff val="25000"/>
+                  </a:schemeClr>
+                </a:solidFill>
+                <a:latin typeface="Helvetica" pitchFamily="2" charset="0"/>
+              </a:rPr>
+              <a:t>Reward r</a:t>
+            </a:r>
+            <a:r>
+              <a:rPr lang="en-CN" sz="2400" b="1" baseline="-25000" dirty="0">
+                <a:solidFill>
+                  <a:schemeClr val="tx2">
+                    <a:lumMod val="75000"/>
+                    <a:lumOff val="25000"/>
+                  </a:schemeClr>
+                </a:solidFill>
+                <a:latin typeface="Helvetica" pitchFamily="2" charset="0"/>
+              </a:rPr>
+              <a:t>t</a:t>
+            </a:r>
+            <a:r>
+              <a:rPr lang="en-CN" sz="2400" b="1" dirty="0">
+                <a:solidFill>
+                  <a:schemeClr val="tx2">
+                    <a:lumMod val="75000"/>
+                    <a:lumOff val="25000"/>
+                  </a:schemeClr>
+                </a:solidFill>
+                <a:latin typeface="Helvetica" pitchFamily="2" charset="0"/>
+              </a:rPr>
+              <a:t> ~ </a:t>
+            </a:r>
+            <a:r>
+              <a:rPr lang="en-US" sz="2400" b="1" dirty="0">
+                <a:solidFill>
+                  <a:schemeClr val="tx2">
+                    <a:lumMod val="75000"/>
+                    <a:lumOff val="25000"/>
+                  </a:schemeClr>
+                </a:solidFill>
+                <a:latin typeface="Helvetica" pitchFamily="2" charset="0"/>
+              </a:rPr>
+              <a:t>R(s</a:t>
+            </a:r>
+            <a:r>
+              <a:rPr lang="en-US" sz="2400" b="1" baseline="-25000" dirty="0">
+                <a:solidFill>
+                  <a:schemeClr val="tx2">
+                    <a:lumMod val="75000"/>
+                    <a:lumOff val="25000"/>
+                  </a:schemeClr>
+                </a:solidFill>
+                <a:latin typeface="Helvetica" pitchFamily="2" charset="0"/>
+              </a:rPr>
+              <a:t>t </a:t>
+            </a:r>
+            <a:r>
+              <a:rPr lang="en-US" sz="2400" b="1" dirty="0">
+                <a:solidFill>
+                  <a:schemeClr val="tx2">
+                    <a:lumMod val="75000"/>
+                    <a:lumOff val="25000"/>
+                  </a:schemeClr>
+                </a:solidFill>
+                <a:latin typeface="Helvetica" pitchFamily="2" charset="0"/>
+              </a:rPr>
+              <a:t>, a</a:t>
+            </a:r>
+            <a:r>
+              <a:rPr lang="en-US" sz="2400" b="1" baseline="-25000" dirty="0">
+                <a:solidFill>
+                  <a:schemeClr val="tx2">
+                    <a:lumMod val="75000"/>
+                    <a:lumOff val="25000"/>
+                  </a:schemeClr>
+                </a:solidFill>
+                <a:latin typeface="Helvetica" pitchFamily="2" charset="0"/>
+              </a:rPr>
+              <a:t>t</a:t>
+            </a:r>
+            <a:r>
+              <a:rPr lang="en-US" sz="2400" b="1" dirty="0">
+                <a:solidFill>
+                  <a:schemeClr val="tx2">
+                    <a:lumMod val="75000"/>
+                    <a:lumOff val="25000"/>
+                  </a:schemeClr>
+                </a:solidFill>
+                <a:latin typeface="Helvetica" pitchFamily="2" charset="0"/>
+              </a:rPr>
+              <a:t>)</a:t>
+            </a:r>
+            <a:r>
+              <a:rPr lang="en-CN" sz="2400" b="1" dirty="0">
+                <a:solidFill>
+                  <a:schemeClr val="tx2">
+                    <a:lumMod val="75000"/>
+                    <a:lumOff val="25000"/>
+                  </a:schemeClr>
+                </a:solidFill>
+                <a:latin typeface="Helvetica" pitchFamily="2" charset="0"/>
+              </a:rPr>
+              <a:t> </a:t>
+            </a:r>
+          </a:p>
+        </p:txBody>
+      </p:sp>
+      <p:sp>
+        <p:nvSpPr>
+          <p:cNvPr id="13" name="TextBox 12">
+            <a:extLst>
+              <a:ext uri="{FF2B5EF4-FFF2-40B4-BE49-F238E27FC236}">
+                <a16:creationId xmlns:a16="http://schemas.microsoft.com/office/drawing/2014/main" id="{AD24AAEC-88DA-0247-1C6D-DD7719262655}"/>
+              </a:ext>
+            </a:extLst>
+          </p:cNvPr>
+          <p:cNvSpPr txBox="1"/>
+          <p:nvPr/>
+        </p:nvSpPr>
+        <p:spPr>
+          <a:xfrm>
+            <a:off x="4419859" y="7574616"/>
+            <a:ext cx="10340687" cy="646331"/>
+          </a:xfrm>
+          <a:prstGeom prst="rect">
+            <a:avLst/>
+          </a:prstGeom>
+          <a:noFill/>
+        </p:spPr>
+        <p:txBody>
+          <a:bodyPr wrap="square" rtlCol="0">
+            <a:spAutoFit/>
+          </a:bodyPr>
+          <a:lstStyle/>
+          <a:p>
+            <a:r>
+              <a:rPr lang="en-US" sz="3600" b="1" dirty="0">
+                <a:solidFill>
+                  <a:schemeClr val="tx1">
+                    <a:lumMod val="95000"/>
+                    <a:lumOff val="5000"/>
+                  </a:schemeClr>
+                </a:solidFill>
+                <a:latin typeface="Helvetica" pitchFamily="2" charset="0"/>
+              </a:rPr>
+              <a:t>An MDP is defined by the tuple (S, A, P, R,</a:t>
+            </a:r>
+            <a:r>
+              <a:rPr lang="el-GR" sz="3600" b="1" i="1" dirty="0">
+                <a:solidFill>
+                  <a:schemeClr val="tx1">
+                    <a:lumMod val="95000"/>
+                    <a:lumOff val="5000"/>
+                  </a:schemeClr>
+                </a:solidFill>
+                <a:latin typeface="Helvetica" pitchFamily="2" charset="0"/>
+              </a:rPr>
+              <a:t> γ</a:t>
+            </a:r>
+            <a:r>
+              <a:rPr lang="en-US" sz="3600" b="1" dirty="0">
+                <a:solidFill>
+                  <a:schemeClr val="tx1">
+                    <a:lumMod val="95000"/>
+                    <a:lumOff val="5000"/>
+                  </a:schemeClr>
+                </a:solidFill>
+                <a:latin typeface="Helvetica" pitchFamily="2" charset="0"/>
+              </a:rPr>
+              <a:t>)</a:t>
+            </a:r>
+            <a:endParaRPr lang="en-CN" sz="3600" b="1" dirty="0">
+              <a:solidFill>
+                <a:schemeClr val="tx1">
+                  <a:lumMod val="95000"/>
+                  <a:lumOff val="5000"/>
+                </a:schemeClr>
+              </a:solidFill>
+              <a:latin typeface="Helvetica" pitchFamily="2" charset="0"/>
+            </a:endParaRPr>
+          </a:p>
+        </p:txBody>
+      </p:sp>
+      <p:sp>
+        <p:nvSpPr>
+          <p:cNvPr id="14" name="TextBox 13">
+            <a:extLst>
+              <a:ext uri="{FF2B5EF4-FFF2-40B4-BE49-F238E27FC236}">
+                <a16:creationId xmlns:a16="http://schemas.microsoft.com/office/drawing/2014/main" id="{88A3224D-55D7-7BD2-229F-B07C44751109}"/>
+              </a:ext>
+            </a:extLst>
+          </p:cNvPr>
+          <p:cNvSpPr txBox="1"/>
+          <p:nvPr/>
+        </p:nvSpPr>
+        <p:spPr>
+          <a:xfrm>
+            <a:off x="2807948" y="8603200"/>
+            <a:ext cx="2348748" cy="954107"/>
+          </a:xfrm>
+          <a:prstGeom prst="rect">
+            <a:avLst/>
+          </a:prstGeom>
+          <a:noFill/>
+        </p:spPr>
+        <p:txBody>
+          <a:bodyPr wrap="square" rtlCol="0">
+            <a:spAutoFit/>
+          </a:bodyPr>
+          <a:lstStyle/>
+          <a:p>
+            <a:r>
+              <a:rPr lang="en-CN" sz="2800" b="1" dirty="0">
+                <a:solidFill>
+                  <a:schemeClr val="tx1">
+                    <a:lumMod val="95000"/>
+                    <a:lumOff val="5000"/>
+                  </a:schemeClr>
+                </a:solidFill>
+                <a:latin typeface="Helvetica" pitchFamily="2" charset="0"/>
+              </a:rPr>
+              <a:t>Agent gets full state</a:t>
+            </a:r>
+          </a:p>
+        </p:txBody>
+      </p:sp>
+      <p:sp>
+        <p:nvSpPr>
+          <p:cNvPr id="15" name="TextBox 14">
+            <a:extLst>
+              <a:ext uri="{FF2B5EF4-FFF2-40B4-BE49-F238E27FC236}">
+                <a16:creationId xmlns:a16="http://schemas.microsoft.com/office/drawing/2014/main" id="{AF64ACC3-5CC5-063F-0E2A-709526CC43D2}"/>
+              </a:ext>
+            </a:extLst>
+          </p:cNvPr>
+          <p:cNvSpPr txBox="1"/>
+          <p:nvPr/>
+        </p:nvSpPr>
+        <p:spPr>
+          <a:xfrm>
+            <a:off x="14893954" y="8518841"/>
+            <a:ext cx="2351196" cy="1384995"/>
+          </a:xfrm>
+          <a:prstGeom prst="rect">
+            <a:avLst/>
+          </a:prstGeom>
+          <a:noFill/>
+        </p:spPr>
+        <p:txBody>
+          <a:bodyPr wrap="square" rtlCol="0">
+            <a:spAutoFit/>
+          </a:bodyPr>
+          <a:lstStyle/>
+          <a:p>
+            <a:r>
+              <a:rPr lang="en-CN" sz="2800" b="1" dirty="0">
+                <a:solidFill>
+                  <a:schemeClr val="tx1">
+                    <a:lumMod val="95000"/>
+                    <a:lumOff val="5000"/>
+                  </a:schemeClr>
+                </a:solidFill>
+                <a:latin typeface="Helvetica" pitchFamily="2" charset="0"/>
+              </a:rPr>
+              <a:t>Dynamics is Markovian on State</a:t>
+            </a:r>
+          </a:p>
+        </p:txBody>
+      </p:sp>
+      <p:sp>
+        <p:nvSpPr>
+          <p:cNvPr id="16" name="TextBox 15">
+            <a:extLst>
+              <a:ext uri="{FF2B5EF4-FFF2-40B4-BE49-F238E27FC236}">
+                <a16:creationId xmlns:a16="http://schemas.microsoft.com/office/drawing/2014/main" id="{63C18F27-A6E3-7775-A342-367E2144C3BC}"/>
+              </a:ext>
+            </a:extLst>
+          </p:cNvPr>
+          <p:cNvSpPr txBox="1"/>
+          <p:nvPr/>
+        </p:nvSpPr>
+        <p:spPr>
+          <a:xfrm>
+            <a:off x="5037047" y="9979700"/>
+            <a:ext cx="2348748" cy="461665"/>
+          </a:xfrm>
+          <a:prstGeom prst="rect">
+            <a:avLst/>
+          </a:prstGeom>
+          <a:noFill/>
+        </p:spPr>
+        <p:txBody>
+          <a:bodyPr wrap="square" rtlCol="0">
+            <a:spAutoFit/>
+          </a:bodyPr>
+          <a:lstStyle/>
+          <a:p>
+            <a:r>
+              <a:rPr lang="en-CN" sz="2400" b="1" dirty="0">
+                <a:solidFill>
+                  <a:srgbClr val="FF0000"/>
+                </a:solidFill>
+                <a:latin typeface="Helvetica" pitchFamily="2" charset="0"/>
+              </a:rPr>
+              <a:t>Agent Policy </a:t>
+            </a:r>
+            <a:r>
+              <a:rPr lang="el-GR" sz="2400" b="1" dirty="0">
+                <a:solidFill>
+                  <a:srgbClr val="FF0000"/>
+                </a:solidFill>
+                <a:latin typeface="Helvetica" pitchFamily="2" charset="0"/>
+              </a:rPr>
+              <a:t>π</a:t>
+            </a:r>
+            <a:endParaRPr lang="en-CN" sz="2400" b="1" dirty="0">
+              <a:solidFill>
+                <a:srgbClr val="FF0000"/>
+              </a:solidFill>
+              <a:latin typeface="Helvetica" pitchFamily="2" charset="0"/>
+            </a:endParaRPr>
+          </a:p>
+        </p:txBody>
+      </p:sp>
+      <p:sp>
+        <p:nvSpPr>
+          <p:cNvPr id="17" name="TextBox 16">
+            <a:extLst>
+              <a:ext uri="{FF2B5EF4-FFF2-40B4-BE49-F238E27FC236}">
+                <a16:creationId xmlns:a16="http://schemas.microsoft.com/office/drawing/2014/main" id="{DCE4BDF2-9F66-BF37-0BEC-8CD460374871}"/>
+              </a:ext>
+            </a:extLst>
+          </p:cNvPr>
+          <p:cNvSpPr txBox="1"/>
+          <p:nvPr/>
+        </p:nvSpPr>
+        <p:spPr>
+          <a:xfrm>
+            <a:off x="5156696" y="5913770"/>
+            <a:ext cx="2348748" cy="461665"/>
+          </a:xfrm>
+          <a:prstGeom prst="rect">
+            <a:avLst/>
+          </a:prstGeom>
+          <a:noFill/>
+        </p:spPr>
+        <p:txBody>
+          <a:bodyPr wrap="square" rtlCol="0">
+            <a:spAutoFit/>
+          </a:bodyPr>
+          <a:lstStyle/>
+          <a:p>
+            <a:r>
+              <a:rPr lang="en-CN" sz="2400" b="1" dirty="0">
+                <a:solidFill>
+                  <a:srgbClr val="FF0000"/>
+                </a:solidFill>
+                <a:latin typeface="Helvetica" pitchFamily="2" charset="0"/>
+              </a:rPr>
+              <a:t>Agent Policy </a:t>
+            </a:r>
+            <a:r>
+              <a:rPr lang="el-GR" sz="2400" b="1" dirty="0">
+                <a:solidFill>
+                  <a:srgbClr val="FF0000"/>
+                </a:solidFill>
+                <a:latin typeface="Helvetica" pitchFamily="2" charset="0"/>
+              </a:rPr>
+              <a:t>π</a:t>
+            </a:r>
+            <a:endParaRPr lang="en-CN" sz="2400" b="1" dirty="0">
+              <a:solidFill>
+                <a:srgbClr val="FF0000"/>
+              </a:solidFill>
+              <a:latin typeface="Helvetica" pitchFamily="2" charset="0"/>
+            </a:endParaRPr>
+          </a:p>
+        </p:txBody>
+      </p:sp>
+      <p:sp>
+        <p:nvSpPr>
+          <p:cNvPr id="18" name="TextBox 17">
+            <a:extLst>
+              <a:ext uri="{FF2B5EF4-FFF2-40B4-BE49-F238E27FC236}">
+                <a16:creationId xmlns:a16="http://schemas.microsoft.com/office/drawing/2014/main" id="{07718CCD-0C2D-223E-A2CA-FD4C39E6D13E}"/>
+              </a:ext>
+            </a:extLst>
+          </p:cNvPr>
+          <p:cNvSpPr txBox="1"/>
+          <p:nvPr/>
+        </p:nvSpPr>
+        <p:spPr>
+          <a:xfrm>
+            <a:off x="12704463" y="6191479"/>
+            <a:ext cx="2348748" cy="461665"/>
+          </a:xfrm>
+          <a:prstGeom prst="rect">
+            <a:avLst/>
+          </a:prstGeom>
+          <a:noFill/>
+        </p:spPr>
+        <p:txBody>
+          <a:bodyPr wrap="square" rtlCol="0">
+            <a:spAutoFit/>
+          </a:bodyPr>
+          <a:lstStyle/>
+          <a:p>
+            <a:r>
+              <a:rPr lang="en-US" sz="2400" b="1" dirty="0">
+                <a:solidFill>
+                  <a:srgbClr val="0070C0"/>
+                </a:solidFill>
+                <a:latin typeface="Helvetica" pitchFamily="2" charset="0"/>
+              </a:rPr>
+              <a:t>Environment</a:t>
+            </a:r>
+            <a:endParaRPr lang="en-CN" sz="2400" b="1" dirty="0">
+              <a:solidFill>
+                <a:srgbClr val="0070C0"/>
+              </a:solidFill>
+              <a:latin typeface="Helvetica" pitchFamily="2" charset="0"/>
+            </a:endParaRPr>
+          </a:p>
+        </p:txBody>
+      </p:sp>
+      <p:sp>
+        <p:nvSpPr>
+          <p:cNvPr id="19" name="TextBox 18">
+            <a:extLst>
+              <a:ext uri="{FF2B5EF4-FFF2-40B4-BE49-F238E27FC236}">
+                <a16:creationId xmlns:a16="http://schemas.microsoft.com/office/drawing/2014/main" id="{A70F1EE8-7A7C-8BEB-6C09-BD13E745548B}"/>
+              </a:ext>
+            </a:extLst>
+          </p:cNvPr>
+          <p:cNvSpPr txBox="1"/>
+          <p:nvPr/>
+        </p:nvSpPr>
+        <p:spPr>
+          <a:xfrm>
+            <a:off x="12704463" y="10285033"/>
+            <a:ext cx="2348748" cy="461665"/>
+          </a:xfrm>
+          <a:prstGeom prst="rect">
+            <a:avLst/>
+          </a:prstGeom>
+          <a:noFill/>
+        </p:spPr>
+        <p:txBody>
+          <a:bodyPr wrap="square" rtlCol="0">
+            <a:spAutoFit/>
+          </a:bodyPr>
+          <a:lstStyle/>
+          <a:p>
+            <a:r>
+              <a:rPr lang="en-US" sz="2400" b="1" dirty="0">
+                <a:solidFill>
+                  <a:srgbClr val="0070C0"/>
+                </a:solidFill>
+                <a:latin typeface="Helvetica" pitchFamily="2" charset="0"/>
+              </a:rPr>
+              <a:t>Environment</a:t>
+            </a:r>
+            <a:endParaRPr lang="en-CN" sz="2400" b="1" dirty="0">
+              <a:solidFill>
+                <a:srgbClr val="0070C0"/>
+              </a:solidFill>
+              <a:latin typeface="Helvetica" pitchFamily="2" charset="0"/>
+            </a:endParaRPr>
+          </a:p>
+        </p:txBody>
+      </p:sp>
+    </p:spTree>
+    <p:extLst>
+      <p:ext uri="{BB962C8B-B14F-4D97-AF65-F5344CB8AC3E}">
+        <p14:creationId xmlns:p14="http://schemas.microsoft.com/office/powerpoint/2010/main" val="3887307996"/>
+      </p:ext>
+    </p:extLst>
+  </p:cSld>
+  <p:clrMapOvr>
+    <a:masterClrMapping/>
+  </p:clrMapOvr>
+</p:sld>
+</file>
+
+<file path=ppt/slides/slide6.xml><?xml version="1.0" encoding="utf-8"?>
 <p:sld xmlns:a="http://schemas.openxmlformats.org/drawingml/2006/main" xmlns:r="http://schemas.openxmlformats.org/officeDocument/2006/relationships" xmlns:p="http://schemas.openxmlformats.org/presentationml/2006/main">
   <p:cSld>
     <p:spTree>
@@ -7568,7 +11366,7 @@
         </p:blipFill>
         <p:spPr>
           <a:xfrm>
-            <a:off x="11617719" y="4201061"/>
+            <a:off x="13597332" y="4201061"/>
             <a:ext cx="2117395" cy="2105550"/>
           </a:xfrm>
           <a:prstGeom prst="rect">
@@ -7590,7 +11388,7 @@
         </p:nvSpPr>
         <p:spPr>
           <a:xfrm>
-            <a:off x="3113746" y="8116129"/>
+            <a:off x="5093358" y="8116130"/>
             <a:ext cx="1799288" cy="1260223"/>
           </a:xfrm>
           <a:prstGeom prst="rect">
@@ -7624,7 +11422,7 @@
           <a:lstStyle/>
           <a:p>
             <a:pPr algn="ctr"/>
-            <a:endParaRPr lang="en-CN" dirty="0"/>
+            <a:endParaRPr lang="en-CN"/>
           </a:p>
         </p:txBody>
       </p:sp>
@@ -7642,7 +11440,7 @@
         </p:nvSpPr>
         <p:spPr>
           <a:xfrm>
-            <a:off x="6556917" y="8021289"/>
+            <a:off x="8536529" y="8021290"/>
             <a:ext cx="1420176" cy="1355063"/>
           </a:xfrm>
           <a:prstGeom prst="rect">
@@ -7676,7 +11474,7 @@
           <a:lstStyle/>
           <a:p>
             <a:pPr algn="ctr"/>
-            <a:endParaRPr lang="en-CN" dirty="0"/>
+            <a:endParaRPr lang="en-CN"/>
           </a:p>
         </p:txBody>
       </p:sp>
@@ -7694,7 +11492,7 @@
         </p:nvSpPr>
         <p:spPr>
           <a:xfrm>
-            <a:off x="3121055" y="4320699"/>
+            <a:off x="5100668" y="4320699"/>
             <a:ext cx="4521479" cy="2238690"/>
           </a:xfrm>
           <a:prstGeom prst="rect">
@@ -7728,7 +11526,7 @@
           <a:lstStyle/>
           <a:p>
             <a:pPr algn="ctr"/>
-            <a:endParaRPr lang="en-CN" dirty="0"/>
+            <a:endParaRPr lang="en-CN"/>
           </a:p>
         </p:txBody>
       </p:sp>
@@ -7746,7 +11544,7 @@
         </p:nvSpPr>
         <p:spPr>
           <a:xfrm>
-            <a:off x="11492510" y="4166243"/>
+            <a:off x="13472123" y="4166244"/>
             <a:ext cx="2367815" cy="2365451"/>
           </a:xfrm>
           <a:prstGeom prst="rect">
@@ -7780,7 +11578,7 @@
           <a:lstStyle/>
           <a:p>
             <a:pPr algn="ctr"/>
-            <a:endParaRPr lang="en-CN" dirty="0"/>
+            <a:endParaRPr lang="en-CN"/>
           </a:p>
         </p:txBody>
       </p:sp>
@@ -7798,7 +11596,7 @@
         </p:nvSpPr>
         <p:spPr>
           <a:xfrm>
-            <a:off x="5239720" y="8239025"/>
+            <a:off x="7219332" y="8239025"/>
             <a:ext cx="720000" cy="720000"/>
           </a:xfrm>
           <a:prstGeom prst="ellipse">
@@ -7832,7 +11630,7 @@
           <a:lstStyle/>
           <a:p>
             <a:pPr algn="ctr"/>
-            <a:endParaRPr lang="en-CN" dirty="0"/>
+            <a:endParaRPr lang="en-CN"/>
           </a:p>
         </p:txBody>
       </p:sp>
@@ -7850,7 +11648,7 @@
         </p:nvSpPr>
         <p:spPr>
           <a:xfrm>
-            <a:off x="5386463" y="8411288"/>
+            <a:off x="7366076" y="8411288"/>
             <a:ext cx="1146517" cy="400110"/>
           </a:xfrm>
           <a:prstGeom prst="rect">
@@ -7865,7 +11663,7 @@
           <a:lstStyle/>
           <a:p>
             <a:r>
-              <a:rPr lang="en-CN" sz="2000" dirty="0">
+              <a:rPr lang="en-CN" sz="2000">
                 <a:solidFill>
                   <a:schemeClr val="bg1"/>
                 </a:solidFill>
@@ -7874,7 +11672,7 @@
               <a:t>O</a:t>
             </a:r>
             <a:r>
-              <a:rPr lang="en-CN" sz="2000" baseline="-25000" dirty="0">
+              <a:rPr lang="en-CN" sz="2000" baseline="-25000">
                 <a:solidFill>
                   <a:schemeClr val="bg1"/>
                 </a:solidFill>
@@ -7882,7 +11680,7 @@
               </a:rPr>
               <a:t>t</a:t>
             </a:r>
-            <a:endParaRPr lang="en-CN" sz="2000" dirty="0">
+            <a:endParaRPr lang="en-CN" sz="2000">
               <a:solidFill>
                 <a:schemeClr val="bg1"/>
               </a:solidFill>
@@ -7913,7 +11711,7 @@
         </p:blipFill>
         <p:spPr>
           <a:xfrm>
-            <a:off x="6773383" y="8058051"/>
+            <a:off x="8752995" y="8058051"/>
             <a:ext cx="987244" cy="987244"/>
           </a:xfrm>
           <a:prstGeom prst="rect">
@@ -7937,7 +11735,7 @@
         </p:nvCxnSpPr>
         <p:spPr>
           <a:xfrm>
-            <a:off x="6022096" y="8612426"/>
+            <a:off x="8001709" y="8612426"/>
             <a:ext cx="478215" cy="0"/>
           </a:xfrm>
           <a:prstGeom prst="straightConnector1">
@@ -7979,7 +11777,7 @@
         </p:nvSpPr>
         <p:spPr>
           <a:xfrm>
-            <a:off x="6776469" y="8968912"/>
+            <a:off x="8756081" y="8968913"/>
             <a:ext cx="1320800" cy="276999"/>
           </a:xfrm>
           <a:prstGeom prst="rect">
@@ -7994,7 +11792,7 @@
           <a:lstStyle/>
           <a:p>
             <a:r>
-              <a:rPr lang="en-CN" sz="1200" b="1" dirty="0"/>
+              <a:rPr lang="en-CN" sz="1200" b="1"/>
               <a:t>Agent/Policy </a:t>
             </a:r>
           </a:p>
@@ -8014,7 +11812,7 @@
         </p:nvSpPr>
         <p:spPr>
           <a:xfrm>
-            <a:off x="10125883" y="8245105"/>
+            <a:off x="12105495" y="8245105"/>
             <a:ext cx="720000" cy="720000"/>
           </a:xfrm>
           <a:prstGeom prst="ellipse">
@@ -8048,7 +11846,7 @@
           <a:lstStyle/>
           <a:p>
             <a:pPr algn="ctr"/>
-            <a:endParaRPr lang="en-CN" dirty="0"/>
+            <a:endParaRPr lang="en-CN"/>
           </a:p>
         </p:txBody>
       </p:sp>
@@ -8066,7 +11864,7 @@
         </p:nvSpPr>
         <p:spPr>
           <a:xfrm>
-            <a:off x="10286693" y="8403584"/>
+            <a:off x="12266306" y="8403584"/>
             <a:ext cx="1146517" cy="400110"/>
           </a:xfrm>
           <a:prstGeom prst="rect">
@@ -8081,7 +11879,7 @@
           <a:lstStyle/>
           <a:p>
             <a:r>
-              <a:rPr lang="en-CN" sz="2000" dirty="0">
+              <a:rPr lang="en-CN" sz="2000">
                 <a:solidFill>
                   <a:schemeClr val="bg1"/>
                 </a:solidFill>
@@ -8090,7 +11888,7 @@
               <a:t>A</a:t>
             </a:r>
             <a:r>
-              <a:rPr lang="en-CN" sz="2000" baseline="-25000" dirty="0">
+              <a:rPr lang="en-CN" sz="2000" baseline="-25000">
                 <a:solidFill>
                   <a:schemeClr val="bg1"/>
                 </a:solidFill>
@@ -8098,7 +11896,7 @@
               </a:rPr>
               <a:t>t</a:t>
             </a:r>
-            <a:endParaRPr lang="en-CN" sz="2000" dirty="0">
+            <a:endParaRPr lang="en-CN" sz="2000">
               <a:solidFill>
                 <a:schemeClr val="bg1"/>
               </a:solidFill>
@@ -8123,7 +11921,7 @@
         </p:nvCxnSpPr>
         <p:spPr>
           <a:xfrm>
-            <a:off x="8066272" y="8635070"/>
+            <a:off x="10045884" y="8635070"/>
             <a:ext cx="540000" cy="0"/>
           </a:xfrm>
           <a:prstGeom prst="straightConnector1">
@@ -8167,7 +11965,7 @@
         </p:nvCxnSpPr>
         <p:spPr>
           <a:xfrm flipH="1">
-            <a:off x="7714659" y="5399017"/>
+            <a:off x="9694272" y="5399018"/>
             <a:ext cx="3656559" cy="38985"/>
           </a:xfrm>
           <a:prstGeom prst="straightConnector1">
@@ -8211,7 +12009,7 @@
         </p:nvCxnSpPr>
         <p:spPr>
           <a:xfrm>
-            <a:off x="10909457" y="8632748"/>
+            <a:off x="12889070" y="8632748"/>
             <a:ext cx="515753" cy="0"/>
           </a:xfrm>
           <a:prstGeom prst="straightConnector1">
@@ -8253,7 +12051,7 @@
         </p:nvSpPr>
         <p:spPr>
           <a:xfrm>
-            <a:off x="12368949" y="6242102"/>
+            <a:off x="14348562" y="6242103"/>
             <a:ext cx="2982751" cy="276999"/>
           </a:xfrm>
           <a:prstGeom prst="rect">
@@ -8268,7 +12066,7 @@
           <a:lstStyle/>
           <a:p>
             <a:r>
-              <a:rPr lang="en-CN" sz="1200" b="1" dirty="0"/>
+              <a:rPr lang="en-CN" sz="1200" b="1"/>
               <a:t>State t</a:t>
             </a:r>
           </a:p>
@@ -8288,7 +12086,7 @@
         </p:nvSpPr>
         <p:spPr>
           <a:xfrm>
-            <a:off x="4915206" y="4655992"/>
+            <a:off x="6894819" y="4655993"/>
             <a:ext cx="2479843" cy="1410175"/>
           </a:xfrm>
           <a:prstGeom prst="rect">
@@ -8322,7 +12120,7 @@
           <a:lstStyle/>
           <a:p>
             <a:pPr algn="ctr"/>
-            <a:endParaRPr lang="en-CN" dirty="0"/>
+            <a:endParaRPr lang="en-CN"/>
           </a:p>
         </p:txBody>
       </p:sp>
@@ -8348,7 +12146,7 @@
         </p:blipFill>
         <p:spPr>
           <a:xfrm>
-            <a:off x="5135734" y="4865451"/>
+            <a:off x="7115346" y="4865451"/>
             <a:ext cx="2015970" cy="844188"/>
           </a:xfrm>
           <a:prstGeom prst="rect">
@@ -8370,7 +12168,7 @@
         </p:nvSpPr>
         <p:spPr>
           <a:xfrm>
-            <a:off x="4958600" y="5708848"/>
+            <a:off x="6938213" y="5708849"/>
             <a:ext cx="2485577" cy="276999"/>
           </a:xfrm>
           <a:prstGeom prst="rect">
@@ -8385,7 +12183,7 @@
           <a:lstStyle/>
           <a:p>
             <a:r>
-              <a:rPr lang="en-CN" sz="1200" b="1" dirty="0"/>
+              <a:rPr lang="en-CN" sz="1200" b="1"/>
               <a:t>Place Cell / Grid Cell Simulation</a:t>
             </a:r>
           </a:p>
@@ -8407,7 +12205,7 @@
         </p:nvCxnSpPr>
         <p:spPr>
           <a:xfrm>
-            <a:off x="5599288" y="6666832"/>
+            <a:off x="7578900" y="6666832"/>
             <a:ext cx="0" cy="1468028"/>
           </a:xfrm>
           <a:prstGeom prst="straightConnector1">
@@ -8449,7 +12247,7 @@
         </p:nvSpPr>
         <p:spPr>
           <a:xfrm>
-            <a:off x="3298147" y="8212402"/>
+            <a:off x="5277759" y="8212402"/>
             <a:ext cx="720000" cy="720000"/>
           </a:xfrm>
           <a:prstGeom prst="ellipse">
@@ -8483,7 +12281,7 @@
           <a:lstStyle/>
           <a:p>
             <a:pPr algn="ctr"/>
-            <a:endParaRPr lang="en-CN" dirty="0"/>
+            <a:endParaRPr lang="en-CN"/>
           </a:p>
         </p:txBody>
       </p:sp>
@@ -8501,7 +12299,7 @@
         </p:nvSpPr>
         <p:spPr>
           <a:xfrm>
-            <a:off x="3469109" y="8217781"/>
+            <a:off x="5448721" y="8217781"/>
             <a:ext cx="720000" cy="720000"/>
           </a:xfrm>
           <a:prstGeom prst="ellipse">
@@ -8535,7 +12333,7 @@
           <a:lstStyle/>
           <a:p>
             <a:pPr algn="ctr"/>
-            <a:endParaRPr lang="en-CN" dirty="0"/>
+            <a:endParaRPr lang="en-CN"/>
           </a:p>
         </p:txBody>
       </p:sp>
@@ -8553,7 +12351,7 @@
         </p:nvSpPr>
         <p:spPr>
           <a:xfrm>
-            <a:off x="3640071" y="8226591"/>
+            <a:off x="5619683" y="8226591"/>
             <a:ext cx="720000" cy="720000"/>
           </a:xfrm>
           <a:prstGeom prst="ellipse">
@@ -8587,7 +12385,7 @@
           <a:lstStyle/>
           <a:p>
             <a:pPr algn="ctr"/>
-            <a:endParaRPr lang="en-CN" dirty="0"/>
+            <a:endParaRPr lang="en-CN"/>
           </a:p>
         </p:txBody>
       </p:sp>
@@ -8605,7 +12403,7 @@
         </p:nvSpPr>
         <p:spPr>
           <a:xfrm>
-            <a:off x="3811033" y="8226591"/>
+            <a:off x="5790645" y="8226591"/>
             <a:ext cx="720000" cy="720000"/>
           </a:xfrm>
           <a:prstGeom prst="ellipse">
@@ -8639,7 +12437,7 @@
           <a:lstStyle/>
           <a:p>
             <a:pPr algn="ctr"/>
-            <a:endParaRPr lang="en-CN" dirty="0"/>
+            <a:endParaRPr lang="en-CN"/>
           </a:p>
         </p:txBody>
       </p:sp>
@@ -8657,7 +12455,7 @@
         </p:nvSpPr>
         <p:spPr>
           <a:xfrm>
-            <a:off x="3981995" y="8226591"/>
+            <a:off x="5961607" y="8226591"/>
             <a:ext cx="720000" cy="720000"/>
           </a:xfrm>
           <a:prstGeom prst="ellipse">
@@ -8691,7 +12489,7 @@
           <a:lstStyle/>
           <a:p>
             <a:pPr algn="ctr"/>
-            <a:endParaRPr lang="en-CN" dirty="0"/>
+            <a:endParaRPr lang="en-CN"/>
           </a:p>
         </p:txBody>
       </p:sp>
@@ -8709,7 +12507,7 @@
         </p:nvSpPr>
         <p:spPr>
           <a:xfrm>
-            <a:off x="4094302" y="8404011"/>
+            <a:off x="6073915" y="8404011"/>
             <a:ext cx="607695" cy="400110"/>
           </a:xfrm>
           <a:prstGeom prst="rect">
@@ -8724,7 +12522,7 @@
           <a:lstStyle/>
           <a:p>
             <a:r>
-              <a:rPr lang="en-CN" sz="2000" dirty="0">
+              <a:rPr lang="en-CN" sz="2000">
                 <a:solidFill>
                   <a:schemeClr val="bg1"/>
                 </a:solidFill>
@@ -8733,7 +12531,7 @@
               <a:t>O</a:t>
             </a:r>
             <a:r>
-              <a:rPr lang="en-CN" sz="2000" baseline="-25000" dirty="0">
+              <a:rPr lang="en-CN" sz="2000" baseline="-25000">
                 <a:solidFill>
                   <a:schemeClr val="bg1"/>
                 </a:solidFill>
@@ -8741,7 +12539,7 @@
               </a:rPr>
               <a:t>t-1</a:t>
             </a:r>
-            <a:endParaRPr lang="en-CN" sz="2000" dirty="0">
+            <a:endParaRPr lang="en-CN" sz="2000">
               <a:solidFill>
                 <a:schemeClr val="bg1"/>
               </a:solidFill>
@@ -8764,7 +12562,7 @@
         </p:nvSpPr>
         <p:spPr>
           <a:xfrm>
-            <a:off x="4941409" y="8496470"/>
+            <a:off x="6921022" y="8496470"/>
             <a:ext cx="278613" cy="277200"/>
           </a:xfrm>
           <a:prstGeom prst="mathPlus">
@@ -8813,7 +12611,7 @@
         </p:nvSpPr>
         <p:spPr>
           <a:xfrm>
-            <a:off x="3121055" y="9012465"/>
+            <a:off x="5100668" y="9012466"/>
             <a:ext cx="1865941" cy="276999"/>
           </a:xfrm>
           <a:prstGeom prst="rect">
@@ -8828,7 +12626,7 @@
           <a:lstStyle/>
           <a:p>
             <a:r>
-              <a:rPr lang="en-CN" sz="1200" b="1" dirty="0"/>
+              <a:rPr lang="en-CN" sz="1200" b="1"/>
               <a:t>History of Observations</a:t>
             </a:r>
           </a:p>
@@ -8856,7 +12654,7 @@
         </p:blipFill>
         <p:spPr>
           <a:xfrm>
-            <a:off x="3589912" y="4463929"/>
+            <a:off x="5569525" y="4463930"/>
             <a:ext cx="676339" cy="676339"/>
           </a:xfrm>
           <a:prstGeom prst="rect">
@@ -8886,7 +12684,7 @@
         </p:blipFill>
         <p:spPr>
           <a:xfrm>
-            <a:off x="3656419" y="5465421"/>
+            <a:off x="5636031" y="5465421"/>
             <a:ext cx="563928" cy="563928"/>
           </a:xfrm>
           <a:prstGeom prst="rect">
@@ -8908,7 +12706,7 @@
         </p:nvSpPr>
         <p:spPr>
           <a:xfrm>
-            <a:off x="3291074" y="5062213"/>
+            <a:off x="5270687" y="5062214"/>
             <a:ext cx="2485577" cy="276999"/>
           </a:xfrm>
           <a:prstGeom prst="rect">
@@ -8923,7 +12721,7 @@
           <a:lstStyle/>
           <a:p>
             <a:r>
-              <a:rPr lang="en-CN" sz="1200" b="1" dirty="0"/>
+              <a:rPr lang="en-CN" sz="1200" b="1"/>
               <a:t>Taste Perception </a:t>
             </a:r>
           </a:p>
@@ -8943,7 +12741,7 @@
         </p:nvSpPr>
         <p:spPr>
           <a:xfrm>
-            <a:off x="3308719" y="6002883"/>
+            <a:off x="5288332" y="6002884"/>
             <a:ext cx="2485577" cy="276999"/>
           </a:xfrm>
           <a:prstGeom prst="rect">
@@ -8958,7 +12756,7 @@
           <a:lstStyle/>
           <a:p>
             <a:r>
-              <a:rPr lang="en-CN" sz="1200" b="1" dirty="0"/>
+              <a:rPr lang="en-CN" sz="1200" b="1"/>
               <a:t>Audio Perception</a:t>
             </a:r>
           </a:p>
@@ -8978,7 +12776,7 @@
         </p:nvSpPr>
         <p:spPr>
           <a:xfrm>
-            <a:off x="3230522" y="6570369"/>
+            <a:off x="5210135" y="6570370"/>
             <a:ext cx="2071457" cy="276999"/>
           </a:xfrm>
           <a:prstGeom prst="rect">
@@ -8993,7 +12791,7 @@
           <a:lstStyle/>
           <a:p>
             <a:r>
-              <a:rPr lang="en-CN" sz="1200" b="1" dirty="0"/>
+              <a:rPr lang="en-CN" sz="1200" b="1"/>
               <a:t>Observation Space</a:t>
             </a:r>
           </a:p>
@@ -9015,7 +12813,7 @@
         </p:nvCxnSpPr>
         <p:spPr>
           <a:xfrm>
-            <a:off x="12676415" y="6648528"/>
+            <a:off x="14656027" y="6648529"/>
             <a:ext cx="0" cy="278397"/>
           </a:xfrm>
           <a:prstGeom prst="straightConnector1">
@@ -9057,7 +12855,7 @@
         </p:nvSpPr>
         <p:spPr>
           <a:xfrm>
-            <a:off x="8683016" y="6489602"/>
+            <a:off x="10662629" y="6489603"/>
             <a:ext cx="616585" cy="2886743"/>
           </a:xfrm>
           <a:prstGeom prst="rect">
@@ -9091,7 +12889,7 @@
           <a:lstStyle/>
           <a:p>
             <a:pPr algn="ctr"/>
-            <a:endParaRPr lang="en-CN" dirty="0"/>
+            <a:endParaRPr lang="en-CN"/>
           </a:p>
         </p:txBody>
       </p:sp>
@@ -9117,7 +12915,7 @@
         </p:blipFill>
         <p:spPr>
           <a:xfrm rot="16200000">
-            <a:off x="8763704" y="6640689"/>
+            <a:off x="10743317" y="6640690"/>
             <a:ext cx="455213" cy="455213"/>
           </a:xfrm>
           <a:prstGeom prst="rect">
@@ -9147,7 +12945,7 @@
         </p:blipFill>
         <p:spPr>
           <a:xfrm rot="5400000">
-            <a:off x="8763704" y="7170037"/>
+            <a:off x="10743317" y="7170038"/>
             <a:ext cx="455213" cy="455213"/>
           </a:xfrm>
           <a:prstGeom prst="rect">
@@ -9177,7 +12975,7 @@
         </p:blipFill>
         <p:spPr>
           <a:xfrm>
-            <a:off x="8763703" y="7699385"/>
+            <a:off x="10743316" y="7699386"/>
             <a:ext cx="455213" cy="455213"/>
           </a:xfrm>
           <a:prstGeom prst="rect">
@@ -9210,7 +13008,7 @@
         </p:blipFill>
         <p:spPr>
           <a:xfrm rot="10800000">
-            <a:off x="8763704" y="8228733"/>
+            <a:off x="10743317" y="8228734"/>
             <a:ext cx="455213" cy="455213"/>
           </a:xfrm>
           <a:prstGeom prst="rect">
@@ -9234,7 +13032,7 @@
         </p:nvCxnSpPr>
         <p:spPr>
           <a:xfrm>
-            <a:off x="9411461" y="8630132"/>
+            <a:off x="11391073" y="8630132"/>
             <a:ext cx="648000" cy="0"/>
           </a:xfrm>
           <a:prstGeom prst="straightConnector1">
@@ -9276,7 +13074,7 @@
         </p:nvSpPr>
         <p:spPr>
           <a:xfrm>
-            <a:off x="9326470" y="8973925"/>
+            <a:off x="11306083" y="8973926"/>
             <a:ext cx="2071457" cy="461665"/>
           </a:xfrm>
           <a:prstGeom prst="rect">
@@ -9291,13 +13089,13 @@
           <a:lstStyle/>
           <a:p>
             <a:r>
-              <a:rPr lang="en-CN" sz="1200" b="1" dirty="0"/>
+              <a:rPr lang="en-CN" sz="1200" b="1"/>
               <a:t>Action</a:t>
             </a:r>
           </a:p>
           <a:p>
             <a:r>
-              <a:rPr lang="en-CN" sz="1200" b="1" dirty="0"/>
+              <a:rPr lang="en-CN" sz="1200" b="1"/>
               <a:t>Space</a:t>
             </a:r>
           </a:p>
@@ -9317,7 +13115,7 @@
         </p:nvSpPr>
         <p:spPr>
           <a:xfrm>
-            <a:off x="5427946" y="6072552"/>
+            <a:off x="7407559" y="6072553"/>
             <a:ext cx="2485577" cy="276999"/>
           </a:xfrm>
           <a:prstGeom prst="rect">
@@ -9332,7 +13130,7 @@
           <a:lstStyle/>
           <a:p>
             <a:r>
-              <a:rPr lang="en-CN" sz="1200" b="1" dirty="0"/>
+              <a:rPr lang="en-CN" sz="1200" b="1"/>
               <a:t>Spatial Perception</a:t>
             </a:r>
           </a:p>
@@ -9352,7 +13150,7 @@
         </p:nvSpPr>
         <p:spPr>
           <a:xfrm>
-            <a:off x="12544019" y="4397789"/>
+            <a:off x="14523631" y="4397790"/>
             <a:ext cx="345284" cy="428197"/>
           </a:xfrm>
           <a:prstGeom prst="mathMultiply">
@@ -9383,7 +13181,7 @@
           <a:lstStyle/>
           <a:p>
             <a:pPr algn="ctr"/>
-            <a:endParaRPr lang="en-CN" dirty="0"/>
+            <a:endParaRPr lang="en-CN"/>
           </a:p>
         </p:txBody>
       </p:sp>
@@ -9401,7 +13199,7 @@
         </p:nvSpPr>
         <p:spPr>
           <a:xfrm>
-            <a:off x="2552049" y="3326787"/>
+            <a:off x="4531661" y="3326788"/>
             <a:ext cx="6917520" cy="646331"/>
           </a:xfrm>
           <a:prstGeom prst="rect">
@@ -9416,14 +13214,14 @@
           <a:lstStyle/>
           <a:p>
             <a:r>
-              <a:rPr lang="en-CN" sz="3600" b="1" dirty="0"/>
+              <a:rPr lang="en-CN" sz="3600" b="1"/>
               <a:t>T</a:t>
             </a:r>
             <a:r>
               <a:rPr lang="en-US" sz="3600" b="1" dirty="0"/>
               <a:t>Mazing PO-MDP Simulation</a:t>
             </a:r>
-            <a:endParaRPr lang="en-CN" sz="3600" b="1" dirty="0"/>
+            <a:endParaRPr lang="en-CN" sz="3600" b="1"/>
           </a:p>
         </p:txBody>
       </p:sp>
@@ -9449,7 +13247,7 @@
         </p:blipFill>
         <p:spPr>
           <a:xfrm>
-            <a:off x="11613991" y="7037886"/>
+            <a:off x="13593604" y="7037886"/>
             <a:ext cx="2117395" cy="2105550"/>
           </a:xfrm>
           <a:prstGeom prst="rect">
@@ -9471,7 +13269,7 @@
         </p:nvSpPr>
         <p:spPr>
           <a:xfrm>
-            <a:off x="11488782" y="7003068"/>
+            <a:off x="13468395" y="7003069"/>
             <a:ext cx="2367815" cy="2365451"/>
           </a:xfrm>
           <a:prstGeom prst="rect">
@@ -9505,7 +13303,7 @@
           <a:lstStyle/>
           <a:p>
             <a:pPr algn="ctr"/>
-            <a:endParaRPr lang="en-CN" dirty="0"/>
+            <a:endParaRPr lang="en-CN"/>
           </a:p>
         </p:txBody>
       </p:sp>
@@ -9523,7 +13321,7 @@
         </p:nvSpPr>
         <p:spPr>
           <a:xfrm>
-            <a:off x="12365221" y="9078927"/>
+            <a:off x="14344834" y="9078928"/>
             <a:ext cx="2982751" cy="276999"/>
           </a:xfrm>
           <a:prstGeom prst="rect">
@@ -9538,14 +13336,14 @@
           <a:lstStyle/>
           <a:p>
             <a:r>
-              <a:rPr lang="en-CN" sz="1200" b="1" dirty="0"/>
+              <a:rPr lang="en-CN" sz="1200" b="1"/>
               <a:t>State </a:t>
             </a:r>
             <a:r>
               <a:rPr lang="en-US" sz="1200" b="1" dirty="0"/>
               <a:t>t+1</a:t>
             </a:r>
-            <a:endParaRPr lang="en-CN" sz="1200" b="1" dirty="0"/>
+            <a:endParaRPr lang="en-CN" sz="1200" b="1"/>
           </a:p>
         </p:txBody>
       </p:sp>
@@ -9563,7 +13361,7 @@
         </p:nvSpPr>
         <p:spPr>
           <a:xfrm>
-            <a:off x="13288969" y="7225719"/>
+            <a:off x="15268581" y="7225720"/>
             <a:ext cx="345284" cy="428197"/>
           </a:xfrm>
           <a:prstGeom prst="mathMultiply">
@@ -9594,7 +13392,7 @@
           <a:lstStyle/>
           <a:p>
             <a:pPr algn="ctr"/>
-            <a:endParaRPr lang="en-CN" dirty="0"/>
+            <a:endParaRPr lang="en-CN"/>
           </a:p>
         </p:txBody>
       </p:sp>
@@ -9614,7 +13412,7 @@
         </p:nvCxnSpPr>
         <p:spPr>
           <a:xfrm>
-            <a:off x="12668765" y="7435682"/>
+            <a:off x="14648377" y="7435682"/>
             <a:ext cx="648000" cy="0"/>
           </a:xfrm>
           <a:prstGeom prst="straightConnector1">
@@ -9664,7 +13462,7 @@
         </p:blipFill>
         <p:spPr>
           <a:xfrm>
-            <a:off x="8770978" y="8718870"/>
+            <a:off x="10750591" y="8718871"/>
             <a:ext cx="455213" cy="455213"/>
           </a:xfrm>
           <a:prstGeom prst="rect">
@@ -9685,7 +13483,7 @@
 </p:sld>
 </file>
 
-<file path=ppt/slides/slide5.xml><?xml version="1.0" encoding="utf-8"?>
+<file path=ppt/slides/slide7.xml><?xml version="1.0" encoding="utf-8"?>
 <p:sld xmlns:a="http://schemas.openxmlformats.org/drawingml/2006/main" xmlns:r="http://schemas.openxmlformats.org/officeDocument/2006/relationships" xmlns:p="http://schemas.openxmlformats.org/presentationml/2006/main">
   <p:cSld>
     <p:spTree>
@@ -9730,7 +13528,7 @@
         </p:blipFill>
         <p:spPr>
           <a:xfrm>
-            <a:off x="7544021" y="3916145"/>
+            <a:off x="9523633" y="3916145"/>
             <a:ext cx="6491082" cy="6454768"/>
           </a:xfrm>
           <a:prstGeom prst="rect">
@@ -9754,7 +13552,7 @@
         </p:nvSpPr>
         <p:spPr bwMode="auto">
           <a:xfrm>
-            <a:off x="-281781" y="6118225"/>
+            <a:off x="1697831" y="6118225"/>
             <a:ext cx="2231834" cy="2231834"/>
           </a:xfrm>
           <a:prstGeom prst="rect">
@@ -9805,7 +13603,7 @@
         </p:blipFill>
         <p:spPr>
           <a:xfrm>
-            <a:off x="3824059" y="4091820"/>
+            <a:off x="5803671" y="4091820"/>
             <a:ext cx="3543394" cy="2129558"/>
           </a:xfrm>
           <a:prstGeom prst="rect">
@@ -9832,7 +13630,7 @@
         </p:nvSpPr>
         <p:spPr>
           <a:xfrm>
-            <a:off x="4210808" y="4091820"/>
+            <a:off x="6190420" y="4091820"/>
             <a:ext cx="1011676" cy="2129558"/>
           </a:xfrm>
           <a:prstGeom prst="rect">
@@ -9884,7 +13682,7 @@
         </p:nvSpPr>
         <p:spPr>
           <a:xfrm>
-            <a:off x="4234962" y="4089033"/>
+            <a:off x="6214574" y="4089033"/>
             <a:ext cx="144000" cy="2129558"/>
           </a:xfrm>
           <a:prstGeom prst="rect">
@@ -9938,7 +13736,7 @@
         </p:nvSpPr>
         <p:spPr>
           <a:xfrm>
-            <a:off x="4403116" y="4086947"/>
+            <a:off x="6382728" y="4086947"/>
             <a:ext cx="144000" cy="2129558"/>
           </a:xfrm>
           <a:prstGeom prst="rect">
@@ -9992,7 +13790,7 @@
         </p:nvSpPr>
         <p:spPr>
           <a:xfrm>
-            <a:off x="4569481" y="4094607"/>
+            <a:off x="6549093" y="4094607"/>
             <a:ext cx="144000" cy="2129558"/>
           </a:xfrm>
           <a:prstGeom prst="rect">
@@ -10046,7 +13844,7 @@
         </p:nvSpPr>
         <p:spPr>
           <a:xfrm>
-            <a:off x="4737635" y="4094607"/>
+            <a:off x="6717247" y="4094607"/>
             <a:ext cx="144000" cy="2129558"/>
           </a:xfrm>
           <a:prstGeom prst="rect">
@@ -10100,7 +13898,7 @@
         </p:nvSpPr>
         <p:spPr>
           <a:xfrm>
-            <a:off x="4906385" y="4086947"/>
+            <a:off x="6885997" y="4086947"/>
             <a:ext cx="144000" cy="2129558"/>
           </a:xfrm>
           <a:prstGeom prst="rect">
@@ -10154,7 +13952,7 @@
         </p:nvSpPr>
         <p:spPr>
           <a:xfrm>
-            <a:off x="5078484" y="4094607"/>
+            <a:off x="7058096" y="4094607"/>
             <a:ext cx="144000" cy="2129558"/>
           </a:xfrm>
           <a:prstGeom prst="rect">
@@ -10208,7 +14006,7 @@
         </p:nvSpPr>
         <p:spPr>
           <a:xfrm>
-            <a:off x="3556240" y="4790516"/>
+            <a:off x="5535853" y="4790516"/>
             <a:ext cx="2308969" cy="861774"/>
           </a:xfrm>
           <a:prstGeom prst="rect">
@@ -10297,7 +14095,7 @@
         </p:nvCxnSpPr>
         <p:spPr>
           <a:xfrm flipV="1">
-            <a:off x="3683100" y="4408254"/>
+            <a:off x="5662712" y="4408254"/>
             <a:ext cx="0" cy="1290838"/>
           </a:xfrm>
           <a:prstGeom prst="straightConnector1">
@@ -10341,7 +14139,7 @@
         </p:nvCxnSpPr>
         <p:spPr>
           <a:xfrm>
-            <a:off x="4327544" y="6382683"/>
+            <a:off x="6307157" y="6382683"/>
             <a:ext cx="1424967" cy="0"/>
           </a:xfrm>
           <a:prstGeom prst="straightConnector1">
@@ -10383,7 +14181,7 @@
         </p:nvSpPr>
         <p:spPr>
           <a:xfrm>
-            <a:off x="3689173" y="6228798"/>
+            <a:off x="5668785" y="6228799"/>
             <a:ext cx="830676" cy="307777"/>
           </a:xfrm>
           <a:prstGeom prst="rect">
@@ -10428,7 +14226,7 @@
         </p:nvSpPr>
         <p:spPr>
           <a:xfrm rot="16200000">
-            <a:off x="3273991" y="5750111"/>
+            <a:off x="5253603" y="5750112"/>
             <a:ext cx="830676" cy="307777"/>
           </a:xfrm>
           <a:prstGeom prst="rect">
@@ -10475,7 +14273,7 @@
         </p:nvCxnSpPr>
         <p:spPr>
           <a:xfrm>
-            <a:off x="4201739" y="3970942"/>
+            <a:off x="6181351" y="3970942"/>
             <a:ext cx="1066614" cy="0"/>
           </a:xfrm>
           <a:prstGeom prst="straightConnector1">
@@ -10518,7 +14316,7 @@
         </p:nvSpPr>
         <p:spPr>
           <a:xfrm>
-            <a:off x="4025171" y="3690237"/>
+            <a:off x="6004783" y="3690238"/>
             <a:ext cx="1371100" cy="307777"/>
           </a:xfrm>
           <a:prstGeom prst="rect">
@@ -10550,7 +14348,7 @@
               <a:t>10 </a:t>
             </a:r>
             <a:r>
-              <a:rPr lang="en-CN" sz="1400" dirty="0">
+              <a:rPr lang="en-CN" sz="1400">
                 <a:solidFill>
                   <a:srgbClr val="FF0000"/>
                 </a:solidFill>
@@ -10598,7 +14396,7 @@
         </p:blipFill>
         <p:spPr>
           <a:xfrm>
-            <a:off x="3844858" y="7844934"/>
+            <a:off x="5824470" y="7844934"/>
             <a:ext cx="3543394" cy="2129558"/>
           </a:xfrm>
           <a:prstGeom prst="rect">
@@ -10625,7 +14423,7 @@
         </p:nvSpPr>
         <p:spPr>
           <a:xfrm>
-            <a:off x="4534863" y="7842147"/>
+            <a:off x="6514475" y="7842147"/>
             <a:ext cx="144000" cy="2129558"/>
           </a:xfrm>
           <a:prstGeom prst="rect">
@@ -10680,7 +14478,7 @@
         </p:nvSpPr>
         <p:spPr>
           <a:xfrm>
-            <a:off x="4703017" y="7840061"/>
+            <a:off x="6682629" y="7840061"/>
             <a:ext cx="144000" cy="2129558"/>
           </a:xfrm>
           <a:prstGeom prst="rect">
@@ -10735,7 +14533,7 @@
         </p:nvSpPr>
         <p:spPr>
           <a:xfrm>
-            <a:off x="4869382" y="7847721"/>
+            <a:off x="6848994" y="7847721"/>
             <a:ext cx="144000" cy="2129558"/>
           </a:xfrm>
           <a:prstGeom prst="rect">
@@ -10790,7 +14588,7 @@
         </p:nvSpPr>
         <p:spPr>
           <a:xfrm>
-            <a:off x="5037536" y="7847721"/>
+            <a:off x="7017148" y="7847721"/>
             <a:ext cx="144000" cy="2129558"/>
           </a:xfrm>
           <a:prstGeom prst="rect">
@@ -10845,7 +14643,7 @@
         </p:nvSpPr>
         <p:spPr>
           <a:xfrm>
-            <a:off x="5206286" y="7840061"/>
+            <a:off x="7185898" y="7840061"/>
             <a:ext cx="144000" cy="2129558"/>
           </a:xfrm>
           <a:prstGeom prst="rect">
@@ -10900,7 +14698,7 @@
         </p:nvSpPr>
         <p:spPr>
           <a:xfrm>
-            <a:off x="5378385" y="7847721"/>
+            <a:off x="7357997" y="7847721"/>
             <a:ext cx="144000" cy="2129558"/>
           </a:xfrm>
           <a:prstGeom prst="rect">
@@ -10955,7 +14753,7 @@
         </p:nvSpPr>
         <p:spPr>
           <a:xfrm>
-            <a:off x="4406804" y="8469801"/>
+            <a:off x="6386417" y="8469801"/>
             <a:ext cx="1224669" cy="861774"/>
           </a:xfrm>
           <a:prstGeom prst="rect">
@@ -11044,7 +14842,7 @@
         </p:nvCxnSpPr>
         <p:spPr>
           <a:xfrm flipV="1">
-            <a:off x="3703899" y="8161368"/>
+            <a:off x="5683511" y="8161368"/>
             <a:ext cx="0" cy="1290838"/>
           </a:xfrm>
           <a:prstGeom prst="straightConnector1">
@@ -11088,7 +14886,7 @@
         </p:nvCxnSpPr>
         <p:spPr>
           <a:xfrm>
-            <a:off x="4348343" y="10135797"/>
+            <a:off x="6327956" y="10135797"/>
             <a:ext cx="1424967" cy="0"/>
           </a:xfrm>
           <a:prstGeom prst="straightConnector1">
@@ -11130,7 +14928,7 @@
         </p:nvSpPr>
         <p:spPr>
           <a:xfrm>
-            <a:off x="3709972" y="9981912"/>
+            <a:off x="5689584" y="9981913"/>
             <a:ext cx="830676" cy="307777"/>
           </a:xfrm>
           <a:prstGeom prst="rect">
@@ -11175,7 +14973,7 @@
         </p:nvSpPr>
         <p:spPr>
           <a:xfrm rot="16200000">
-            <a:off x="3294790" y="9503225"/>
+            <a:off x="5274402" y="9503226"/>
             <a:ext cx="830676" cy="307777"/>
           </a:xfrm>
           <a:prstGeom prst="rect">
@@ -11222,7 +15020,7 @@
         </p:nvCxnSpPr>
         <p:spPr>
           <a:xfrm>
-            <a:off x="4501640" y="7724056"/>
+            <a:off x="6481252" y="7724056"/>
             <a:ext cx="1066614" cy="0"/>
           </a:xfrm>
           <a:prstGeom prst="straightConnector1">
@@ -11265,7 +15063,7 @@
         </p:nvSpPr>
         <p:spPr>
           <a:xfrm>
-            <a:off x="4325072" y="7443351"/>
+            <a:off x="6304684" y="7443352"/>
             <a:ext cx="1371100" cy="307777"/>
           </a:xfrm>
           <a:prstGeom prst="rect">
@@ -11297,7 +15095,7 @@
               <a:t>10 </a:t>
             </a:r>
             <a:r>
-              <a:rPr lang="en-CN" sz="1400" dirty="0">
+              <a:rPr lang="en-CN" sz="1400">
                 <a:solidFill>
                   <a:schemeClr val="accent1"/>
                 </a:solidFill>
@@ -11339,7 +15137,7 @@
         </p:nvCxnSpPr>
         <p:spPr>
           <a:xfrm>
-            <a:off x="4200648" y="4031541"/>
+            <a:off x="6180260" y="4031541"/>
             <a:ext cx="0" cy="5945738"/>
           </a:xfrm>
           <a:prstGeom prst="line">
@@ -11381,7 +15179,7 @@
         </p:nvSpPr>
         <p:spPr>
           <a:xfrm>
-            <a:off x="9629220" y="4952356"/>
+            <a:off x="11608832" y="4952356"/>
             <a:ext cx="190500" cy="190852"/>
           </a:xfrm>
           <a:prstGeom prst="rect">
@@ -11419,7 +15217,7 @@
           <a:lstStyle/>
           <a:p>
             <a:pPr algn="ctr"/>
-            <a:endParaRPr lang="en-CN" dirty="0"/>
+            <a:endParaRPr lang="en-CN"/>
           </a:p>
         </p:txBody>
       </p:sp>
@@ -11437,7 +15235,7 @@
         </p:nvSpPr>
         <p:spPr>
           <a:xfrm>
-            <a:off x="4510709" y="7844934"/>
+            <a:off x="6490321" y="7844934"/>
             <a:ext cx="1011676" cy="2129558"/>
           </a:xfrm>
           <a:prstGeom prst="rect">
@@ -11496,7 +15294,7 @@
         </p:nvSpPr>
         <p:spPr>
           <a:xfrm>
-            <a:off x="9805839" y="5146776"/>
+            <a:off x="11785451" y="5146776"/>
             <a:ext cx="190500" cy="190852"/>
           </a:xfrm>
           <a:prstGeom prst="rect">
@@ -11534,7 +15332,7 @@
           <a:lstStyle/>
           <a:p>
             <a:pPr algn="ctr"/>
-            <a:endParaRPr lang="en-CN" dirty="0"/>
+            <a:endParaRPr lang="en-CN"/>
           </a:p>
         </p:txBody>
       </p:sp>
@@ -11554,7 +15352,7 @@
         </p:nvCxnSpPr>
         <p:spPr>
           <a:xfrm>
-            <a:off x="5545535" y="4031541"/>
+            <a:off x="7525147" y="4031541"/>
             <a:ext cx="0" cy="5945738"/>
           </a:xfrm>
           <a:prstGeom prst="line">
@@ -11598,7 +15396,7 @@
         </p:nvCxnSpPr>
         <p:spPr>
           <a:xfrm flipV="1">
-            <a:off x="5308022" y="5058681"/>
+            <a:off x="7287635" y="5058682"/>
             <a:ext cx="4237191" cy="137923"/>
           </a:xfrm>
           <a:prstGeom prst="straightConnector1">
@@ -11642,7 +15440,7 @@
         </p:nvCxnSpPr>
         <p:spPr>
           <a:xfrm flipV="1">
-            <a:off x="5640477" y="5357909"/>
+            <a:off x="7620089" y="5357909"/>
             <a:ext cx="4110260" cy="3558322"/>
           </a:xfrm>
           <a:prstGeom prst="straightConnector1">
@@ -11683,7 +15481,7 @@
 </p:sld>
 </file>
 
-<file path=ppt/slides/slide6.xml><?xml version="1.0" encoding="utf-8"?>
+<file path=ppt/slides/slide8.xml><?xml version="1.0" encoding="utf-8"?>
 <p:sld xmlns:a="http://schemas.openxmlformats.org/drawingml/2006/main" xmlns:r="http://schemas.openxmlformats.org/officeDocument/2006/relationships" xmlns:p="http://schemas.openxmlformats.org/presentationml/2006/main">
   <p:cSld>
     <p:spTree>
@@ -11728,7 +15526,7 @@
         </p:blipFill>
         <p:spPr>
           <a:xfrm>
-            <a:off x="3946134" y="6002724"/>
+            <a:off x="5925747" y="6002725"/>
             <a:ext cx="8308173" cy="2696029"/>
           </a:xfrm>
           <a:prstGeom prst="rect">
@@ -11758,7 +15556,7 @@
         </p:blipFill>
         <p:spPr>
           <a:xfrm>
-            <a:off x="3946134" y="3809960"/>
+            <a:off x="5925747" y="3809960"/>
             <a:ext cx="2695535" cy="1620000"/>
           </a:xfrm>
           <a:prstGeom prst="rect">
@@ -11788,7 +15586,7 @@
         </p:blipFill>
         <p:spPr>
           <a:xfrm>
-            <a:off x="9590047" y="3809960"/>
+            <a:off x="11569659" y="3809960"/>
             <a:ext cx="2664258" cy="1620000"/>
           </a:xfrm>
           <a:prstGeom prst="rect">
@@ -11810,8 +15608,8 @@
         </p:nvSpPr>
         <p:spPr>
           <a:xfrm>
-            <a:off x="4655272" y="5468872"/>
-            <a:ext cx="1277257" cy="437812"/>
+            <a:off x="6634885" y="5468872"/>
+            <a:ext cx="1277257" cy="369332"/>
           </a:xfrm>
           <a:prstGeom prst="rect">
             <a:avLst/>
@@ -11825,7 +15623,7 @@
           <a:lstStyle/>
           <a:p>
             <a:r>
-              <a:rPr lang="en-CN" b="1" dirty="0">
+              <a:rPr lang="en-CN" b="1">
                 <a:latin typeface="Helvetica" pitchFamily="2" charset="0"/>
               </a:rPr>
               <a:t>HPC PV</a:t>
@@ -11847,8 +15645,8 @@
         </p:nvSpPr>
         <p:spPr>
           <a:xfrm>
-            <a:off x="10283549" y="5448449"/>
-            <a:ext cx="1277257" cy="783291"/>
+            <a:off x="12263162" y="5448449"/>
+            <a:ext cx="1277257" cy="369332"/>
           </a:xfrm>
           <a:prstGeom prst="rect">
             <a:avLst/>
@@ -11862,7 +15660,7 @@
           <a:lstStyle/>
           <a:p>
             <a:r>
-              <a:rPr lang="en-CN" b="1" dirty="0">
+              <a:rPr lang="en-CN" b="1">
                 <a:latin typeface="Helvetica" pitchFamily="2" charset="0"/>
               </a:rPr>
               <a:t>mPFC PV</a:t>
@@ -11893,7 +15691,7 @@
         </p:blipFill>
         <p:spPr>
           <a:xfrm>
-            <a:off x="7365966" y="3747525"/>
+            <a:off x="9345579" y="3747525"/>
             <a:ext cx="1533895" cy="1744870"/>
           </a:xfrm>
           <a:prstGeom prst="rect">
@@ -11917,7 +15715,7 @@
         </p:nvCxnSpPr>
         <p:spPr>
           <a:xfrm>
-            <a:off x="6712144" y="4607519"/>
+            <a:off x="8691757" y="4607519"/>
             <a:ext cx="603379" cy="0"/>
           </a:xfrm>
           <a:prstGeom prst="straightConnector1">
@@ -11961,7 +15759,7 @@
         </p:nvCxnSpPr>
         <p:spPr>
           <a:xfrm>
-            <a:off x="8960544" y="4607519"/>
+            <a:off x="10940157" y="4607519"/>
             <a:ext cx="603379" cy="0"/>
           </a:xfrm>
           <a:prstGeom prst="straightConnector1">
@@ -12003,8 +15801,8 @@
         </p:nvSpPr>
         <p:spPr>
           <a:xfrm>
-            <a:off x="7494284" y="5512081"/>
-            <a:ext cx="2069639" cy="437812"/>
+            <a:off x="9473897" y="5512081"/>
+            <a:ext cx="2069639" cy="369332"/>
           </a:xfrm>
           <a:prstGeom prst="rect">
             <a:avLst/>
@@ -12018,7 +15816,7 @@
           <a:lstStyle/>
           <a:p>
             <a:r>
-              <a:rPr lang="en-CN" b="1" dirty="0">
+              <a:rPr lang="en-CN" b="1">
                 <a:latin typeface="Helvetica" pitchFamily="2" charset="0"/>
               </a:rPr>
               <a:t>MLP Model</a:t>
@@ -12040,8 +15838,8 @@
         </p:nvSpPr>
         <p:spPr>
           <a:xfrm>
-            <a:off x="3946134" y="8751005"/>
-            <a:ext cx="8308173" cy="1128771"/>
+            <a:off x="5925747" y="8751006"/>
+            <a:ext cx="8308173" cy="646331"/>
           </a:xfrm>
           <a:prstGeom prst="rect">
             <a:avLst/>
@@ -12055,7 +15853,7 @@
           <a:lstStyle/>
           <a:p>
             <a:r>
-              <a:rPr lang="en-CN" b="1" dirty="0">
+              <a:rPr lang="en-CN" b="1">
                 <a:latin typeface="Helvetica" pitchFamily="2" charset="0"/>
               </a:rPr>
               <a:t>Comparing mapping loss against shuffle reveals correlation in the activity patterns of the two regions during delay phase.</a:t>
@@ -12067,42 +15865,6 @@
     <p:extLst>
       <p:ext uri="{BB962C8B-B14F-4D97-AF65-F5344CB8AC3E}">
         <p14:creationId xmlns:p14="http://schemas.microsoft.com/office/powerpoint/2010/main" val="3035392598"/>
-      </p:ext>
-    </p:extLst>
-  </p:cSld>
-  <p:clrMapOvr>
-    <a:masterClrMapping/>
-  </p:clrMapOvr>
-</p:sld>
-</file>
-
-<file path=ppt/slides/slide7.xml><?xml version="1.0" encoding="utf-8"?>
-<p:sld xmlns:a="http://schemas.openxmlformats.org/drawingml/2006/main" xmlns:r="http://schemas.openxmlformats.org/officeDocument/2006/relationships" xmlns:p="http://schemas.openxmlformats.org/presentationml/2006/main">
-  <p:cSld>
-    <p:spTree>
-      <p:nvGrpSpPr>
-        <p:cNvPr id="1" name="">
-          <a:extLst>
-            <a:ext uri="{FF2B5EF4-FFF2-40B4-BE49-F238E27FC236}">
-              <a16:creationId xmlns:a16="http://schemas.microsoft.com/office/drawing/2014/main" id="{EE9071D9-FF40-AF44-90BA-071DE6DB8D90}"/>
-            </a:ext>
-          </a:extLst>
-        </p:cNvPr>
-        <p:cNvGrpSpPr/>
-        <p:nvPr/>
-      </p:nvGrpSpPr>
-      <p:grpSpPr>
-        <a:xfrm>
-          <a:off x="0" y="0"/>
-          <a:ext cx="0" cy="0"/>
-          <a:chOff x="0" y="0"/>
-          <a:chExt cx="0" cy="0"/>
-        </a:xfrm>
-      </p:grpSpPr>
-    </p:spTree>
-    <p:extLst>
-      <p:ext uri="{BB962C8B-B14F-4D97-AF65-F5344CB8AC3E}">
-        <p14:creationId xmlns:p14="http://schemas.microsoft.com/office/powerpoint/2010/main" val="810757557"/>
       </p:ext>
     </p:extLst>
   </p:cSld>
